--- a/3月　最終報告/最終報告.pptx
+++ b/3月　最終報告/最終報告.pptx
@@ -12,17 +12,22 @@
     <p:sldId id="271" r:id="rId6"/>
     <p:sldId id="272" r:id="rId7"/>
     <p:sldId id="274" r:id="rId8"/>
-    <p:sldId id="275" r:id="rId9"/>
-    <p:sldId id="258" r:id="rId10"/>
-    <p:sldId id="273" r:id="rId11"/>
-    <p:sldId id="259" r:id="rId12"/>
-    <p:sldId id="260" r:id="rId13"/>
-    <p:sldId id="265" r:id="rId14"/>
-    <p:sldId id="261" r:id="rId15"/>
-    <p:sldId id="262" r:id="rId16"/>
-    <p:sldId id="263" r:id="rId17"/>
-    <p:sldId id="269" r:id="rId18"/>
-    <p:sldId id="268" r:id="rId19"/>
+    <p:sldId id="279" r:id="rId9"/>
+    <p:sldId id="280" r:id="rId10"/>
+    <p:sldId id="275" r:id="rId11"/>
+    <p:sldId id="277" r:id="rId12"/>
+    <p:sldId id="281" r:id="rId13"/>
+    <p:sldId id="282" r:id="rId14"/>
+    <p:sldId id="273" r:id="rId15"/>
+    <p:sldId id="276" r:id="rId16"/>
+    <p:sldId id="259" r:id="rId17"/>
+    <p:sldId id="260" r:id="rId18"/>
+    <p:sldId id="265" r:id="rId19"/>
+    <p:sldId id="261" r:id="rId20"/>
+    <p:sldId id="262" r:id="rId21"/>
+    <p:sldId id="263" r:id="rId22"/>
+    <p:sldId id="269" r:id="rId23"/>
+    <p:sldId id="268" r:id="rId24"/>
   </p:sldIdLst>
   <p:sldSz cx="12192000" cy="6858000"/>
   <p:notesSz cx="6858000" cy="9144000"/>
@@ -317,7 +322,7 @@
           <a:p>
             <a:fld id="{E4E4D631-585C-3D40-930A-689CFE73E77E}" type="datetimeFigureOut">
               <a:rPr kumimoji="1" lang="ja-JP" altLang="en-US" smtClean="0"/>
-              <a:t>2022/1/20</a:t>
+              <a:t>2022/1/21</a:t>
             </a:fld>
             <a:endParaRPr kumimoji="1" lang="ja-JP" altLang="en-US"/>
           </a:p>
@@ -692,7 +697,7 @@
           <a:p>
             <a:fld id="{E4E4D631-585C-3D40-930A-689CFE73E77E}" type="datetimeFigureOut">
               <a:rPr kumimoji="1" lang="ja-JP" altLang="en-US" smtClean="0"/>
-              <a:t>2022/1/20</a:t>
+              <a:t>2022/1/21</a:t>
             </a:fld>
             <a:endParaRPr kumimoji="1" lang="ja-JP" altLang="en-US"/>
           </a:p>
@@ -1167,7 +1172,7 @@
           <a:p>
             <a:fld id="{E4E4D631-585C-3D40-930A-689CFE73E77E}" type="datetimeFigureOut">
               <a:rPr kumimoji="1" lang="ja-JP" altLang="en-US" smtClean="0"/>
-              <a:t>2022/1/20</a:t>
+              <a:t>2022/1/21</a:t>
             </a:fld>
             <a:endParaRPr kumimoji="1" lang="ja-JP" altLang="en-US"/>
           </a:p>
@@ -1540,7 +1545,7 @@
           <a:p>
             <a:fld id="{E4E4D631-585C-3D40-930A-689CFE73E77E}" type="datetimeFigureOut">
               <a:rPr kumimoji="1" lang="ja-JP" altLang="en-US" smtClean="0"/>
-              <a:t>2022/1/20</a:t>
+              <a:t>2022/1/21</a:t>
             </a:fld>
             <a:endParaRPr kumimoji="1" lang="ja-JP" altLang="en-US"/>
           </a:p>
@@ -1934,7 +1939,7 @@
           <a:p>
             <a:fld id="{E4E4D631-585C-3D40-930A-689CFE73E77E}" type="datetimeFigureOut">
               <a:rPr kumimoji="1" lang="ja-JP" altLang="en-US" smtClean="0"/>
-              <a:t>2022/1/20</a:t>
+              <a:t>2022/1/21</a:t>
             </a:fld>
             <a:endParaRPr kumimoji="1" lang="ja-JP" altLang="en-US"/>
           </a:p>
@@ -2404,7 +2409,7 @@
           <a:p>
             <a:fld id="{E4E4D631-585C-3D40-930A-689CFE73E77E}" type="datetimeFigureOut">
               <a:rPr kumimoji="1" lang="ja-JP" altLang="en-US" smtClean="0"/>
-              <a:t>2022/1/20</a:t>
+              <a:t>2022/1/21</a:t>
             </a:fld>
             <a:endParaRPr kumimoji="1" lang="ja-JP" altLang="en-US"/>
           </a:p>
@@ -2669,7 +2674,7 @@
           <a:p>
             <a:fld id="{E4E4D631-585C-3D40-930A-689CFE73E77E}" type="datetimeFigureOut">
               <a:rPr kumimoji="1" lang="ja-JP" altLang="en-US" smtClean="0"/>
-              <a:t>2022/1/20</a:t>
+              <a:t>2022/1/21</a:t>
             </a:fld>
             <a:endParaRPr kumimoji="1" lang="ja-JP" altLang="en-US"/>
           </a:p>
@@ -2939,7 +2944,7 @@
           <a:p>
             <a:fld id="{E4E4D631-585C-3D40-930A-689CFE73E77E}" type="datetimeFigureOut">
               <a:rPr kumimoji="1" lang="ja-JP" altLang="en-US" smtClean="0"/>
-              <a:t>2022/1/20</a:t>
+              <a:t>2022/1/21</a:t>
             </a:fld>
             <a:endParaRPr kumimoji="1" lang="ja-JP" altLang="en-US"/>
           </a:p>
@@ -3209,7 +3214,7 @@
           <a:p>
             <a:fld id="{E4E4D631-585C-3D40-930A-689CFE73E77E}" type="datetimeFigureOut">
               <a:rPr kumimoji="1" lang="ja-JP" altLang="en-US" smtClean="0"/>
-              <a:t>2022/1/20</a:t>
+              <a:t>2022/1/21</a:t>
             </a:fld>
             <a:endParaRPr kumimoji="1" lang="ja-JP" altLang="en-US"/>
           </a:p>
@@ -3575,7 +3580,7 @@
           <a:p>
             <a:fld id="{E4E4D631-585C-3D40-930A-689CFE73E77E}" type="datetimeFigureOut">
               <a:rPr kumimoji="1" lang="ja-JP" altLang="en-US" smtClean="0"/>
-              <a:t>2022/1/20</a:t>
+              <a:t>2022/1/21</a:t>
             </a:fld>
             <a:endParaRPr kumimoji="1" lang="ja-JP" altLang="en-US"/>
           </a:p>
@@ -3914,7 +3919,7 @@
           <a:p>
             <a:fld id="{E4E4D631-585C-3D40-930A-689CFE73E77E}" type="datetimeFigureOut">
               <a:rPr kumimoji="1" lang="ja-JP" altLang="en-US" smtClean="0"/>
-              <a:t>2022/1/20</a:t>
+              <a:t>2022/1/21</a:t>
             </a:fld>
             <a:endParaRPr kumimoji="1" lang="ja-JP" altLang="en-US"/>
           </a:p>
@@ -4461,7 +4466,7 @@
           <a:p>
             <a:fld id="{E4E4D631-585C-3D40-930A-689CFE73E77E}" type="datetimeFigureOut">
               <a:rPr kumimoji="1" lang="ja-JP" altLang="en-US" smtClean="0"/>
-              <a:t>2022/1/20</a:t>
+              <a:t>2022/1/21</a:t>
             </a:fld>
             <a:endParaRPr kumimoji="1" lang="ja-JP" altLang="en-US"/>
           </a:p>
@@ -4666,7 +4671,7 @@
           <a:p>
             <a:fld id="{E4E4D631-585C-3D40-930A-689CFE73E77E}" type="datetimeFigureOut">
               <a:rPr kumimoji="1" lang="ja-JP" altLang="en-US" smtClean="0"/>
-              <a:t>2022/1/20</a:t>
+              <a:t>2022/1/21</a:t>
             </a:fld>
             <a:endParaRPr kumimoji="1" lang="ja-JP" altLang="en-US"/>
           </a:p>
@@ -4843,7 +4848,7 @@
           <a:p>
             <a:fld id="{E4E4D631-585C-3D40-930A-689CFE73E77E}" type="datetimeFigureOut">
               <a:rPr kumimoji="1" lang="ja-JP" altLang="en-US" smtClean="0"/>
-              <a:t>2022/1/20</a:t>
+              <a:t>2022/1/21</a:t>
             </a:fld>
             <a:endParaRPr kumimoji="1" lang="ja-JP" altLang="en-US"/>
           </a:p>
@@ -5221,7 +5226,7 @@
           <a:p>
             <a:fld id="{E4E4D631-585C-3D40-930A-689CFE73E77E}" type="datetimeFigureOut">
               <a:rPr kumimoji="1" lang="ja-JP" altLang="en-US" smtClean="0"/>
-              <a:t>2022/1/20</a:t>
+              <a:t>2022/1/21</a:t>
             </a:fld>
             <a:endParaRPr kumimoji="1" lang="ja-JP" altLang="en-US"/>
           </a:p>
@@ -5603,7 +5608,7 @@
           <a:p>
             <a:fld id="{E4E4D631-585C-3D40-930A-689CFE73E77E}" type="datetimeFigureOut">
               <a:rPr kumimoji="1" lang="ja-JP" altLang="en-US" smtClean="0"/>
-              <a:t>2022/1/20</a:t>
+              <a:t>2022/1/21</a:t>
             </a:fld>
             <a:endParaRPr kumimoji="1" lang="ja-JP" altLang="en-US"/>
           </a:p>
@@ -7728,7 +7733,7 @@
           <a:p>
             <a:fld id="{E4E4D631-585C-3D40-930A-689CFE73E77E}" type="datetimeFigureOut">
               <a:rPr kumimoji="1" lang="ja-JP" altLang="en-US" smtClean="0"/>
-              <a:t>2022/1/20</a:t>
+              <a:t>2022/1/21</a:t>
             </a:fld>
             <a:endParaRPr kumimoji="1" lang="ja-JP" altLang="en-US"/>
           </a:p>
@@ -8344,6 +8349,828 @@
           <p:cNvPr id="2" name="タイトル 1">
             <a:extLst>
               <a:ext uri="{FF2B5EF4-FFF2-40B4-BE49-F238E27FC236}">
+                <a16:creationId xmlns:a16="http://schemas.microsoft.com/office/drawing/2014/main" id="{D7B1B9ED-5BA1-C14F-9948-66ACA8DCB88E}"/>
+              </a:ext>
+            </a:extLst>
+          </p:cNvPr>
+          <p:cNvSpPr>
+            <a:spLocks noGrp="1"/>
+          </p:cNvSpPr>
+          <p:nvPr>
+            <p:ph type="title"/>
+          </p:nvPr>
+        </p:nvSpPr>
+        <p:spPr/>
+        <p:txBody>
+          <a:bodyPr/>
+          <a:lstStyle/>
+          <a:p>
+            <a:r>
+              <a:rPr kumimoji="1" lang="ja-JP" altLang="en-US"/>
+              <a:t>目的関数と席割図</a:t>
+            </a:r>
+          </a:p>
+        </p:txBody>
+      </p:sp>
+      <p:sp>
+        <p:nvSpPr>
+          <p:cNvPr id="3" name="コンテンツ プレースホルダー 2">
+            <a:extLst>
+              <a:ext uri="{FF2B5EF4-FFF2-40B4-BE49-F238E27FC236}">
+                <a16:creationId xmlns:a16="http://schemas.microsoft.com/office/drawing/2014/main" id="{30431501-BA2F-F845-A567-99848F53BAA0}"/>
+              </a:ext>
+            </a:extLst>
+          </p:cNvPr>
+          <p:cNvSpPr>
+            <a:spLocks noGrp="1"/>
+          </p:cNvSpPr>
+          <p:nvPr>
+            <p:ph idx="1"/>
+          </p:nvPr>
+        </p:nvSpPr>
+        <p:spPr>
+          <a:xfrm>
+            <a:off x="2589212" y="2133600"/>
+            <a:ext cx="8915400" cy="4031674"/>
+          </a:xfrm>
+        </p:spPr>
+        <p:txBody>
+          <a:bodyPr>
+            <a:normAutofit lnSpcReduction="10000"/>
+          </a:bodyPr>
+          <a:lstStyle/>
+          <a:p>
+            <a:r>
+              <a:rPr lang="ja-JP" altLang="en-US" sz="2400"/>
+              <a:t>アルゴリズムでは、目的関数の値だけを考慮して解を探索</a:t>
+            </a:r>
+            <a:endParaRPr lang="en-US" altLang="ja-JP" sz="2400" dirty="0"/>
+          </a:p>
+          <a:p>
+            <a:endParaRPr lang="en-US" altLang="ja-JP" sz="2400" dirty="0"/>
+          </a:p>
+          <a:p>
+            <a:pPr marL="457200" indent="-457200">
+              <a:buFont typeface="+mj-lt"/>
+              <a:buAutoNum type="arabicPeriod"/>
+            </a:pPr>
+            <a:r>
+              <a:rPr lang="ja-JP" altLang="en-US" sz="2000">
+                <a:latin typeface="+mn-ea"/>
+              </a:rPr>
+              <a:t>一つのホールド内に複数の積み地、揚げ地の注文が入るのを減らしたい </a:t>
+            </a:r>
+            <a:endParaRPr lang="en-US" altLang="ja-JP" sz="2000" dirty="0">
+              <a:latin typeface="+mn-ea"/>
+            </a:endParaRPr>
+          </a:p>
+          <a:p>
+            <a:pPr marL="457200" indent="-457200">
+              <a:buFont typeface="+mj-lt"/>
+              <a:buAutoNum type="arabicPeriod"/>
+            </a:pPr>
+            <a:r>
+              <a:rPr lang="ja-JP" altLang="en-US" sz="2000">
+                <a:latin typeface="+mn-ea"/>
+              </a:rPr>
+              <a:t>船の内部で注文の積み地と揚げ地をなるべく揃えたい</a:t>
+            </a:r>
+            <a:endParaRPr lang="en-US" altLang="ja-JP" sz="2000" dirty="0">
+              <a:latin typeface="+mn-ea"/>
+            </a:endParaRPr>
+          </a:p>
+          <a:p>
+            <a:pPr marL="457200" indent="-457200">
+              <a:buFont typeface="+mj-lt"/>
+              <a:buAutoNum type="arabicPeriod"/>
+            </a:pPr>
+            <a:r>
+              <a:rPr lang="ja-JP" altLang="en-US" sz="2000">
+                <a:latin typeface="+mn-ea"/>
+              </a:rPr>
+              <a:t>貨物の取り回しスペースを確保したい</a:t>
+            </a:r>
+            <a:endParaRPr lang="en-US" altLang="ja-JP" sz="2000" dirty="0">
+              <a:latin typeface="+mn-ea"/>
+            </a:endParaRPr>
+          </a:p>
+          <a:p>
+            <a:pPr marL="457200" indent="-457200">
+              <a:buFont typeface="+mj-lt"/>
+              <a:buAutoNum type="arabicPeriod"/>
+            </a:pPr>
+            <a:r>
+              <a:rPr lang="ja-JP" altLang="en-US" sz="2000">
+                <a:latin typeface="+mn-ea"/>
+              </a:rPr>
+              <a:t>残容量を入口付近に寄せたい </a:t>
+            </a:r>
+            <a:endParaRPr lang="en-US" altLang="ja-JP" sz="2000" dirty="0">
+              <a:latin typeface="+mn-ea"/>
+            </a:endParaRPr>
+          </a:p>
+          <a:p>
+            <a:pPr marL="457200" indent="-457200">
+              <a:buFont typeface="+mj-lt"/>
+              <a:buAutoNum type="arabicPeriod"/>
+            </a:pPr>
+            <a:endParaRPr lang="en-US" altLang="ja-JP" sz="2000" dirty="0">
+              <a:latin typeface="+mn-ea"/>
+            </a:endParaRPr>
+          </a:p>
+          <a:p>
+            <a:pPr marL="0" indent="0">
+              <a:buNone/>
+            </a:pPr>
+            <a:r>
+              <a:rPr lang="en-US" altLang="ja-JP" sz="2400" dirty="0">
+                <a:latin typeface="+mn-ea"/>
+              </a:rPr>
+              <a:t>1,2,3</a:t>
+            </a:r>
+            <a:r>
+              <a:rPr lang="ja-JP" altLang="en-US" sz="2400">
+                <a:latin typeface="+mn-ea"/>
+              </a:rPr>
+              <a:t>を満たすと値は</a:t>
+            </a:r>
+            <a:r>
+              <a:rPr lang="en-US" altLang="ja-JP" sz="2400" dirty="0">
+                <a:latin typeface="+mn-ea"/>
+              </a:rPr>
+              <a:t>0</a:t>
+            </a:r>
+            <a:r>
+              <a:rPr lang="ja-JP" altLang="en-US" sz="2400">
+                <a:latin typeface="+mn-ea"/>
+              </a:rPr>
+              <a:t>に近づく</a:t>
+            </a:r>
+            <a:endParaRPr lang="en-US" altLang="ja-JP" sz="2400" dirty="0">
+              <a:latin typeface="+mn-ea"/>
+            </a:endParaRPr>
+          </a:p>
+          <a:p>
+            <a:pPr marL="0" indent="0">
+              <a:buNone/>
+            </a:pPr>
+            <a:r>
+              <a:rPr lang="en-US" altLang="ja-JP" sz="2400" dirty="0">
+                <a:latin typeface="+mn-ea"/>
+              </a:rPr>
+              <a:t>4</a:t>
+            </a:r>
+            <a:r>
+              <a:rPr lang="ja-JP" altLang="en-US" sz="2400">
+                <a:latin typeface="+mn-ea"/>
+              </a:rPr>
+              <a:t>を満たすと値はマイナスに進む</a:t>
+            </a:r>
+            <a:endParaRPr lang="en-US" altLang="ja-JP" sz="2400" dirty="0"/>
+          </a:p>
+          <a:p>
+            <a:pPr marL="0" indent="0">
+              <a:buNone/>
+            </a:pPr>
+            <a:endParaRPr lang="en-US" altLang="ja-JP" sz="2400" dirty="0"/>
+          </a:p>
+          <a:p>
+            <a:endParaRPr lang="en-US" altLang="ja-JP" sz="2400" dirty="0"/>
+          </a:p>
+        </p:txBody>
+      </p:sp>
+    </p:spTree>
+    <p:extLst>
+      <p:ext uri="{BB962C8B-B14F-4D97-AF65-F5344CB8AC3E}">
+        <p14:creationId xmlns:p14="http://schemas.microsoft.com/office/powerpoint/2010/main" val="2762209749"/>
+      </p:ext>
+    </p:extLst>
+  </p:cSld>
+  <p:clrMapOvr>
+    <a:masterClrMapping/>
+  </p:clrMapOvr>
+</p:sld>
+</file>
+
+<file path=ppt/slides/slide11.xml><?xml version="1.0" encoding="utf-8"?>
+<p:sld xmlns:a="http://schemas.openxmlformats.org/drawingml/2006/main" xmlns:r="http://schemas.openxmlformats.org/officeDocument/2006/relationships" xmlns:p="http://schemas.openxmlformats.org/presentationml/2006/main">
+  <p:cSld>
+    <p:spTree>
+      <p:nvGrpSpPr>
+        <p:cNvPr id="1" name=""/>
+        <p:cNvGrpSpPr/>
+        <p:nvPr/>
+      </p:nvGrpSpPr>
+      <p:grpSpPr>
+        <a:xfrm>
+          <a:off x="0" y="0"/>
+          <a:ext cx="0" cy="0"/>
+          <a:chOff x="0" y="0"/>
+          <a:chExt cx="0" cy="0"/>
+        </a:xfrm>
+      </p:grpSpPr>
+      <p:sp>
+        <p:nvSpPr>
+          <p:cNvPr id="2" name="タイトル 1">
+            <a:extLst>
+              <a:ext uri="{FF2B5EF4-FFF2-40B4-BE49-F238E27FC236}">
+                <a16:creationId xmlns:a16="http://schemas.microsoft.com/office/drawing/2014/main" id="{B26FEF0F-01A5-FE4E-AACA-0EBBF6FCE42E}"/>
+              </a:ext>
+            </a:extLst>
+          </p:cNvPr>
+          <p:cNvSpPr>
+            <a:spLocks noGrp="1"/>
+          </p:cNvSpPr>
+          <p:nvPr>
+            <p:ph type="title"/>
+          </p:nvPr>
+        </p:nvSpPr>
+        <p:spPr/>
+        <p:txBody>
+          <a:bodyPr/>
+          <a:lstStyle/>
+          <a:p>
+            <a:r>
+              <a:rPr lang="ja-JP" altLang="en-US"/>
+              <a:t>目的関数と席割図の対比</a:t>
+            </a:r>
+            <a:endParaRPr kumimoji="1" lang="ja-JP" altLang="en-US"/>
+          </a:p>
+        </p:txBody>
+      </p:sp>
+      <p:sp>
+        <p:nvSpPr>
+          <p:cNvPr id="3" name="コンテンツ プレースホルダー 2">
+            <a:extLst>
+              <a:ext uri="{FF2B5EF4-FFF2-40B4-BE49-F238E27FC236}">
+                <a16:creationId xmlns:a16="http://schemas.microsoft.com/office/drawing/2014/main" id="{C3A4A5D5-741C-A042-BC94-C11D1154E760}"/>
+              </a:ext>
+            </a:extLst>
+          </p:cNvPr>
+          <p:cNvSpPr>
+            <a:spLocks noGrp="1"/>
+          </p:cNvSpPr>
+          <p:nvPr>
+            <p:ph idx="1"/>
+          </p:nvPr>
+        </p:nvSpPr>
+        <p:spPr>
+          <a:xfrm>
+            <a:off x="2589212" y="2039330"/>
+            <a:ext cx="8915400" cy="3777622"/>
+          </a:xfrm>
+        </p:spPr>
+        <p:txBody>
+          <a:bodyPr>
+            <a:normAutofit/>
+          </a:bodyPr>
+          <a:lstStyle/>
+          <a:p>
+            <a:r>
+              <a:rPr kumimoji="1" lang="ja-JP" altLang="en-US" sz="2400"/>
+              <a:t>目的関数の値</a:t>
+            </a:r>
+            <a:r>
+              <a:rPr kumimoji="1" lang="en-US" altLang="ja-JP" sz="2400" dirty="0"/>
+              <a:t>: 3000</a:t>
+            </a:r>
+            <a:r>
+              <a:rPr kumimoji="1" lang="ja-JP" altLang="en-US" sz="2400"/>
+              <a:t>のとき</a:t>
+            </a:r>
+            <a:endParaRPr kumimoji="1" lang="en-US" altLang="ja-JP" sz="2400" dirty="0"/>
+          </a:p>
+          <a:p>
+            <a:r>
+              <a:rPr kumimoji="1" lang="ja-JP" altLang="en-US" sz="2400"/>
+              <a:t>探索における序盤</a:t>
+            </a:r>
+            <a:endParaRPr kumimoji="1" lang="en-US" altLang="ja-JP" sz="2400" dirty="0"/>
+          </a:p>
+          <a:p>
+            <a:pPr marL="0" indent="0">
+              <a:buNone/>
+            </a:pPr>
+            <a:r>
+              <a:rPr lang="en-US" altLang="ja-JP" sz="2400" dirty="0"/>
+              <a:t>         </a:t>
+            </a:r>
+            <a:r>
+              <a:rPr lang="ja-JP" altLang="en-US" sz="2400"/>
+              <a:t>積み地</a:t>
+            </a:r>
+            <a:r>
+              <a:rPr lang="en-US" altLang="ja-JP" sz="2400" dirty="0"/>
+              <a:t>									</a:t>
+            </a:r>
+            <a:r>
+              <a:rPr lang="ja-JP" altLang="en-US" sz="2400"/>
+              <a:t>揚げ地</a:t>
+            </a:r>
+            <a:r>
+              <a:rPr lang="en-US" altLang="ja-JP" sz="2400" dirty="0"/>
+              <a:t>					</a:t>
+            </a:r>
+            <a:endParaRPr kumimoji="1" lang="en-US" altLang="ja-JP" sz="2400" dirty="0"/>
+          </a:p>
+          <a:p>
+            <a:pPr marL="0" indent="0">
+              <a:buNone/>
+            </a:pPr>
+            <a:endParaRPr kumimoji="1" lang="ja-JP" altLang="en-US" sz="2400"/>
+          </a:p>
+        </p:txBody>
+      </p:sp>
+      <p:pic>
+        <p:nvPicPr>
+          <p:cNvPr id="5" name="図 4">
+            <a:extLst>
+              <a:ext uri="{FF2B5EF4-FFF2-40B4-BE49-F238E27FC236}">
+                <a16:creationId xmlns:a16="http://schemas.microsoft.com/office/drawing/2014/main" id="{528FD7DA-C74A-9B46-81E4-9FC5C27D0175}"/>
+              </a:ext>
+            </a:extLst>
+          </p:cNvPr>
+          <p:cNvPicPr>
+            <a:picLocks noChangeAspect="1"/>
+          </p:cNvPicPr>
+          <p:nvPr/>
+        </p:nvPicPr>
+        <p:blipFill>
+          <a:blip r:embed="rId2"/>
+          <a:stretch>
+            <a:fillRect/>
+          </a:stretch>
+        </p:blipFill>
+        <p:spPr>
+          <a:xfrm>
+            <a:off x="1357746" y="2338833"/>
+            <a:ext cx="6386945" cy="9038334"/>
+          </a:xfrm>
+          <a:prstGeom prst="rect">
+            <a:avLst/>
+          </a:prstGeom>
+        </p:spPr>
+      </p:pic>
+      <p:pic>
+        <p:nvPicPr>
+          <p:cNvPr id="7" name="図 6">
+            <a:extLst>
+              <a:ext uri="{FF2B5EF4-FFF2-40B4-BE49-F238E27FC236}">
+                <a16:creationId xmlns:a16="http://schemas.microsoft.com/office/drawing/2014/main" id="{6C37ECBA-E2A9-EE45-A8DB-E5190FC82BA8}"/>
+              </a:ext>
+            </a:extLst>
+          </p:cNvPr>
+          <p:cNvPicPr>
+            <a:picLocks noChangeAspect="1"/>
+          </p:cNvPicPr>
+          <p:nvPr/>
+        </p:nvPicPr>
+        <p:blipFill>
+          <a:blip r:embed="rId3"/>
+          <a:stretch>
+            <a:fillRect/>
+          </a:stretch>
+        </p:blipFill>
+        <p:spPr>
+          <a:xfrm>
+            <a:off x="6303817" y="2473163"/>
+            <a:ext cx="6065017" cy="8582764"/>
+          </a:xfrm>
+          <a:prstGeom prst="rect">
+            <a:avLst/>
+          </a:prstGeom>
+        </p:spPr>
+      </p:pic>
+    </p:spTree>
+    <p:extLst>
+      <p:ext uri="{BB962C8B-B14F-4D97-AF65-F5344CB8AC3E}">
+        <p14:creationId xmlns:p14="http://schemas.microsoft.com/office/powerpoint/2010/main" val="1467192094"/>
+      </p:ext>
+    </p:extLst>
+  </p:cSld>
+  <p:clrMapOvr>
+    <a:masterClrMapping/>
+  </p:clrMapOvr>
+</p:sld>
+</file>
+
+<file path=ppt/slides/slide12.xml><?xml version="1.0" encoding="utf-8"?>
+<p:sld xmlns:a="http://schemas.openxmlformats.org/drawingml/2006/main" xmlns:r="http://schemas.openxmlformats.org/officeDocument/2006/relationships" xmlns:p="http://schemas.openxmlformats.org/presentationml/2006/main">
+  <p:cSld>
+    <p:spTree>
+      <p:nvGrpSpPr>
+        <p:cNvPr id="1" name=""/>
+        <p:cNvGrpSpPr/>
+        <p:nvPr/>
+      </p:nvGrpSpPr>
+      <p:grpSpPr>
+        <a:xfrm>
+          <a:off x="0" y="0"/>
+          <a:ext cx="0" cy="0"/>
+          <a:chOff x="0" y="0"/>
+          <a:chExt cx="0" cy="0"/>
+        </a:xfrm>
+      </p:grpSpPr>
+      <p:sp>
+        <p:nvSpPr>
+          <p:cNvPr id="2" name="タイトル 1">
+            <a:extLst>
+              <a:ext uri="{FF2B5EF4-FFF2-40B4-BE49-F238E27FC236}">
+                <a16:creationId xmlns:a16="http://schemas.microsoft.com/office/drawing/2014/main" id="{27F0D22F-5772-EC45-BDF8-BC56B6E3676A}"/>
+              </a:ext>
+            </a:extLst>
+          </p:cNvPr>
+          <p:cNvSpPr>
+            <a:spLocks noGrp="1"/>
+          </p:cNvSpPr>
+          <p:nvPr>
+            <p:ph type="title"/>
+          </p:nvPr>
+        </p:nvSpPr>
+        <p:spPr/>
+        <p:txBody>
+          <a:bodyPr/>
+          <a:lstStyle/>
+          <a:p>
+            <a:r>
+              <a:rPr lang="ja-JP" altLang="en-US"/>
+              <a:t>目的関数と席割図の対比</a:t>
+            </a:r>
+            <a:endParaRPr kumimoji="1" lang="ja-JP" altLang="en-US"/>
+          </a:p>
+        </p:txBody>
+      </p:sp>
+      <p:sp>
+        <p:nvSpPr>
+          <p:cNvPr id="3" name="コンテンツ プレースホルダー 2">
+            <a:extLst>
+              <a:ext uri="{FF2B5EF4-FFF2-40B4-BE49-F238E27FC236}">
+                <a16:creationId xmlns:a16="http://schemas.microsoft.com/office/drawing/2014/main" id="{B81FE98D-95A6-2040-8745-1901BFB4B771}"/>
+              </a:ext>
+            </a:extLst>
+          </p:cNvPr>
+          <p:cNvSpPr>
+            <a:spLocks noGrp="1"/>
+          </p:cNvSpPr>
+          <p:nvPr>
+            <p:ph idx="1"/>
+          </p:nvPr>
+        </p:nvSpPr>
+        <p:spPr/>
+        <p:txBody>
+          <a:bodyPr>
+            <a:normAutofit/>
+          </a:bodyPr>
+          <a:lstStyle/>
+          <a:p>
+            <a:r>
+              <a:rPr lang="ja-JP" altLang="en-US" sz="2400"/>
+              <a:t>目的関数の値</a:t>
+            </a:r>
+            <a:r>
+              <a:rPr lang="en-US" altLang="ja-JP" sz="2400" dirty="0"/>
+              <a:t>: 0</a:t>
+            </a:r>
+            <a:r>
+              <a:rPr lang="ja-JP" altLang="en-US" sz="2400"/>
+              <a:t>のとき</a:t>
+            </a:r>
+            <a:endParaRPr lang="en-US" altLang="ja-JP" sz="2400" dirty="0"/>
+          </a:p>
+          <a:p>
+            <a:r>
+              <a:rPr lang="ja-JP" altLang="en-US" sz="2400"/>
+              <a:t>探索における中盤</a:t>
+            </a:r>
+            <a:endParaRPr lang="en-US" altLang="ja-JP" sz="2400" dirty="0"/>
+          </a:p>
+          <a:p>
+            <a:pPr marL="0" indent="0">
+              <a:buNone/>
+            </a:pPr>
+            <a:r>
+              <a:rPr lang="en-US" altLang="ja-JP" sz="2400" dirty="0"/>
+              <a:t>		</a:t>
+            </a:r>
+            <a:r>
+              <a:rPr lang="ja-JP" altLang="en-US" sz="2400"/>
+              <a:t>積み地　</a:t>
+            </a:r>
+            <a:r>
+              <a:rPr lang="en-US" altLang="ja-JP" sz="2400" dirty="0"/>
+              <a:t>							</a:t>
+            </a:r>
+            <a:r>
+              <a:rPr lang="ja-JP" altLang="en-US" sz="2400"/>
+              <a:t>揚げ地</a:t>
+            </a:r>
+            <a:endParaRPr lang="en-US" altLang="ja-JP" sz="2200" dirty="0"/>
+          </a:p>
+          <a:p>
+            <a:endParaRPr kumimoji="1" lang="ja-JP" altLang="en-US" sz="2400"/>
+          </a:p>
+        </p:txBody>
+      </p:sp>
+      <p:pic>
+        <p:nvPicPr>
+          <p:cNvPr id="5" name="図 4">
+            <a:extLst>
+              <a:ext uri="{FF2B5EF4-FFF2-40B4-BE49-F238E27FC236}">
+                <a16:creationId xmlns:a16="http://schemas.microsoft.com/office/drawing/2014/main" id="{CFA73D20-EC56-DF45-9FBF-C90504307ADF}"/>
+              </a:ext>
+            </a:extLst>
+          </p:cNvPr>
+          <p:cNvPicPr>
+            <a:picLocks noChangeAspect="1"/>
+          </p:cNvPicPr>
+          <p:nvPr/>
+        </p:nvPicPr>
+        <p:blipFill>
+          <a:blip r:embed="rId2"/>
+          <a:stretch>
+            <a:fillRect/>
+          </a:stretch>
+        </p:blipFill>
+        <p:spPr>
+          <a:xfrm>
+            <a:off x="1303560" y="2274683"/>
+            <a:ext cx="6648949" cy="9409102"/>
+          </a:xfrm>
+          <a:prstGeom prst="rect">
+            <a:avLst/>
+          </a:prstGeom>
+        </p:spPr>
+      </p:pic>
+      <p:pic>
+        <p:nvPicPr>
+          <p:cNvPr id="7" name="図 6">
+            <a:extLst>
+              <a:ext uri="{FF2B5EF4-FFF2-40B4-BE49-F238E27FC236}">
+                <a16:creationId xmlns:a16="http://schemas.microsoft.com/office/drawing/2014/main" id="{E0D07385-6750-864A-AC9E-292A4B5B514F}"/>
+              </a:ext>
+            </a:extLst>
+          </p:cNvPr>
+          <p:cNvPicPr>
+            <a:picLocks noChangeAspect="1"/>
+          </p:cNvPicPr>
+          <p:nvPr/>
+        </p:nvPicPr>
+        <p:blipFill>
+          <a:blip r:embed="rId3"/>
+          <a:stretch>
+            <a:fillRect/>
+          </a:stretch>
+        </p:blipFill>
+        <p:spPr>
+          <a:xfrm>
+            <a:off x="6072397" y="2274683"/>
+            <a:ext cx="6331528" cy="8959910"/>
+          </a:xfrm>
+          <a:prstGeom prst="rect">
+            <a:avLst/>
+          </a:prstGeom>
+        </p:spPr>
+      </p:pic>
+    </p:spTree>
+    <p:extLst>
+      <p:ext uri="{BB962C8B-B14F-4D97-AF65-F5344CB8AC3E}">
+        <p14:creationId xmlns:p14="http://schemas.microsoft.com/office/powerpoint/2010/main" val="2227427094"/>
+      </p:ext>
+    </p:extLst>
+  </p:cSld>
+  <p:clrMapOvr>
+    <a:masterClrMapping/>
+  </p:clrMapOvr>
+</p:sld>
+</file>
+
+<file path=ppt/slides/slide13.xml><?xml version="1.0" encoding="utf-8"?>
+<p:sld xmlns:a="http://schemas.openxmlformats.org/drawingml/2006/main" xmlns:r="http://schemas.openxmlformats.org/officeDocument/2006/relationships" xmlns:p="http://schemas.openxmlformats.org/presentationml/2006/main">
+  <p:cSld>
+    <p:spTree>
+      <p:nvGrpSpPr>
+        <p:cNvPr id="1" name=""/>
+        <p:cNvGrpSpPr/>
+        <p:nvPr/>
+      </p:nvGrpSpPr>
+      <p:grpSpPr>
+        <a:xfrm>
+          <a:off x="0" y="0"/>
+          <a:ext cx="0" cy="0"/>
+          <a:chOff x="0" y="0"/>
+          <a:chExt cx="0" cy="0"/>
+        </a:xfrm>
+      </p:grpSpPr>
+      <p:sp>
+        <p:nvSpPr>
+          <p:cNvPr id="2" name="タイトル 1">
+            <a:extLst>
+              <a:ext uri="{FF2B5EF4-FFF2-40B4-BE49-F238E27FC236}">
+                <a16:creationId xmlns:a16="http://schemas.microsoft.com/office/drawing/2014/main" id="{7619EDAE-8E8D-244F-A1FC-57180B36622D}"/>
+              </a:ext>
+            </a:extLst>
+          </p:cNvPr>
+          <p:cNvSpPr>
+            <a:spLocks noGrp="1"/>
+          </p:cNvSpPr>
+          <p:nvPr>
+            <p:ph type="title"/>
+          </p:nvPr>
+        </p:nvSpPr>
+        <p:spPr/>
+        <p:txBody>
+          <a:bodyPr/>
+          <a:lstStyle/>
+          <a:p>
+            <a:r>
+              <a:rPr lang="ja-JP" altLang="en-US"/>
+              <a:t>目的関数と席割図と対比</a:t>
+            </a:r>
+            <a:endParaRPr kumimoji="1" lang="ja-JP" altLang="en-US"/>
+          </a:p>
+        </p:txBody>
+      </p:sp>
+      <p:sp>
+        <p:nvSpPr>
+          <p:cNvPr id="3" name="コンテンツ プレースホルダー 2">
+            <a:extLst>
+              <a:ext uri="{FF2B5EF4-FFF2-40B4-BE49-F238E27FC236}">
+                <a16:creationId xmlns:a16="http://schemas.microsoft.com/office/drawing/2014/main" id="{BD4AAD69-D384-6542-ABC3-11BF434E0B6D}"/>
+              </a:ext>
+            </a:extLst>
+          </p:cNvPr>
+          <p:cNvSpPr>
+            <a:spLocks noGrp="1"/>
+          </p:cNvSpPr>
+          <p:nvPr>
+            <p:ph idx="1"/>
+          </p:nvPr>
+        </p:nvSpPr>
+        <p:spPr/>
+        <p:txBody>
+          <a:bodyPr>
+            <a:normAutofit/>
+          </a:bodyPr>
+          <a:lstStyle/>
+          <a:p>
+            <a:r>
+              <a:rPr kumimoji="1" lang="ja-JP" altLang="en-US" sz="2400"/>
+              <a:t>目的関数の値</a:t>
+            </a:r>
+            <a:r>
+              <a:rPr lang="en-US" altLang="ja-JP" sz="2400" dirty="0"/>
+              <a:t>:</a:t>
+            </a:r>
+            <a:r>
+              <a:rPr lang="ja-JP" altLang="en-US" sz="2400"/>
+              <a:t>　ー</a:t>
+            </a:r>
+            <a:r>
+              <a:rPr lang="en-US" altLang="ja-JP" sz="2400" dirty="0"/>
+              <a:t>4000</a:t>
+            </a:r>
+            <a:r>
+              <a:rPr lang="ja-JP" altLang="en-US" sz="2400"/>
+              <a:t>のとき</a:t>
+            </a:r>
+            <a:endParaRPr lang="en-US" altLang="ja-JP" sz="2400" dirty="0"/>
+          </a:p>
+          <a:p>
+            <a:r>
+              <a:rPr lang="en-US" altLang="ja-JP" sz="2400" dirty="0"/>
+              <a:t> </a:t>
+            </a:r>
+            <a:r>
+              <a:rPr lang="ja-JP" altLang="en-US" sz="2400"/>
+              <a:t>探索における終盤</a:t>
+            </a:r>
+            <a:endParaRPr lang="en-US" altLang="ja-JP" sz="2400" dirty="0"/>
+          </a:p>
+          <a:p>
+            <a:pPr marL="0" indent="0">
+              <a:buNone/>
+            </a:pPr>
+            <a:r>
+              <a:rPr kumimoji="1" lang="en-US" altLang="ja-JP" sz="2400" dirty="0"/>
+              <a:t>		</a:t>
+            </a:r>
+            <a:r>
+              <a:rPr kumimoji="1" lang="ja-JP" altLang="en-US" sz="2400"/>
+              <a:t>積み地　</a:t>
+            </a:r>
+            <a:r>
+              <a:rPr kumimoji="1" lang="en-US" altLang="ja-JP" sz="2400" dirty="0"/>
+              <a:t>								</a:t>
+            </a:r>
+            <a:r>
+              <a:rPr kumimoji="1" lang="ja-JP" altLang="en-US" sz="2400"/>
+              <a:t>揚げ地</a:t>
+            </a:r>
+            <a:endParaRPr kumimoji="1" lang="en-US" altLang="ja-JP" sz="2400" dirty="0"/>
+          </a:p>
+          <a:p>
+            <a:pPr marL="0" indent="0">
+              <a:buNone/>
+            </a:pPr>
+            <a:endParaRPr kumimoji="1" lang="ja-JP" altLang="en-US" sz="2400"/>
+          </a:p>
+        </p:txBody>
+      </p:sp>
+      <p:pic>
+        <p:nvPicPr>
+          <p:cNvPr id="4" name="コンテンツ プレースホルダー 4">
+            <a:extLst>
+              <a:ext uri="{FF2B5EF4-FFF2-40B4-BE49-F238E27FC236}">
+                <a16:creationId xmlns:a16="http://schemas.microsoft.com/office/drawing/2014/main" id="{BBB64135-2CB0-F247-A805-EF75D0FC0A61}"/>
+              </a:ext>
+            </a:extLst>
+          </p:cNvPr>
+          <p:cNvPicPr>
+            <a:picLocks noChangeAspect="1"/>
+          </p:cNvPicPr>
+          <p:nvPr/>
+        </p:nvPicPr>
+        <p:blipFill>
+          <a:blip r:embed="rId2"/>
+          <a:stretch>
+            <a:fillRect/>
+          </a:stretch>
+        </p:blipFill>
+        <p:spPr>
+          <a:xfrm>
+            <a:off x="1888759" y="3600582"/>
+            <a:ext cx="4580523" cy="2806456"/>
+          </a:xfrm>
+          <a:prstGeom prst="rect">
+            <a:avLst/>
+          </a:prstGeom>
+        </p:spPr>
+      </p:pic>
+      <p:pic>
+        <p:nvPicPr>
+          <p:cNvPr id="6" name="図 5">
+            <a:extLst>
+              <a:ext uri="{FF2B5EF4-FFF2-40B4-BE49-F238E27FC236}">
+                <a16:creationId xmlns:a16="http://schemas.microsoft.com/office/drawing/2014/main" id="{467F39B4-98D4-1C4F-BF13-9020EEB2A14D}"/>
+              </a:ext>
+            </a:extLst>
+          </p:cNvPr>
+          <p:cNvPicPr>
+            <a:picLocks noChangeAspect="1"/>
+          </p:cNvPicPr>
+          <p:nvPr/>
+        </p:nvPicPr>
+        <p:blipFill>
+          <a:blip r:embed="rId3"/>
+          <a:stretch>
+            <a:fillRect/>
+          </a:stretch>
+        </p:blipFill>
+        <p:spPr>
+          <a:xfrm>
+            <a:off x="6650239" y="3600582"/>
+            <a:ext cx="4185081" cy="2977737"/>
+          </a:xfrm>
+          <a:prstGeom prst="rect">
+            <a:avLst/>
+          </a:prstGeom>
+        </p:spPr>
+      </p:pic>
+    </p:spTree>
+    <p:extLst>
+      <p:ext uri="{BB962C8B-B14F-4D97-AF65-F5344CB8AC3E}">
+        <p14:creationId xmlns:p14="http://schemas.microsoft.com/office/powerpoint/2010/main" val="1723124979"/>
+      </p:ext>
+    </p:extLst>
+  </p:cSld>
+  <p:clrMapOvr>
+    <a:masterClrMapping/>
+  </p:clrMapOvr>
+</p:sld>
+</file>
+
+<file path=ppt/slides/slide14.xml><?xml version="1.0" encoding="utf-8"?>
+<p:sld xmlns:a="http://schemas.openxmlformats.org/drawingml/2006/main" xmlns:r="http://schemas.openxmlformats.org/officeDocument/2006/relationships" xmlns:p="http://schemas.openxmlformats.org/presentationml/2006/main">
+  <p:cSld>
+    <p:spTree>
+      <p:nvGrpSpPr>
+        <p:cNvPr id="1" name=""/>
+        <p:cNvGrpSpPr/>
+        <p:nvPr/>
+      </p:nvGrpSpPr>
+      <p:grpSpPr>
+        <a:xfrm>
+          <a:off x="0" y="0"/>
+          <a:ext cx="0" cy="0"/>
+          <a:chOff x="0" y="0"/>
+          <a:chExt cx="0" cy="0"/>
+        </a:xfrm>
+      </p:grpSpPr>
+      <p:sp>
+        <p:nvSpPr>
+          <p:cNvPr id="2" name="タイトル 1">
+            <a:extLst>
+              <a:ext uri="{FF2B5EF4-FFF2-40B4-BE49-F238E27FC236}">
                 <a16:creationId xmlns:a16="http://schemas.microsoft.com/office/drawing/2014/main" id="{2A4EB366-5762-BC43-ABC4-67FCE14348C9}"/>
               </a:ext>
             </a:extLst>
@@ -8361,9 +9188,22 @@
           <a:lstStyle/>
           <a:p>
             <a:r>
-              <a:rPr kumimoji="1" lang="ja-JP" altLang="en-US"/>
-              <a:t>数理モデルの詳細</a:t>
-            </a:r>
+              <a:rPr lang="ja-JP" altLang="en-US"/>
+              <a:t>目的関数と席割図</a:t>
+            </a:r>
+            <a:r>
+              <a:rPr lang="en-US" altLang="ja-JP" dirty="0"/>
+              <a:t>(</a:t>
+            </a:r>
+            <a:r>
+              <a:rPr lang="ja-JP" altLang="en-US"/>
+              <a:t>例</a:t>
+            </a:r>
+            <a:r>
+              <a:rPr lang="en-US" altLang="ja-JP" dirty="0"/>
+              <a:t>)</a:t>
+            </a:r>
+            <a:endParaRPr kumimoji="1" lang="ja-JP" altLang="en-US"/>
           </a:p>
         </p:txBody>
       </p:sp>
@@ -8389,25 +9229,42 @@
           <a:lstStyle/>
           <a:p>
             <a:r>
-              <a:rPr kumimoji="1" lang="en-US" altLang="ja-JP" dirty="0"/>
+              <a:rPr kumimoji="1" lang="en-US" altLang="ja-JP" sz="2400" dirty="0"/>
               <a:t>3</a:t>
             </a:r>
             <a:r>
-              <a:rPr lang="ja-JP" altLang="en-US"/>
+              <a:rPr lang="ja-JP" altLang="en-US" sz="2400"/>
               <a:t>つの図と数値の対比を見せる</a:t>
             </a:r>
-            <a:endParaRPr lang="en-US" altLang="ja-JP" dirty="0"/>
-          </a:p>
-          <a:p>
-            <a:r>
-              <a:rPr lang="en-US" altLang="ja-JP" dirty="0"/>
+            <a:endParaRPr lang="en-US" altLang="ja-JP" sz="2400" dirty="0"/>
+          </a:p>
+          <a:p>
+            <a:r>
+              <a:rPr lang="en-US" altLang="ja-JP" sz="2400" dirty="0"/>
               <a:t>MIP,</a:t>
             </a:r>
             <a:r>
-              <a:rPr lang="ja-JP" altLang="en-US"/>
+              <a:rPr lang="ja-JP" altLang="en-US" sz="2400"/>
               <a:t>ヒューリスティックの計算時間</a:t>
             </a:r>
-            <a:endParaRPr lang="en-US" altLang="ja-JP" dirty="0"/>
+            <a:endParaRPr lang="en-US" altLang="ja-JP" sz="2400" dirty="0"/>
+          </a:p>
+          <a:p>
+            <a:endParaRPr lang="en-US" altLang="ja-JP" sz="2400" dirty="0"/>
+          </a:p>
+          <a:p>
+            <a:r>
+              <a:rPr lang="ja-JP" altLang="en-US" sz="2400"/>
+              <a:t>アルゴリズムでは、目的関数の</a:t>
+            </a:r>
+            <a:endParaRPr lang="en-US" altLang="ja-JP" sz="2400" dirty="0"/>
+          </a:p>
+          <a:p>
+            <a:r>
+              <a:rPr lang="ja-JP" altLang="en-US" sz="2400"/>
+              <a:t>目的関数の</a:t>
+            </a:r>
+            <a:endParaRPr lang="en-US" altLang="ja-JP" sz="2400" dirty="0"/>
           </a:p>
           <a:p>
             <a:endParaRPr lang="en-US" altLang="ja-JP" dirty="0"/>
@@ -8427,7 +9284,122 @@
 </p:sld>
 </file>
 
-<file path=ppt/slides/slide11.xml><?xml version="1.0" encoding="utf-8"?>
+<file path=ppt/slides/slide15.xml><?xml version="1.0" encoding="utf-8"?>
+<p:sld xmlns:a="http://schemas.openxmlformats.org/drawingml/2006/main" xmlns:r="http://schemas.openxmlformats.org/officeDocument/2006/relationships" xmlns:p="http://schemas.openxmlformats.org/presentationml/2006/main">
+  <p:cSld>
+    <p:spTree>
+      <p:nvGrpSpPr>
+        <p:cNvPr id="1" name=""/>
+        <p:cNvGrpSpPr/>
+        <p:nvPr/>
+      </p:nvGrpSpPr>
+      <p:grpSpPr>
+        <a:xfrm>
+          <a:off x="0" y="0"/>
+          <a:ext cx="0" cy="0"/>
+          <a:chOff x="0" y="0"/>
+          <a:chExt cx="0" cy="0"/>
+        </a:xfrm>
+      </p:grpSpPr>
+      <p:sp>
+        <p:nvSpPr>
+          <p:cNvPr id="2" name="タイトル 1">
+            <a:extLst>
+              <a:ext uri="{FF2B5EF4-FFF2-40B4-BE49-F238E27FC236}">
+                <a16:creationId xmlns:a16="http://schemas.microsoft.com/office/drawing/2014/main" id="{D2AB7A90-C211-AB4F-8B5D-0C96DAE8778C}"/>
+              </a:ext>
+            </a:extLst>
+          </p:cNvPr>
+          <p:cNvSpPr>
+            <a:spLocks noGrp="1"/>
+          </p:cNvSpPr>
+          <p:nvPr>
+            <p:ph type="title"/>
+          </p:nvPr>
+        </p:nvSpPr>
+        <p:spPr/>
+        <p:txBody>
+          <a:bodyPr/>
+          <a:lstStyle/>
+          <a:p>
+            <a:r>
+              <a:rPr lang="ja-JP" altLang="en-US"/>
+              <a:t>目的関数と席割図</a:t>
+            </a:r>
+            <a:r>
+              <a:rPr lang="en-US" altLang="ja-JP" dirty="0"/>
+              <a:t>(</a:t>
+            </a:r>
+            <a:r>
+              <a:rPr lang="ja-JP" altLang="en-US"/>
+              <a:t>例</a:t>
+            </a:r>
+            <a:r>
+              <a:rPr lang="en-US" altLang="ja-JP" dirty="0"/>
+              <a:t>)</a:t>
+            </a:r>
+            <a:endParaRPr kumimoji="1" lang="ja-JP" altLang="en-US"/>
+          </a:p>
+        </p:txBody>
+      </p:sp>
+      <p:sp>
+        <p:nvSpPr>
+          <p:cNvPr id="3" name="コンテンツ プレースホルダー 2">
+            <a:extLst>
+              <a:ext uri="{FF2B5EF4-FFF2-40B4-BE49-F238E27FC236}">
+                <a16:creationId xmlns:a16="http://schemas.microsoft.com/office/drawing/2014/main" id="{8292E3F3-5EB3-2C4D-8EDE-CAFBD42226EA}"/>
+              </a:ext>
+            </a:extLst>
+          </p:cNvPr>
+          <p:cNvSpPr>
+            <a:spLocks noGrp="1"/>
+          </p:cNvSpPr>
+          <p:nvPr>
+            <p:ph idx="1"/>
+          </p:nvPr>
+        </p:nvSpPr>
+        <p:spPr/>
+        <p:txBody>
+          <a:bodyPr>
+            <a:normAutofit/>
+          </a:bodyPr>
+          <a:lstStyle/>
+          <a:p>
+            <a:pPr marL="0" indent="0">
+              <a:buNone/>
+            </a:pPr>
+            <a:r>
+              <a:rPr kumimoji="1" lang="ja-JP" altLang="en-US" sz="2400"/>
+              <a:t>解の探索の序盤</a:t>
+            </a:r>
+            <a:r>
+              <a:rPr lang="en-US" altLang="ja-JP" sz="2400" dirty="0"/>
+              <a:t>: </a:t>
+            </a:r>
+            <a:endParaRPr kumimoji="1" lang="en-US" altLang="ja-JP" sz="2400" dirty="0"/>
+          </a:p>
+          <a:p>
+            <a:pPr marL="0" indent="0">
+              <a:buNone/>
+            </a:pPr>
+            <a:endParaRPr kumimoji="1" lang="ja-JP" altLang="en-US" sz="2400"/>
+          </a:p>
+        </p:txBody>
+      </p:sp>
+    </p:spTree>
+    <p:extLst>
+      <p:ext uri="{BB962C8B-B14F-4D97-AF65-F5344CB8AC3E}">
+        <p14:creationId xmlns:p14="http://schemas.microsoft.com/office/powerpoint/2010/main" val="1084531527"/>
+      </p:ext>
+    </p:extLst>
+  </p:cSld>
+  <p:clrMapOvr>
+    <a:masterClrMapping/>
+  </p:clrMapOvr>
+</p:sld>
+</file>
+
+<file path=ppt/slides/slide16.xml><?xml version="1.0" encoding="utf-8"?>
 <p:sld xmlns:a="http://schemas.openxmlformats.org/drawingml/2006/main" xmlns:r="http://schemas.openxmlformats.org/officeDocument/2006/relationships" xmlns:p="http://schemas.openxmlformats.org/presentationml/2006/main">
   <p:cSld>
     <p:spTree>
@@ -8617,732 +9589,6 @@
 </p:sld>
 </file>
 
-<file path=ppt/slides/slide12.xml><?xml version="1.0" encoding="utf-8"?>
-<p:sld xmlns:a="http://schemas.openxmlformats.org/drawingml/2006/main" xmlns:r="http://schemas.openxmlformats.org/officeDocument/2006/relationships" xmlns:p="http://schemas.openxmlformats.org/presentationml/2006/main">
-  <p:cSld>
-    <p:spTree>
-      <p:nvGrpSpPr>
-        <p:cNvPr id="1" name=""/>
-        <p:cNvGrpSpPr/>
-        <p:nvPr/>
-      </p:nvGrpSpPr>
-      <p:grpSpPr>
-        <a:xfrm>
-          <a:off x="0" y="0"/>
-          <a:ext cx="0" cy="0"/>
-          <a:chOff x="0" y="0"/>
-          <a:chExt cx="0" cy="0"/>
-        </a:xfrm>
-      </p:grpSpPr>
-      <p:sp>
-        <p:nvSpPr>
-          <p:cNvPr id="2" name="タイトル 1">
-            <a:extLst>
-              <a:ext uri="{FF2B5EF4-FFF2-40B4-BE49-F238E27FC236}">
-                <a16:creationId xmlns:a16="http://schemas.microsoft.com/office/drawing/2014/main" id="{60073449-F50B-0F44-87D3-A90996CF8803}"/>
-              </a:ext>
-            </a:extLst>
-          </p:cNvPr>
-          <p:cNvSpPr>
-            <a:spLocks noGrp="1"/>
-          </p:cNvSpPr>
-          <p:nvPr>
-            <p:ph type="title"/>
-          </p:nvPr>
-        </p:nvSpPr>
-        <p:spPr/>
-        <p:txBody>
-          <a:bodyPr/>
-          <a:lstStyle/>
-          <a:p>
-            <a:r>
-              <a:rPr kumimoji="1" lang="ja-JP" altLang="en-US"/>
-              <a:t>モデルについて</a:t>
-            </a:r>
-          </a:p>
-        </p:txBody>
-      </p:sp>
-      <p:sp>
-        <p:nvSpPr>
-          <p:cNvPr id="3" name="コンテンツ プレースホルダー 2">
-            <a:extLst>
-              <a:ext uri="{FF2B5EF4-FFF2-40B4-BE49-F238E27FC236}">
-                <a16:creationId xmlns:a16="http://schemas.microsoft.com/office/drawing/2014/main" id="{8C14A0A6-ACD2-3C4B-B7AF-ADD8335CCCE0}"/>
-              </a:ext>
-            </a:extLst>
-          </p:cNvPr>
-          <p:cNvSpPr>
-            <a:spLocks noGrp="1"/>
-          </p:cNvSpPr>
-          <p:nvPr>
-            <p:ph idx="1"/>
-          </p:nvPr>
-        </p:nvSpPr>
-        <p:spPr>
-          <a:xfrm>
-            <a:off x="2147455" y="1731819"/>
-            <a:ext cx="9357157" cy="4317949"/>
-          </a:xfrm>
-        </p:spPr>
-        <p:txBody>
-          <a:bodyPr>
-            <a:normAutofit/>
-          </a:bodyPr>
-          <a:lstStyle/>
-          <a:p>
-            <a:pPr marL="0" indent="0">
-              <a:buNone/>
-            </a:pPr>
-            <a:r>
-              <a:rPr lang="ja-JP" altLang="en-US" sz="2800"/>
-              <a:t>計算する際に、必ず守るべき条件が制約</a:t>
-            </a:r>
-            <a:endParaRPr kumimoji="1" lang="en-US" altLang="ja-JP" sz="2800" dirty="0"/>
-          </a:p>
-          <a:p>
-            <a:r>
-              <a:rPr kumimoji="1" lang="ja-JP" altLang="en-US" sz="2800"/>
-              <a:t>制約は</a:t>
-            </a:r>
-            <a:r>
-              <a:rPr kumimoji="1" lang="en-US" altLang="ja-JP" sz="2800" dirty="0"/>
-              <a:t>4</a:t>
-            </a:r>
-            <a:r>
-              <a:rPr lang="ja-JP" altLang="en-US" sz="2800"/>
-              <a:t>つ</a:t>
-            </a:r>
-            <a:endParaRPr kumimoji="1" lang="en-US" altLang="ja-JP" sz="2800" dirty="0"/>
-          </a:p>
-          <a:p>
-            <a:pPr marL="914400" lvl="1" indent="-457200">
-              <a:buFont typeface="+mj-lt"/>
-              <a:buAutoNum type="arabicPeriod"/>
-            </a:pPr>
-            <a:r>
-              <a:rPr lang="ja-JP" altLang="en-US" sz="2200"/>
-              <a:t>貨物の走行路を確保する</a:t>
-            </a:r>
-            <a:endParaRPr lang="en-US" altLang="ja-JP" sz="2200" dirty="0"/>
-          </a:p>
-          <a:p>
-            <a:pPr marL="914400" lvl="1" indent="-457200">
-              <a:buFont typeface="+mj-lt"/>
-              <a:buAutoNum type="arabicPeriod"/>
-            </a:pPr>
-            <a:r>
-              <a:rPr lang="ja-JP" altLang="en-US" sz="2200"/>
-              <a:t>船内自動車の全体荷重が閾値を超えない </a:t>
-            </a:r>
-            <a:endParaRPr lang="en-US" altLang="ja-JP" sz="2200" dirty="0"/>
-          </a:p>
-          <a:p>
-            <a:pPr marL="914400" lvl="1" indent="-457200">
-              <a:buFont typeface="+mj-lt"/>
-              <a:buAutoNum type="arabicPeriod"/>
-            </a:pPr>
-            <a:r>
-              <a:rPr lang="ja-JP" altLang="en-US" sz="2200"/>
-              <a:t>大きな注文の分割ルールを守る </a:t>
-            </a:r>
-            <a:endParaRPr lang="en-US" altLang="ja-JP" sz="2200" dirty="0"/>
-          </a:p>
-          <a:p>
-            <a:pPr marL="914400" lvl="1" indent="-457200">
-              <a:buFont typeface="+mj-lt"/>
-              <a:buAutoNum type="arabicPeriod"/>
-            </a:pPr>
-            <a:r>
-              <a:rPr lang="ja-JP" altLang="en-US" sz="2400">
-                <a:latin typeface="+mn-ea"/>
-              </a:rPr>
-              <a:t>デッドスペースをなくす</a:t>
-            </a:r>
-            <a:endParaRPr lang="en-US" altLang="ja-JP" sz="2400" dirty="0">
-              <a:latin typeface="+mn-ea"/>
-            </a:endParaRPr>
-          </a:p>
-        </p:txBody>
-      </p:sp>
-    </p:spTree>
-    <p:extLst>
-      <p:ext uri="{BB962C8B-B14F-4D97-AF65-F5344CB8AC3E}">
-        <p14:creationId xmlns:p14="http://schemas.microsoft.com/office/powerpoint/2010/main" val="921525862"/>
-      </p:ext>
-    </p:extLst>
-  </p:cSld>
-  <p:clrMapOvr>
-    <a:masterClrMapping/>
-  </p:clrMapOvr>
-</p:sld>
-</file>
-
-<file path=ppt/slides/slide13.xml><?xml version="1.0" encoding="utf-8"?>
-<p:sld xmlns:a="http://schemas.openxmlformats.org/drawingml/2006/main" xmlns:r="http://schemas.openxmlformats.org/officeDocument/2006/relationships" xmlns:p="http://schemas.openxmlformats.org/presentationml/2006/main">
-  <p:cSld>
-    <p:spTree>
-      <p:nvGrpSpPr>
-        <p:cNvPr id="1" name=""/>
-        <p:cNvGrpSpPr/>
-        <p:nvPr/>
-      </p:nvGrpSpPr>
-      <p:grpSpPr>
-        <a:xfrm>
-          <a:off x="0" y="0"/>
-          <a:ext cx="0" cy="0"/>
-          <a:chOff x="0" y="0"/>
-          <a:chExt cx="0" cy="0"/>
-        </a:xfrm>
-      </p:grpSpPr>
-      <p:sp>
-        <p:nvSpPr>
-          <p:cNvPr id="2" name="タイトル 1">
-            <a:extLst>
-              <a:ext uri="{FF2B5EF4-FFF2-40B4-BE49-F238E27FC236}">
-                <a16:creationId xmlns:a16="http://schemas.microsoft.com/office/drawing/2014/main" id="{5149A6B0-4F52-F945-B8EA-E01CAD3AFB26}"/>
-              </a:ext>
-            </a:extLst>
-          </p:cNvPr>
-          <p:cNvSpPr>
-            <a:spLocks noGrp="1"/>
-          </p:cNvSpPr>
-          <p:nvPr>
-            <p:ph type="title"/>
-          </p:nvPr>
-        </p:nvSpPr>
-        <p:spPr/>
-        <p:txBody>
-          <a:bodyPr/>
-          <a:lstStyle/>
-          <a:p>
-            <a:r>
-              <a:rPr kumimoji="1" lang="ja-JP" altLang="en-US"/>
-              <a:t>モデルについて</a:t>
-            </a:r>
-          </a:p>
-        </p:txBody>
-      </p:sp>
-      <p:sp>
-        <p:nvSpPr>
-          <p:cNvPr id="3" name="コンテンツ プレースホルダー 2">
-            <a:extLst>
-              <a:ext uri="{FF2B5EF4-FFF2-40B4-BE49-F238E27FC236}">
-                <a16:creationId xmlns:a16="http://schemas.microsoft.com/office/drawing/2014/main" id="{40F8FEE7-4642-2E4B-A454-1E84849639FE}"/>
-              </a:ext>
-            </a:extLst>
-          </p:cNvPr>
-          <p:cNvSpPr>
-            <a:spLocks noGrp="1"/>
-          </p:cNvSpPr>
-          <p:nvPr>
-            <p:ph idx="1"/>
-          </p:nvPr>
-        </p:nvSpPr>
-        <p:spPr>
-          <a:xfrm>
-            <a:off x="1676400" y="2133600"/>
-            <a:ext cx="9828212" cy="3777622"/>
-          </a:xfrm>
-        </p:spPr>
-        <p:txBody>
-          <a:bodyPr/>
-          <a:lstStyle/>
-          <a:p>
-            <a:pPr marL="0" indent="0">
-              <a:buNone/>
-            </a:pPr>
-            <a:r>
-              <a:rPr lang="ja-JP" altLang="en-US" sz="2800"/>
-              <a:t>計算を行う際に、値を良くすることを目指すものが目的関数</a:t>
-            </a:r>
-            <a:endParaRPr lang="en-US" altLang="ja-JP" sz="2800" dirty="0"/>
-          </a:p>
-          <a:p>
-            <a:r>
-              <a:rPr lang="ja-JP" altLang="en-US" sz="2800"/>
-              <a:t>目的関数は</a:t>
-            </a:r>
-            <a:r>
-              <a:rPr lang="en-US" altLang="ja-JP" sz="2800" dirty="0"/>
-              <a:t>4</a:t>
-            </a:r>
-            <a:r>
-              <a:rPr lang="ja-JP" altLang="en-US" sz="2800"/>
-              <a:t>つ</a:t>
-            </a:r>
-            <a:endParaRPr lang="en-US" altLang="ja-JP" sz="2800" dirty="0"/>
-          </a:p>
-          <a:p>
-            <a:pPr marL="914400" lvl="1" indent="-457200">
-              <a:buFont typeface="+mj-lt"/>
-              <a:buAutoNum type="arabicPeriod"/>
-            </a:pPr>
-            <a:r>
-              <a:rPr lang="ja-JP" altLang="en-US" sz="2000">
-                <a:latin typeface="+mn-ea"/>
-              </a:rPr>
-              <a:t>一つのホールド内に複数の積み地、揚げ地の注文が入るのを減らしたい </a:t>
-            </a:r>
-          </a:p>
-          <a:p>
-            <a:pPr marL="914400" lvl="1" indent="-457200">
-              <a:buFont typeface="+mj-lt"/>
-              <a:buAutoNum type="arabicPeriod"/>
-            </a:pPr>
-            <a:r>
-              <a:rPr lang="ja-JP" altLang="en-US" sz="2000">
-                <a:latin typeface="+mn-ea"/>
-              </a:rPr>
-              <a:t>船の内部で注文の積み地と揚げ地をなるべく揃えたい</a:t>
-            </a:r>
-            <a:endParaRPr lang="en-US" altLang="ja-JP" sz="2000" dirty="0">
-              <a:latin typeface="+mn-ea"/>
-            </a:endParaRPr>
-          </a:p>
-          <a:p>
-            <a:pPr marL="914400" lvl="1" indent="-457200">
-              <a:buFont typeface="+mj-lt"/>
-              <a:buAutoNum type="arabicPeriod"/>
-            </a:pPr>
-            <a:r>
-              <a:rPr lang="ja-JP" altLang="en-US" sz="2000">
-                <a:latin typeface="+mn-ea"/>
-              </a:rPr>
-              <a:t>貨物の取り回しスペースを確保したい</a:t>
-            </a:r>
-            <a:endParaRPr lang="en-US" altLang="ja-JP" sz="2000" dirty="0">
-              <a:latin typeface="+mn-ea"/>
-            </a:endParaRPr>
-          </a:p>
-          <a:p>
-            <a:pPr marL="914400" lvl="1" indent="-457200">
-              <a:buFont typeface="+mj-lt"/>
-              <a:buAutoNum type="arabicPeriod"/>
-            </a:pPr>
-            <a:r>
-              <a:rPr lang="ja-JP" altLang="en-US" sz="2000">
-                <a:latin typeface="+mn-ea"/>
-              </a:rPr>
-              <a:t>残容量を入口付近に寄せたい </a:t>
-            </a:r>
-            <a:endParaRPr lang="en-US" altLang="ja-JP" sz="2000" dirty="0"/>
-          </a:p>
-          <a:p>
-            <a:endParaRPr kumimoji="1" lang="ja-JP" altLang="en-US"/>
-          </a:p>
-        </p:txBody>
-      </p:sp>
-    </p:spTree>
-    <p:extLst>
-      <p:ext uri="{BB962C8B-B14F-4D97-AF65-F5344CB8AC3E}">
-        <p14:creationId xmlns:p14="http://schemas.microsoft.com/office/powerpoint/2010/main" val="592960778"/>
-      </p:ext>
-    </p:extLst>
-  </p:cSld>
-  <p:clrMapOvr>
-    <a:masterClrMapping/>
-  </p:clrMapOvr>
-</p:sld>
-</file>
-
-<file path=ppt/slides/slide14.xml><?xml version="1.0" encoding="utf-8"?>
-<p:sld xmlns:a="http://schemas.openxmlformats.org/drawingml/2006/main" xmlns:r="http://schemas.openxmlformats.org/officeDocument/2006/relationships" xmlns:p="http://schemas.openxmlformats.org/presentationml/2006/main">
-  <p:cSld>
-    <p:spTree>
-      <p:nvGrpSpPr>
-        <p:cNvPr id="1" name=""/>
-        <p:cNvGrpSpPr/>
-        <p:nvPr/>
-      </p:nvGrpSpPr>
-      <p:grpSpPr>
-        <a:xfrm>
-          <a:off x="0" y="0"/>
-          <a:ext cx="0" cy="0"/>
-          <a:chOff x="0" y="0"/>
-          <a:chExt cx="0" cy="0"/>
-        </a:xfrm>
-      </p:grpSpPr>
-      <p:sp>
-        <p:nvSpPr>
-          <p:cNvPr id="2" name="タイトル 1">
-            <a:extLst>
-              <a:ext uri="{FF2B5EF4-FFF2-40B4-BE49-F238E27FC236}">
-                <a16:creationId xmlns:a16="http://schemas.microsoft.com/office/drawing/2014/main" id="{AB3E2520-AAC2-5449-BC91-178D8B6DD09E}"/>
-              </a:ext>
-            </a:extLst>
-          </p:cNvPr>
-          <p:cNvSpPr>
-            <a:spLocks noGrp="1"/>
-          </p:cNvSpPr>
-          <p:nvPr>
-            <p:ph type="title"/>
-          </p:nvPr>
-        </p:nvSpPr>
-        <p:spPr/>
-        <p:txBody>
-          <a:bodyPr/>
-          <a:lstStyle/>
-          <a:p>
-            <a:r>
-              <a:rPr kumimoji="1" lang="ja-JP" altLang="en-US"/>
-              <a:t>前回までのモデルでの問題点</a:t>
-            </a:r>
-          </a:p>
-        </p:txBody>
-      </p:sp>
-      <p:sp>
-        <p:nvSpPr>
-          <p:cNvPr id="3" name="コンテンツ プレースホルダー 2">
-            <a:extLst>
-              <a:ext uri="{FF2B5EF4-FFF2-40B4-BE49-F238E27FC236}">
-                <a16:creationId xmlns:a16="http://schemas.microsoft.com/office/drawing/2014/main" id="{D3807F1B-2CEE-BA4D-A677-4637CCD3E5CF}"/>
-              </a:ext>
-            </a:extLst>
-          </p:cNvPr>
-          <p:cNvSpPr>
-            <a:spLocks noGrp="1"/>
-          </p:cNvSpPr>
-          <p:nvPr>
-            <p:ph idx="1"/>
-          </p:nvPr>
-        </p:nvSpPr>
-        <p:spPr/>
-        <p:txBody>
-          <a:bodyPr>
-            <a:normAutofit/>
-          </a:bodyPr>
-          <a:lstStyle/>
-          <a:p>
-            <a:r>
-              <a:rPr lang="ja-JP" altLang="en-US" sz="2400"/>
-              <a:t>積み地や揚げ地の数</a:t>
-            </a:r>
-            <a:r>
-              <a:rPr lang="en-US" altLang="ja-JP" sz="2400" dirty="0"/>
-              <a:t>, </a:t>
-            </a:r>
-            <a:r>
-              <a:rPr lang="ja-JP" altLang="en-US" sz="2400"/>
-              <a:t>注文数やホールド数が増加すると、計算時間が膨大に増加することを確認</a:t>
-            </a:r>
-            <a:endParaRPr lang="en-US" altLang="ja-JP" sz="2400" dirty="0"/>
-          </a:p>
-          <a:p>
-            <a:endParaRPr lang="en-US" altLang="ja-JP" sz="2400" dirty="0"/>
-          </a:p>
-          <a:p>
-            <a:r>
-              <a:rPr lang="ja-JP" altLang="en-US" sz="2400"/>
-              <a:t>より複雑な制約を考慮しつつ解を出力するのは、現実的な計算時間では終わりそうにない</a:t>
-            </a:r>
-            <a:endParaRPr lang="en-US" altLang="ja-JP" sz="2400" dirty="0"/>
-          </a:p>
-          <a:p>
-            <a:r>
-              <a:rPr lang="ja-JP" altLang="en-US" sz="2400"/>
-              <a:t>新たなアプローチをとる必要があった</a:t>
-            </a:r>
-            <a:endParaRPr lang="en-US" altLang="ja-JP" sz="2400" dirty="0"/>
-          </a:p>
-          <a:p>
-            <a:endParaRPr lang="en-US" altLang="ja-JP" sz="2400" dirty="0"/>
-          </a:p>
-        </p:txBody>
-      </p:sp>
-    </p:spTree>
-    <p:extLst>
-      <p:ext uri="{BB962C8B-B14F-4D97-AF65-F5344CB8AC3E}">
-        <p14:creationId xmlns:p14="http://schemas.microsoft.com/office/powerpoint/2010/main" val="1664906661"/>
-      </p:ext>
-    </p:extLst>
-  </p:cSld>
-  <p:clrMapOvr>
-    <a:masterClrMapping/>
-  </p:clrMapOvr>
-</p:sld>
-</file>
-
-<file path=ppt/slides/slide15.xml><?xml version="1.0" encoding="utf-8"?>
-<p:sld xmlns:a="http://schemas.openxmlformats.org/drawingml/2006/main" xmlns:r="http://schemas.openxmlformats.org/officeDocument/2006/relationships" xmlns:p="http://schemas.openxmlformats.org/presentationml/2006/main">
-  <p:cSld>
-    <p:spTree>
-      <p:nvGrpSpPr>
-        <p:cNvPr id="1" name=""/>
-        <p:cNvGrpSpPr/>
-        <p:nvPr/>
-      </p:nvGrpSpPr>
-      <p:grpSpPr>
-        <a:xfrm>
-          <a:off x="0" y="0"/>
-          <a:ext cx="0" cy="0"/>
-          <a:chOff x="0" y="0"/>
-          <a:chExt cx="0" cy="0"/>
-        </a:xfrm>
-      </p:grpSpPr>
-      <p:sp>
-        <p:nvSpPr>
-          <p:cNvPr id="2" name="タイトル 1">
-            <a:extLst>
-              <a:ext uri="{FF2B5EF4-FFF2-40B4-BE49-F238E27FC236}">
-                <a16:creationId xmlns:a16="http://schemas.microsoft.com/office/drawing/2014/main" id="{D494405D-C63C-0441-9752-73B631A3D991}"/>
-              </a:ext>
-            </a:extLst>
-          </p:cNvPr>
-          <p:cNvSpPr>
-            <a:spLocks noGrp="1"/>
-          </p:cNvSpPr>
-          <p:nvPr>
-            <p:ph type="title"/>
-          </p:nvPr>
-        </p:nvSpPr>
-        <p:spPr/>
-        <p:txBody>
-          <a:bodyPr/>
-          <a:lstStyle/>
-          <a:p>
-            <a:r>
-              <a:rPr lang="en-US" altLang="ja-JP" dirty="0"/>
-              <a:t>3</a:t>
-            </a:r>
-            <a:r>
-              <a:rPr lang="ja-JP" altLang="en-US"/>
-              <a:t>月以降の取り組み</a:t>
-            </a:r>
-            <a:endParaRPr kumimoji="1" lang="ja-JP" altLang="en-US"/>
-          </a:p>
-        </p:txBody>
-      </p:sp>
-      <p:sp>
-        <p:nvSpPr>
-          <p:cNvPr id="3" name="コンテンツ プレースホルダー 2">
-            <a:extLst>
-              <a:ext uri="{FF2B5EF4-FFF2-40B4-BE49-F238E27FC236}">
-                <a16:creationId xmlns:a16="http://schemas.microsoft.com/office/drawing/2014/main" id="{81E1D8B5-9BD0-8442-B97C-A6838E468C4F}"/>
-              </a:ext>
-            </a:extLst>
-          </p:cNvPr>
-          <p:cNvSpPr>
-            <a:spLocks noGrp="1"/>
-          </p:cNvSpPr>
-          <p:nvPr>
-            <p:ph idx="1"/>
-          </p:nvPr>
-        </p:nvSpPr>
-        <p:spPr/>
-        <p:txBody>
-          <a:bodyPr/>
-          <a:lstStyle/>
-          <a:p>
-            <a:pPr marL="0" indent="0">
-              <a:buNone/>
-            </a:pPr>
-            <a:r>
-              <a:rPr lang="en-US" altLang="ja-JP" sz="2600" dirty="0"/>
-              <a:t>1. </a:t>
-            </a:r>
-            <a:r>
-              <a:rPr lang="ja-JP" altLang="en-US" sz="2600"/>
-              <a:t>席割の評価方法のヒアリング</a:t>
-            </a:r>
-            <a:endParaRPr lang="en-US" altLang="ja-JP" sz="2600" dirty="0"/>
-          </a:p>
-          <a:p>
-            <a:pPr lvl="1"/>
-            <a:r>
-              <a:rPr lang="en-US" altLang="ja-JP" sz="2200" dirty="0"/>
-              <a:t>4</a:t>
-            </a:r>
-            <a:r>
-              <a:rPr lang="ja-JP" altLang="en-US" sz="2200"/>
-              <a:t>月、</a:t>
-            </a:r>
-            <a:r>
-              <a:rPr lang="en-US" altLang="ja-JP" sz="2200" dirty="0"/>
-              <a:t>5</a:t>
-            </a:r>
-            <a:r>
-              <a:rPr lang="ja-JP" altLang="en-US" sz="2200"/>
-              <a:t>月にプランナーさんにヒアリング</a:t>
-            </a:r>
-            <a:endParaRPr lang="en-US" altLang="ja-JP" sz="2200" dirty="0"/>
-          </a:p>
-          <a:p>
-            <a:pPr lvl="1"/>
-            <a:r>
-              <a:rPr lang="ja-JP" altLang="en-US" sz="2200"/>
-              <a:t>新たな目的関数などは加えない方針</a:t>
-            </a:r>
-            <a:endParaRPr lang="en-US" altLang="ja-JP" sz="2200" dirty="0"/>
-          </a:p>
-          <a:p>
-            <a:endParaRPr lang="en-US" altLang="ja-JP" sz="2600" dirty="0"/>
-          </a:p>
-          <a:p>
-            <a:pPr marL="0" indent="0">
-              <a:buNone/>
-            </a:pPr>
-            <a:r>
-              <a:rPr lang="en-US" altLang="ja-JP" sz="2600" dirty="0"/>
-              <a:t>2. </a:t>
-            </a:r>
-            <a:r>
-              <a:rPr lang="ja-JP" altLang="en-US" sz="2600"/>
-              <a:t>大規模な問題例にも対応できるモデルの作成</a:t>
-            </a:r>
-            <a:endParaRPr lang="en-US" altLang="ja-JP" sz="2600" dirty="0"/>
-          </a:p>
-          <a:p>
-            <a:pPr lvl="1"/>
-            <a:r>
-              <a:rPr lang="ja-JP" altLang="en-US" sz="2400"/>
-              <a:t>専用ソルバーの開発</a:t>
-            </a:r>
-            <a:r>
-              <a:rPr lang="en-US" altLang="ja-JP" sz="2400" dirty="0"/>
-              <a:t>	</a:t>
-            </a:r>
-          </a:p>
-          <a:p>
-            <a:pPr lvl="1"/>
-            <a:r>
-              <a:rPr lang="en-US" altLang="ja-JP" sz="2400" dirty="0"/>
-              <a:t>6</a:t>
-            </a:r>
-            <a:r>
-              <a:rPr lang="ja-JP" altLang="en-US" sz="2400"/>
-              <a:t>月から、プログラムを</a:t>
-            </a:r>
-            <a:r>
-              <a:rPr lang="en-US" altLang="ja-JP" sz="2400" dirty="0"/>
-              <a:t>1</a:t>
-            </a:r>
-            <a:r>
-              <a:rPr lang="ja-JP" altLang="en-US" sz="2400"/>
-              <a:t>から新たに作成</a:t>
-            </a:r>
-            <a:endParaRPr lang="en-US" altLang="ja-JP" sz="2400" dirty="0"/>
-          </a:p>
-        </p:txBody>
-      </p:sp>
-    </p:spTree>
-    <p:extLst>
-      <p:ext uri="{BB962C8B-B14F-4D97-AF65-F5344CB8AC3E}">
-        <p14:creationId xmlns:p14="http://schemas.microsoft.com/office/powerpoint/2010/main" val="2813374313"/>
-      </p:ext>
-    </p:extLst>
-  </p:cSld>
-  <p:clrMapOvr>
-    <a:masterClrMapping/>
-  </p:clrMapOvr>
-</p:sld>
-</file>
-
-<file path=ppt/slides/slide16.xml><?xml version="1.0" encoding="utf-8"?>
-<p:sld xmlns:a="http://schemas.openxmlformats.org/drawingml/2006/main" xmlns:r="http://schemas.openxmlformats.org/officeDocument/2006/relationships" xmlns:p="http://schemas.openxmlformats.org/presentationml/2006/main">
-  <p:cSld>
-    <p:spTree>
-      <p:nvGrpSpPr>
-        <p:cNvPr id="1" name=""/>
-        <p:cNvGrpSpPr/>
-        <p:nvPr/>
-      </p:nvGrpSpPr>
-      <p:grpSpPr>
-        <a:xfrm>
-          <a:off x="0" y="0"/>
-          <a:ext cx="0" cy="0"/>
-          <a:chOff x="0" y="0"/>
-          <a:chExt cx="0" cy="0"/>
-        </a:xfrm>
-      </p:grpSpPr>
-      <p:sp>
-        <p:nvSpPr>
-          <p:cNvPr id="2" name="タイトル 1">
-            <a:extLst>
-              <a:ext uri="{FF2B5EF4-FFF2-40B4-BE49-F238E27FC236}">
-                <a16:creationId xmlns:a16="http://schemas.microsoft.com/office/drawing/2014/main" id="{DEE1382F-7C3A-ED42-BF42-F67C6FDD723E}"/>
-              </a:ext>
-            </a:extLst>
-          </p:cNvPr>
-          <p:cNvSpPr>
-            <a:spLocks noGrp="1"/>
-          </p:cNvSpPr>
-          <p:nvPr>
-            <p:ph type="title"/>
-          </p:nvPr>
-        </p:nvSpPr>
-        <p:spPr/>
-        <p:txBody>
-          <a:bodyPr/>
-          <a:lstStyle/>
-          <a:p>
-            <a:r>
-              <a:rPr kumimoji="1" lang="ja-JP" altLang="en-US"/>
-              <a:t>専用ソルバーの開発</a:t>
-            </a:r>
-          </a:p>
-        </p:txBody>
-      </p:sp>
-      <p:sp>
-        <p:nvSpPr>
-          <p:cNvPr id="3" name="コンテンツ プレースホルダー 2">
-            <a:extLst>
-              <a:ext uri="{FF2B5EF4-FFF2-40B4-BE49-F238E27FC236}">
-                <a16:creationId xmlns:a16="http://schemas.microsoft.com/office/drawing/2014/main" id="{66603910-061F-6749-9222-2B4D5E499E0D}"/>
-              </a:ext>
-            </a:extLst>
-          </p:cNvPr>
-          <p:cNvSpPr>
-            <a:spLocks noGrp="1"/>
-          </p:cNvSpPr>
-          <p:nvPr>
-            <p:ph idx="1"/>
-          </p:nvPr>
-        </p:nvSpPr>
-        <p:spPr/>
-        <p:txBody>
-          <a:bodyPr>
-            <a:normAutofit/>
-          </a:bodyPr>
-          <a:lstStyle/>
-          <a:p>
-            <a:r>
-              <a:rPr lang="ja-JP" altLang="en-US" sz="2400"/>
-              <a:t>以前のモデルは、数式の最適解を制限時間いっぱい探して、最も良い解を出すことを目指すモデル</a:t>
-            </a:r>
-            <a:endParaRPr lang="en-US" altLang="ja-JP" sz="2200" dirty="0"/>
-          </a:p>
-          <a:p>
-            <a:endParaRPr lang="en-US" altLang="ja-JP" sz="2400" dirty="0"/>
-          </a:p>
-          <a:p>
-            <a:r>
-              <a:rPr kumimoji="1" lang="ja-JP" altLang="en-US" sz="2400"/>
-              <a:t>新たなモデルは、ヒューリスティックを元にしたもの</a:t>
-            </a:r>
-            <a:endParaRPr kumimoji="1" lang="en-US" altLang="ja-JP" sz="2400" dirty="0"/>
-          </a:p>
-          <a:p>
-            <a:r>
-              <a:rPr kumimoji="1" lang="ja-JP" altLang="en-US" sz="2400"/>
-              <a:t>厳密な解ではなくとも、短い計算時間で精度の良い解を出すことを目指すモデル</a:t>
-            </a:r>
-            <a:endParaRPr kumimoji="1" lang="en-US" altLang="ja-JP" sz="2400" dirty="0"/>
-          </a:p>
-        </p:txBody>
-      </p:sp>
-    </p:spTree>
-    <p:extLst>
-      <p:ext uri="{BB962C8B-B14F-4D97-AF65-F5344CB8AC3E}">
-        <p14:creationId xmlns:p14="http://schemas.microsoft.com/office/powerpoint/2010/main" val="246965859"/>
-      </p:ext>
-    </p:extLst>
-  </p:cSld>
-  <p:clrMapOvr>
-    <a:masterClrMapping/>
-  </p:clrMapOvr>
-</p:sld>
-</file>
-
 <file path=ppt/slides/slide17.xml><?xml version="1.0" encoding="utf-8"?>
 <p:sld xmlns:a="http://schemas.openxmlformats.org/drawingml/2006/main" xmlns:r="http://schemas.openxmlformats.org/officeDocument/2006/relationships" xmlns:p="http://schemas.openxmlformats.org/presentationml/2006/main">
   <p:cSld>
@@ -9365,7 +9611,7 @@
           <p:cNvPr id="2" name="タイトル 1">
             <a:extLst>
               <a:ext uri="{FF2B5EF4-FFF2-40B4-BE49-F238E27FC236}">
-                <a16:creationId xmlns:a16="http://schemas.microsoft.com/office/drawing/2014/main" id="{D2381DF8-19D0-D646-948E-EC1682994E13}"/>
+                <a16:creationId xmlns:a16="http://schemas.microsoft.com/office/drawing/2014/main" id="{60073449-F50B-0F44-87D3-A90996CF8803}"/>
               </a:ext>
             </a:extLst>
           </p:cNvPr>
@@ -9382,10 +9628,9 @@
           <a:lstStyle/>
           <a:p>
             <a:r>
-              <a:rPr lang="ja-JP" altLang="en-US"/>
-              <a:t>今後のロードマップ</a:t>
-            </a:r>
-            <a:endParaRPr kumimoji="1" lang="ja-JP" altLang="en-US"/>
+              <a:rPr kumimoji="1" lang="ja-JP" altLang="en-US"/>
+              <a:t>モデルについて</a:t>
+            </a:r>
           </a:p>
         </p:txBody>
       </p:sp>
@@ -9394,7 +9639,7 @@
           <p:cNvPr id="3" name="コンテンツ プレースホルダー 2">
             <a:extLst>
               <a:ext uri="{FF2B5EF4-FFF2-40B4-BE49-F238E27FC236}">
-                <a16:creationId xmlns:a16="http://schemas.microsoft.com/office/drawing/2014/main" id="{EACA2184-B43F-AB4B-8709-BF0C51BBA185}"/>
+                <a16:creationId xmlns:a16="http://schemas.microsoft.com/office/drawing/2014/main" id="{8C14A0A6-ACD2-3C4B-B7AF-ADD8335CCCE0}"/>
               </a:ext>
             </a:extLst>
           </p:cNvPr>
@@ -9407,108 +9652,94 @@
         </p:nvSpPr>
         <p:spPr>
           <a:xfrm>
-            <a:off x="2258291" y="2133600"/>
-            <a:ext cx="9725891" cy="3777622"/>
+            <a:off x="2147455" y="1731819"/>
+            <a:ext cx="9357157" cy="4317949"/>
           </a:xfrm>
         </p:spPr>
         <p:txBody>
-          <a:bodyPr/>
+          <a:bodyPr>
+            <a:normAutofit/>
+          </a:bodyPr>
           <a:lstStyle/>
           <a:p>
-            <a:r>
-              <a:rPr lang="en-US" altLang="ja-JP" sz="2400" dirty="0"/>
-              <a:t>11,</a:t>
-            </a:r>
-            <a:r>
-              <a:rPr kumimoji="1" lang="en-US" altLang="ja-JP" sz="2400" dirty="0"/>
-              <a:t>12</a:t>
-            </a:r>
-            <a:r>
-              <a:rPr lang="ja-JP" altLang="en-US" sz="2400"/>
-              <a:t>月</a:t>
-            </a:r>
-            <a:endParaRPr lang="en-US" altLang="ja-JP" sz="2400" dirty="0"/>
-          </a:p>
-          <a:p>
-            <a:pPr lvl="1"/>
+            <a:pPr marL="0" indent="0">
+              <a:buNone/>
+            </a:pPr>
+            <a:r>
+              <a:rPr lang="ja-JP" altLang="en-US" sz="2800"/>
+              <a:t>計算する際に、必ず守るべき条件が制約</a:t>
+            </a:r>
+            <a:endParaRPr kumimoji="1" lang="en-US" altLang="ja-JP" sz="2800" dirty="0"/>
+          </a:p>
+          <a:p>
+            <a:r>
+              <a:rPr kumimoji="1" lang="ja-JP" altLang="en-US" sz="2800"/>
+              <a:t>制約は</a:t>
+            </a:r>
+            <a:r>
+              <a:rPr kumimoji="1" lang="en-US" altLang="ja-JP" sz="2800" dirty="0"/>
+              <a:t>4</a:t>
+            </a:r>
+            <a:r>
+              <a:rPr lang="ja-JP" altLang="en-US" sz="2800"/>
+              <a:t>つ</a:t>
+            </a:r>
+            <a:endParaRPr kumimoji="1" lang="en-US" altLang="ja-JP" sz="2800" dirty="0"/>
+          </a:p>
+          <a:p>
+            <a:pPr marL="914400" lvl="1" indent="-457200">
+              <a:buFont typeface="+mj-lt"/>
+              <a:buAutoNum type="arabicPeriod"/>
+            </a:pPr>
             <a:r>
               <a:rPr lang="ja-JP" altLang="en-US" sz="2200"/>
-              <a:t>新たな数理モデルが対応できる注文のサイズ</a:t>
-            </a:r>
-            <a:r>
-              <a:rPr lang="en-US" altLang="ja-JP" sz="2200" dirty="0"/>
-              <a:t>(</a:t>
-            </a:r>
+              <a:t>貨物の走行路を確保する</a:t>
+            </a:r>
+            <a:endParaRPr lang="en-US" altLang="ja-JP" sz="2200" dirty="0"/>
+          </a:p>
+          <a:p>
+            <a:pPr marL="914400" lvl="1" indent="-457200">
+              <a:buFont typeface="+mj-lt"/>
+              <a:buAutoNum type="arabicPeriod"/>
+            </a:pPr>
             <a:r>
               <a:rPr lang="ja-JP" altLang="en-US" sz="2200"/>
-              <a:t>注文数や港の数</a:t>
-            </a:r>
-            <a:r>
-              <a:rPr lang="en-US" altLang="ja-JP" sz="2200" dirty="0"/>
-              <a:t>)</a:t>
-            </a:r>
+              <a:t>船内自動車の全体荷重が閾値を超えない </a:t>
+            </a:r>
+            <a:endParaRPr lang="en-US" altLang="ja-JP" sz="2200" dirty="0"/>
+          </a:p>
+          <a:p>
+            <a:pPr marL="914400" lvl="1" indent="-457200">
+              <a:buFont typeface="+mj-lt"/>
+              <a:buAutoNum type="arabicPeriod"/>
+            </a:pPr>
             <a:r>
               <a:rPr lang="ja-JP" altLang="en-US" sz="2200"/>
-              <a:t>を調査</a:t>
-            </a:r>
-            <a:endParaRPr lang="en-US" altLang="ja-JP" dirty="0"/>
-          </a:p>
-          <a:p>
-            <a:r>
-              <a:rPr lang="en-US" altLang="ja-JP" sz="2400" dirty="0"/>
-              <a:t>1,2</a:t>
-            </a:r>
-            <a:r>
-              <a:rPr lang="ja-JP" altLang="en-US" sz="2400"/>
-              <a:t>月</a:t>
-            </a:r>
-            <a:endParaRPr lang="en-US" altLang="ja-JP" sz="2400" dirty="0"/>
-          </a:p>
-          <a:p>
-            <a:pPr lvl="1"/>
-            <a:r>
-              <a:rPr lang="ja-JP" altLang="en-US" sz="2200"/>
-              <a:t>積み地と揚げ地をまとめて席割を作成するアプローチを去年度に行なっていた</a:t>
+              <a:t>大きな注文の分割ルールを守る </a:t>
             </a:r>
             <a:endParaRPr lang="en-US" altLang="ja-JP" sz="2200" dirty="0"/>
           </a:p>
           <a:p>
-            <a:pPr lvl="1"/>
-            <a:r>
-              <a:rPr lang="ja-JP" altLang="en-US" sz="2200"/>
-              <a:t>そのアプローチで得た席割を、専用ソルバーに組み込む実装を行う</a:t>
-            </a:r>
-            <a:endParaRPr lang="en-US" altLang="ja-JP" sz="2200" dirty="0"/>
-          </a:p>
-          <a:p>
-            <a:r>
-              <a:rPr lang="en-US" altLang="ja-JP" sz="2400" dirty="0"/>
-              <a:t>3</a:t>
-            </a:r>
-            <a:r>
-              <a:rPr lang="ja-JP" altLang="en-US" sz="2400"/>
-              <a:t>月</a:t>
-            </a:r>
-            <a:endParaRPr lang="en-US" altLang="ja-JP" sz="2400" dirty="0"/>
-          </a:p>
-          <a:p>
-            <a:pPr lvl="1"/>
-            <a:r>
-              <a:rPr lang="ja-JP" altLang="en-US" sz="2000"/>
-              <a:t>汎用ソルバーと専用ソルバーでの解の精度や計算時間の比較を報告予定</a:t>
-            </a:r>
-            <a:endParaRPr lang="en-US" altLang="ja-JP" sz="2000" dirty="0"/>
-          </a:p>
-          <a:p>
-            <a:pPr lvl="1"/>
-            <a:endParaRPr lang="en-US" altLang="ja-JP" dirty="0"/>
+            <a:pPr marL="914400" lvl="1" indent="-457200">
+              <a:buFont typeface="+mj-lt"/>
+              <a:buAutoNum type="arabicPeriod"/>
+            </a:pPr>
+            <a:r>
+              <a:rPr lang="ja-JP" altLang="en-US" sz="2400">
+                <a:latin typeface="+mn-ea"/>
+              </a:rPr>
+              <a:t>デッドスペースをなくす</a:t>
+            </a:r>
+            <a:endParaRPr lang="en-US" altLang="ja-JP" sz="2400" dirty="0">
+              <a:latin typeface="+mn-ea"/>
+            </a:endParaRPr>
           </a:p>
         </p:txBody>
       </p:sp>
     </p:spTree>
     <p:extLst>
       <p:ext uri="{BB962C8B-B14F-4D97-AF65-F5344CB8AC3E}">
-        <p14:creationId xmlns:p14="http://schemas.microsoft.com/office/powerpoint/2010/main" val="984134149"/>
+        <p14:creationId xmlns:p14="http://schemas.microsoft.com/office/powerpoint/2010/main" val="921525862"/>
       </p:ext>
     </p:extLst>
   </p:cSld>
@@ -9540,7 +9771,7 @@
           <p:cNvPr id="2" name="タイトル 1">
             <a:extLst>
               <a:ext uri="{FF2B5EF4-FFF2-40B4-BE49-F238E27FC236}">
-                <a16:creationId xmlns:a16="http://schemas.microsoft.com/office/drawing/2014/main" id="{998638B1-9433-5F40-BCAE-38CF7122BC9E}"/>
+                <a16:creationId xmlns:a16="http://schemas.microsoft.com/office/drawing/2014/main" id="{5149A6B0-4F52-F945-B8EA-E01CAD3AFB26}"/>
               </a:ext>
             </a:extLst>
           </p:cNvPr>
@@ -9558,7 +9789,7 @@
           <a:p>
             <a:r>
               <a:rPr kumimoji="1" lang="ja-JP" altLang="en-US"/>
-              <a:t>協力をお願いしたい点</a:t>
+              <a:t>モデルについて</a:t>
             </a:r>
           </a:p>
         </p:txBody>
@@ -9568,7 +9799,175 @@
           <p:cNvPr id="3" name="コンテンツ プレースホルダー 2">
             <a:extLst>
               <a:ext uri="{FF2B5EF4-FFF2-40B4-BE49-F238E27FC236}">
-                <a16:creationId xmlns:a16="http://schemas.microsoft.com/office/drawing/2014/main" id="{A21887DA-502F-D146-8AD4-C8D53BF8EA52}"/>
+                <a16:creationId xmlns:a16="http://schemas.microsoft.com/office/drawing/2014/main" id="{40F8FEE7-4642-2E4B-A454-1E84849639FE}"/>
+              </a:ext>
+            </a:extLst>
+          </p:cNvPr>
+          <p:cNvSpPr>
+            <a:spLocks noGrp="1"/>
+          </p:cNvSpPr>
+          <p:nvPr>
+            <p:ph idx="1"/>
+          </p:nvPr>
+        </p:nvSpPr>
+        <p:spPr>
+          <a:xfrm>
+            <a:off x="1676400" y="2133600"/>
+            <a:ext cx="9828212" cy="3777622"/>
+          </a:xfrm>
+        </p:spPr>
+        <p:txBody>
+          <a:bodyPr/>
+          <a:lstStyle/>
+          <a:p>
+            <a:pPr marL="0" indent="0">
+              <a:buNone/>
+            </a:pPr>
+            <a:r>
+              <a:rPr lang="ja-JP" altLang="en-US" sz="2800"/>
+              <a:t>計算を行う際に、値を良くすることを目指すものが目的関数</a:t>
+            </a:r>
+            <a:endParaRPr lang="en-US" altLang="ja-JP" sz="2800" dirty="0"/>
+          </a:p>
+          <a:p>
+            <a:r>
+              <a:rPr lang="ja-JP" altLang="en-US" sz="2800"/>
+              <a:t>目的関数は</a:t>
+            </a:r>
+            <a:r>
+              <a:rPr lang="en-US" altLang="ja-JP" sz="2800" dirty="0"/>
+              <a:t>4</a:t>
+            </a:r>
+            <a:r>
+              <a:rPr lang="ja-JP" altLang="en-US" sz="2800"/>
+              <a:t>つ</a:t>
+            </a:r>
+            <a:endParaRPr lang="en-US" altLang="ja-JP" sz="2800" dirty="0"/>
+          </a:p>
+          <a:p>
+            <a:pPr marL="914400" lvl="1" indent="-457200">
+              <a:buFont typeface="+mj-lt"/>
+              <a:buAutoNum type="arabicPeriod"/>
+            </a:pPr>
+            <a:r>
+              <a:rPr lang="ja-JP" altLang="en-US" sz="2000">
+                <a:latin typeface="+mn-ea"/>
+              </a:rPr>
+              <a:t>一つのホールド内に複数の積み地、揚げ地の注文が入るのを減らしたい </a:t>
+            </a:r>
+          </a:p>
+          <a:p>
+            <a:pPr marL="914400" lvl="1" indent="-457200">
+              <a:buFont typeface="+mj-lt"/>
+              <a:buAutoNum type="arabicPeriod"/>
+            </a:pPr>
+            <a:r>
+              <a:rPr lang="ja-JP" altLang="en-US" sz="2000">
+                <a:latin typeface="+mn-ea"/>
+              </a:rPr>
+              <a:t>船の内部で注文の積み地と揚げ地をなるべく揃えたい</a:t>
+            </a:r>
+            <a:endParaRPr lang="en-US" altLang="ja-JP" sz="2000" dirty="0">
+              <a:latin typeface="+mn-ea"/>
+            </a:endParaRPr>
+          </a:p>
+          <a:p>
+            <a:pPr marL="914400" lvl="1" indent="-457200">
+              <a:buFont typeface="+mj-lt"/>
+              <a:buAutoNum type="arabicPeriod"/>
+            </a:pPr>
+            <a:r>
+              <a:rPr lang="ja-JP" altLang="en-US" sz="2000">
+                <a:latin typeface="+mn-ea"/>
+              </a:rPr>
+              <a:t>貨物の取り回しスペースを確保したい</a:t>
+            </a:r>
+            <a:endParaRPr lang="en-US" altLang="ja-JP" sz="2000" dirty="0">
+              <a:latin typeface="+mn-ea"/>
+            </a:endParaRPr>
+          </a:p>
+          <a:p>
+            <a:pPr marL="914400" lvl="1" indent="-457200">
+              <a:buFont typeface="+mj-lt"/>
+              <a:buAutoNum type="arabicPeriod"/>
+            </a:pPr>
+            <a:r>
+              <a:rPr lang="ja-JP" altLang="en-US" sz="2000">
+                <a:latin typeface="+mn-ea"/>
+              </a:rPr>
+              <a:t>残容量を入口付近に寄せたい </a:t>
+            </a:r>
+            <a:endParaRPr lang="en-US" altLang="ja-JP" sz="2000" dirty="0"/>
+          </a:p>
+          <a:p>
+            <a:endParaRPr kumimoji="1" lang="ja-JP" altLang="en-US"/>
+          </a:p>
+        </p:txBody>
+      </p:sp>
+    </p:spTree>
+    <p:extLst>
+      <p:ext uri="{BB962C8B-B14F-4D97-AF65-F5344CB8AC3E}">
+        <p14:creationId xmlns:p14="http://schemas.microsoft.com/office/powerpoint/2010/main" val="592960778"/>
+      </p:ext>
+    </p:extLst>
+  </p:cSld>
+  <p:clrMapOvr>
+    <a:masterClrMapping/>
+  </p:clrMapOvr>
+</p:sld>
+</file>
+
+<file path=ppt/slides/slide19.xml><?xml version="1.0" encoding="utf-8"?>
+<p:sld xmlns:a="http://schemas.openxmlformats.org/drawingml/2006/main" xmlns:r="http://schemas.openxmlformats.org/officeDocument/2006/relationships" xmlns:p="http://schemas.openxmlformats.org/presentationml/2006/main">
+  <p:cSld>
+    <p:spTree>
+      <p:nvGrpSpPr>
+        <p:cNvPr id="1" name=""/>
+        <p:cNvGrpSpPr/>
+        <p:nvPr/>
+      </p:nvGrpSpPr>
+      <p:grpSpPr>
+        <a:xfrm>
+          <a:off x="0" y="0"/>
+          <a:ext cx="0" cy="0"/>
+          <a:chOff x="0" y="0"/>
+          <a:chExt cx="0" cy="0"/>
+        </a:xfrm>
+      </p:grpSpPr>
+      <p:sp>
+        <p:nvSpPr>
+          <p:cNvPr id="2" name="タイトル 1">
+            <a:extLst>
+              <a:ext uri="{FF2B5EF4-FFF2-40B4-BE49-F238E27FC236}">
+                <a16:creationId xmlns:a16="http://schemas.microsoft.com/office/drawing/2014/main" id="{AB3E2520-AAC2-5449-BC91-178D8B6DD09E}"/>
+              </a:ext>
+            </a:extLst>
+          </p:cNvPr>
+          <p:cNvSpPr>
+            <a:spLocks noGrp="1"/>
+          </p:cNvSpPr>
+          <p:nvPr>
+            <p:ph type="title"/>
+          </p:nvPr>
+        </p:nvSpPr>
+        <p:spPr/>
+        <p:txBody>
+          <a:bodyPr/>
+          <a:lstStyle/>
+          <a:p>
+            <a:r>
+              <a:rPr kumimoji="1" lang="ja-JP" altLang="en-US"/>
+              <a:t>前回までのモデルでの問題点</a:t>
+            </a:r>
+          </a:p>
+        </p:txBody>
+      </p:sp>
+      <p:sp>
+        <p:nvSpPr>
+          <p:cNvPr id="3" name="コンテンツ プレースホルダー 2">
+            <a:extLst>
+              <a:ext uri="{FF2B5EF4-FFF2-40B4-BE49-F238E27FC236}">
+                <a16:creationId xmlns:a16="http://schemas.microsoft.com/office/drawing/2014/main" id="{D3807F1B-2CEE-BA4D-A677-4637CCD3E5CF}"/>
               </a:ext>
             </a:extLst>
           </p:cNvPr>
@@ -9587,55 +9986,45 @@
           <a:lstStyle/>
           <a:p>
             <a:r>
-              <a:rPr kumimoji="1" lang="ja-JP" altLang="en-US" sz="2400"/>
-              <a:t>簡単なブッキングにおける実際の席割結果を共有していただけると嬉しいです</a:t>
-            </a:r>
-            <a:endParaRPr kumimoji="1" lang="en-US" altLang="ja-JP" sz="2400" dirty="0"/>
-          </a:p>
-          <a:p>
+              <a:rPr lang="ja-JP" altLang="en-US" sz="2400"/>
+              <a:t>積み地や揚げ地の数</a:t>
+            </a:r>
+            <a:r>
+              <a:rPr lang="en-US" altLang="ja-JP" sz="2400" dirty="0"/>
+              <a:t>, </a:t>
+            </a:r>
+            <a:r>
+              <a:rPr lang="ja-JP" altLang="en-US" sz="2400"/>
+              <a:t>注文数やホールド数が増加すると、計算時間が膨大に増加することを確認</a:t>
+            </a:r>
             <a:endParaRPr lang="en-US" altLang="ja-JP" sz="2400" dirty="0"/>
           </a:p>
           <a:p>
-            <a:r>
-              <a:rPr kumimoji="1" lang="ja-JP" altLang="en-US" sz="2400"/>
-              <a:t>理由としては</a:t>
-            </a:r>
-            <a:r>
-              <a:rPr kumimoji="1" lang="en-US" altLang="ja-JP" sz="2400" dirty="0"/>
-              <a:t>2</a:t>
-            </a:r>
-            <a:r>
-              <a:rPr kumimoji="1" lang="ja-JP" altLang="en-US" sz="2400"/>
-              <a:t>点</a:t>
-            </a:r>
-            <a:endParaRPr lang="en-US" altLang="ja-JP" sz="2200" dirty="0"/>
-          </a:p>
-          <a:p>
-            <a:pPr lvl="1"/>
-            <a:r>
-              <a:rPr kumimoji="1" lang="en-US" altLang="ja-JP" sz="2200" dirty="0"/>
-              <a:t>4</a:t>
-            </a:r>
-            <a:r>
-              <a:rPr kumimoji="1" lang="ja-JP" altLang="en-US" sz="2200"/>
-              <a:t>つある目的関数のそれぞれの値を比較できる</a:t>
-            </a:r>
-            <a:endParaRPr kumimoji="1" lang="en-US" altLang="ja-JP" sz="2200" dirty="0"/>
-          </a:p>
-          <a:p>
-            <a:pPr lvl="1"/>
-            <a:r>
-              <a:rPr lang="ja-JP" altLang="en-US" sz="2200"/>
-              <a:t>目的関数の重み付けがしやすくなる</a:t>
-            </a:r>
-            <a:endParaRPr kumimoji="1" lang="en-US" altLang="ja-JP" sz="2200" dirty="0"/>
+            <a:endParaRPr lang="en-US" altLang="ja-JP" sz="2400" dirty="0"/>
+          </a:p>
+          <a:p>
+            <a:r>
+              <a:rPr lang="ja-JP" altLang="en-US" sz="2400"/>
+              <a:t>より複雑な制約を考慮しつつ解を出力するのは、現実的な計算時間では終わりそうにない</a:t>
+            </a:r>
+            <a:endParaRPr lang="en-US" altLang="ja-JP" sz="2400" dirty="0"/>
+          </a:p>
+          <a:p>
+            <a:r>
+              <a:rPr lang="ja-JP" altLang="en-US" sz="2400"/>
+              <a:t>新たなアプローチをとる必要があった</a:t>
+            </a:r>
+            <a:endParaRPr lang="en-US" altLang="ja-JP" sz="2400" dirty="0"/>
+          </a:p>
+          <a:p>
+            <a:endParaRPr lang="en-US" altLang="ja-JP" sz="2400" dirty="0"/>
           </a:p>
         </p:txBody>
       </p:sp>
     </p:spTree>
     <p:extLst>
       <p:ext uri="{BB962C8B-B14F-4D97-AF65-F5344CB8AC3E}">
-        <p14:creationId xmlns:p14="http://schemas.microsoft.com/office/powerpoint/2010/main" val="25606556"/>
+        <p14:creationId xmlns:p14="http://schemas.microsoft.com/office/powerpoint/2010/main" val="1664906661"/>
       </p:ext>
     </p:extLst>
   </p:cSld>
@@ -9769,6 +10158,589 @@
     <p:extLst>
       <p:ext uri="{BB962C8B-B14F-4D97-AF65-F5344CB8AC3E}">
         <p14:creationId xmlns:p14="http://schemas.microsoft.com/office/powerpoint/2010/main" val="730145668"/>
+      </p:ext>
+    </p:extLst>
+  </p:cSld>
+  <p:clrMapOvr>
+    <a:masterClrMapping/>
+  </p:clrMapOvr>
+</p:sld>
+</file>
+
+<file path=ppt/slides/slide20.xml><?xml version="1.0" encoding="utf-8"?>
+<p:sld xmlns:a="http://schemas.openxmlformats.org/drawingml/2006/main" xmlns:r="http://schemas.openxmlformats.org/officeDocument/2006/relationships" xmlns:p="http://schemas.openxmlformats.org/presentationml/2006/main">
+  <p:cSld>
+    <p:spTree>
+      <p:nvGrpSpPr>
+        <p:cNvPr id="1" name=""/>
+        <p:cNvGrpSpPr/>
+        <p:nvPr/>
+      </p:nvGrpSpPr>
+      <p:grpSpPr>
+        <a:xfrm>
+          <a:off x="0" y="0"/>
+          <a:ext cx="0" cy="0"/>
+          <a:chOff x="0" y="0"/>
+          <a:chExt cx="0" cy="0"/>
+        </a:xfrm>
+      </p:grpSpPr>
+      <p:sp>
+        <p:nvSpPr>
+          <p:cNvPr id="2" name="タイトル 1">
+            <a:extLst>
+              <a:ext uri="{FF2B5EF4-FFF2-40B4-BE49-F238E27FC236}">
+                <a16:creationId xmlns:a16="http://schemas.microsoft.com/office/drawing/2014/main" id="{D494405D-C63C-0441-9752-73B631A3D991}"/>
+              </a:ext>
+            </a:extLst>
+          </p:cNvPr>
+          <p:cNvSpPr>
+            <a:spLocks noGrp="1"/>
+          </p:cNvSpPr>
+          <p:nvPr>
+            <p:ph type="title"/>
+          </p:nvPr>
+        </p:nvSpPr>
+        <p:spPr/>
+        <p:txBody>
+          <a:bodyPr/>
+          <a:lstStyle/>
+          <a:p>
+            <a:r>
+              <a:rPr lang="en-US" altLang="ja-JP" dirty="0"/>
+              <a:t>3</a:t>
+            </a:r>
+            <a:r>
+              <a:rPr lang="ja-JP" altLang="en-US"/>
+              <a:t>月以降の取り組み</a:t>
+            </a:r>
+            <a:endParaRPr kumimoji="1" lang="ja-JP" altLang="en-US"/>
+          </a:p>
+        </p:txBody>
+      </p:sp>
+      <p:sp>
+        <p:nvSpPr>
+          <p:cNvPr id="3" name="コンテンツ プレースホルダー 2">
+            <a:extLst>
+              <a:ext uri="{FF2B5EF4-FFF2-40B4-BE49-F238E27FC236}">
+                <a16:creationId xmlns:a16="http://schemas.microsoft.com/office/drawing/2014/main" id="{81E1D8B5-9BD0-8442-B97C-A6838E468C4F}"/>
+              </a:ext>
+            </a:extLst>
+          </p:cNvPr>
+          <p:cNvSpPr>
+            <a:spLocks noGrp="1"/>
+          </p:cNvSpPr>
+          <p:nvPr>
+            <p:ph idx="1"/>
+          </p:nvPr>
+        </p:nvSpPr>
+        <p:spPr/>
+        <p:txBody>
+          <a:bodyPr/>
+          <a:lstStyle/>
+          <a:p>
+            <a:pPr marL="0" indent="0">
+              <a:buNone/>
+            </a:pPr>
+            <a:r>
+              <a:rPr lang="en-US" altLang="ja-JP" sz="2600" dirty="0"/>
+              <a:t>1. </a:t>
+            </a:r>
+            <a:r>
+              <a:rPr lang="ja-JP" altLang="en-US" sz="2600"/>
+              <a:t>席割の評価方法のヒアリング</a:t>
+            </a:r>
+            <a:endParaRPr lang="en-US" altLang="ja-JP" sz="2600" dirty="0"/>
+          </a:p>
+          <a:p>
+            <a:pPr lvl="1"/>
+            <a:r>
+              <a:rPr lang="en-US" altLang="ja-JP" sz="2200" dirty="0"/>
+              <a:t>4</a:t>
+            </a:r>
+            <a:r>
+              <a:rPr lang="ja-JP" altLang="en-US" sz="2200"/>
+              <a:t>月、</a:t>
+            </a:r>
+            <a:r>
+              <a:rPr lang="en-US" altLang="ja-JP" sz="2200" dirty="0"/>
+              <a:t>5</a:t>
+            </a:r>
+            <a:r>
+              <a:rPr lang="ja-JP" altLang="en-US" sz="2200"/>
+              <a:t>月にプランナーさんにヒアリング</a:t>
+            </a:r>
+            <a:endParaRPr lang="en-US" altLang="ja-JP" sz="2200" dirty="0"/>
+          </a:p>
+          <a:p>
+            <a:pPr lvl="1"/>
+            <a:r>
+              <a:rPr lang="ja-JP" altLang="en-US" sz="2200"/>
+              <a:t>新たな目的関数などは加えない方針</a:t>
+            </a:r>
+            <a:endParaRPr lang="en-US" altLang="ja-JP" sz="2200" dirty="0"/>
+          </a:p>
+          <a:p>
+            <a:endParaRPr lang="en-US" altLang="ja-JP" sz="2600" dirty="0"/>
+          </a:p>
+          <a:p>
+            <a:pPr marL="0" indent="0">
+              <a:buNone/>
+            </a:pPr>
+            <a:r>
+              <a:rPr lang="en-US" altLang="ja-JP" sz="2600" dirty="0"/>
+              <a:t>2. </a:t>
+            </a:r>
+            <a:r>
+              <a:rPr lang="ja-JP" altLang="en-US" sz="2600"/>
+              <a:t>大規模な問題例にも対応できるモデルの作成</a:t>
+            </a:r>
+            <a:endParaRPr lang="en-US" altLang="ja-JP" sz="2600" dirty="0"/>
+          </a:p>
+          <a:p>
+            <a:pPr lvl="1"/>
+            <a:r>
+              <a:rPr lang="ja-JP" altLang="en-US" sz="2400"/>
+              <a:t>専用ソルバーの開発</a:t>
+            </a:r>
+            <a:r>
+              <a:rPr lang="en-US" altLang="ja-JP" sz="2400" dirty="0"/>
+              <a:t>	</a:t>
+            </a:r>
+          </a:p>
+          <a:p>
+            <a:pPr lvl="1"/>
+            <a:r>
+              <a:rPr lang="en-US" altLang="ja-JP" sz="2400" dirty="0"/>
+              <a:t>6</a:t>
+            </a:r>
+            <a:r>
+              <a:rPr lang="ja-JP" altLang="en-US" sz="2400"/>
+              <a:t>月から、プログラムを</a:t>
+            </a:r>
+            <a:r>
+              <a:rPr lang="en-US" altLang="ja-JP" sz="2400" dirty="0"/>
+              <a:t>1</a:t>
+            </a:r>
+            <a:r>
+              <a:rPr lang="ja-JP" altLang="en-US" sz="2400"/>
+              <a:t>から新たに作成</a:t>
+            </a:r>
+            <a:endParaRPr lang="en-US" altLang="ja-JP" sz="2400" dirty="0"/>
+          </a:p>
+        </p:txBody>
+      </p:sp>
+    </p:spTree>
+    <p:extLst>
+      <p:ext uri="{BB962C8B-B14F-4D97-AF65-F5344CB8AC3E}">
+        <p14:creationId xmlns:p14="http://schemas.microsoft.com/office/powerpoint/2010/main" val="2813374313"/>
+      </p:ext>
+    </p:extLst>
+  </p:cSld>
+  <p:clrMapOvr>
+    <a:masterClrMapping/>
+  </p:clrMapOvr>
+</p:sld>
+</file>
+
+<file path=ppt/slides/slide21.xml><?xml version="1.0" encoding="utf-8"?>
+<p:sld xmlns:a="http://schemas.openxmlformats.org/drawingml/2006/main" xmlns:r="http://schemas.openxmlformats.org/officeDocument/2006/relationships" xmlns:p="http://schemas.openxmlformats.org/presentationml/2006/main">
+  <p:cSld>
+    <p:spTree>
+      <p:nvGrpSpPr>
+        <p:cNvPr id="1" name=""/>
+        <p:cNvGrpSpPr/>
+        <p:nvPr/>
+      </p:nvGrpSpPr>
+      <p:grpSpPr>
+        <a:xfrm>
+          <a:off x="0" y="0"/>
+          <a:ext cx="0" cy="0"/>
+          <a:chOff x="0" y="0"/>
+          <a:chExt cx="0" cy="0"/>
+        </a:xfrm>
+      </p:grpSpPr>
+      <p:sp>
+        <p:nvSpPr>
+          <p:cNvPr id="2" name="タイトル 1">
+            <a:extLst>
+              <a:ext uri="{FF2B5EF4-FFF2-40B4-BE49-F238E27FC236}">
+                <a16:creationId xmlns:a16="http://schemas.microsoft.com/office/drawing/2014/main" id="{DEE1382F-7C3A-ED42-BF42-F67C6FDD723E}"/>
+              </a:ext>
+            </a:extLst>
+          </p:cNvPr>
+          <p:cNvSpPr>
+            <a:spLocks noGrp="1"/>
+          </p:cNvSpPr>
+          <p:nvPr>
+            <p:ph type="title"/>
+          </p:nvPr>
+        </p:nvSpPr>
+        <p:spPr/>
+        <p:txBody>
+          <a:bodyPr/>
+          <a:lstStyle/>
+          <a:p>
+            <a:r>
+              <a:rPr kumimoji="1" lang="ja-JP" altLang="en-US"/>
+              <a:t>専用ソルバーの開発</a:t>
+            </a:r>
+          </a:p>
+        </p:txBody>
+      </p:sp>
+      <p:sp>
+        <p:nvSpPr>
+          <p:cNvPr id="3" name="コンテンツ プレースホルダー 2">
+            <a:extLst>
+              <a:ext uri="{FF2B5EF4-FFF2-40B4-BE49-F238E27FC236}">
+                <a16:creationId xmlns:a16="http://schemas.microsoft.com/office/drawing/2014/main" id="{66603910-061F-6749-9222-2B4D5E499E0D}"/>
+              </a:ext>
+            </a:extLst>
+          </p:cNvPr>
+          <p:cNvSpPr>
+            <a:spLocks noGrp="1"/>
+          </p:cNvSpPr>
+          <p:nvPr>
+            <p:ph idx="1"/>
+          </p:nvPr>
+        </p:nvSpPr>
+        <p:spPr/>
+        <p:txBody>
+          <a:bodyPr>
+            <a:normAutofit/>
+          </a:bodyPr>
+          <a:lstStyle/>
+          <a:p>
+            <a:r>
+              <a:rPr lang="ja-JP" altLang="en-US" sz="2400"/>
+              <a:t>以前のモデルは、数式の最適解を制限時間いっぱい探して、最も良い解を出すことを目指すモデル</a:t>
+            </a:r>
+            <a:endParaRPr lang="en-US" altLang="ja-JP" sz="2200" dirty="0"/>
+          </a:p>
+          <a:p>
+            <a:endParaRPr lang="en-US" altLang="ja-JP" sz="2400" dirty="0"/>
+          </a:p>
+          <a:p>
+            <a:r>
+              <a:rPr kumimoji="1" lang="ja-JP" altLang="en-US" sz="2400"/>
+              <a:t>新たなモデルは、ヒューリスティックを元にしたもの</a:t>
+            </a:r>
+            <a:endParaRPr kumimoji="1" lang="en-US" altLang="ja-JP" sz="2400" dirty="0"/>
+          </a:p>
+          <a:p>
+            <a:r>
+              <a:rPr kumimoji="1" lang="ja-JP" altLang="en-US" sz="2400"/>
+              <a:t>厳密な解ではなくとも、短い計算時間で精度の良い解を出すことを目指すモデル</a:t>
+            </a:r>
+            <a:endParaRPr kumimoji="1" lang="en-US" altLang="ja-JP" sz="2400" dirty="0"/>
+          </a:p>
+        </p:txBody>
+      </p:sp>
+    </p:spTree>
+    <p:extLst>
+      <p:ext uri="{BB962C8B-B14F-4D97-AF65-F5344CB8AC3E}">
+        <p14:creationId xmlns:p14="http://schemas.microsoft.com/office/powerpoint/2010/main" val="246965859"/>
+      </p:ext>
+    </p:extLst>
+  </p:cSld>
+  <p:clrMapOvr>
+    <a:masterClrMapping/>
+  </p:clrMapOvr>
+</p:sld>
+</file>
+
+<file path=ppt/slides/slide22.xml><?xml version="1.0" encoding="utf-8"?>
+<p:sld xmlns:a="http://schemas.openxmlformats.org/drawingml/2006/main" xmlns:r="http://schemas.openxmlformats.org/officeDocument/2006/relationships" xmlns:p="http://schemas.openxmlformats.org/presentationml/2006/main">
+  <p:cSld>
+    <p:spTree>
+      <p:nvGrpSpPr>
+        <p:cNvPr id="1" name=""/>
+        <p:cNvGrpSpPr/>
+        <p:nvPr/>
+      </p:nvGrpSpPr>
+      <p:grpSpPr>
+        <a:xfrm>
+          <a:off x="0" y="0"/>
+          <a:ext cx="0" cy="0"/>
+          <a:chOff x="0" y="0"/>
+          <a:chExt cx="0" cy="0"/>
+        </a:xfrm>
+      </p:grpSpPr>
+      <p:sp>
+        <p:nvSpPr>
+          <p:cNvPr id="2" name="タイトル 1">
+            <a:extLst>
+              <a:ext uri="{FF2B5EF4-FFF2-40B4-BE49-F238E27FC236}">
+                <a16:creationId xmlns:a16="http://schemas.microsoft.com/office/drawing/2014/main" id="{D2381DF8-19D0-D646-948E-EC1682994E13}"/>
+              </a:ext>
+            </a:extLst>
+          </p:cNvPr>
+          <p:cNvSpPr>
+            <a:spLocks noGrp="1"/>
+          </p:cNvSpPr>
+          <p:nvPr>
+            <p:ph type="title"/>
+          </p:nvPr>
+        </p:nvSpPr>
+        <p:spPr/>
+        <p:txBody>
+          <a:bodyPr/>
+          <a:lstStyle/>
+          <a:p>
+            <a:r>
+              <a:rPr lang="ja-JP" altLang="en-US"/>
+              <a:t>今後のロードマップ</a:t>
+            </a:r>
+            <a:endParaRPr kumimoji="1" lang="ja-JP" altLang="en-US"/>
+          </a:p>
+        </p:txBody>
+      </p:sp>
+      <p:sp>
+        <p:nvSpPr>
+          <p:cNvPr id="3" name="コンテンツ プレースホルダー 2">
+            <a:extLst>
+              <a:ext uri="{FF2B5EF4-FFF2-40B4-BE49-F238E27FC236}">
+                <a16:creationId xmlns:a16="http://schemas.microsoft.com/office/drawing/2014/main" id="{EACA2184-B43F-AB4B-8709-BF0C51BBA185}"/>
+              </a:ext>
+            </a:extLst>
+          </p:cNvPr>
+          <p:cNvSpPr>
+            <a:spLocks noGrp="1"/>
+          </p:cNvSpPr>
+          <p:nvPr>
+            <p:ph idx="1"/>
+          </p:nvPr>
+        </p:nvSpPr>
+        <p:spPr>
+          <a:xfrm>
+            <a:off x="2258291" y="2133600"/>
+            <a:ext cx="9725891" cy="3777622"/>
+          </a:xfrm>
+        </p:spPr>
+        <p:txBody>
+          <a:bodyPr/>
+          <a:lstStyle/>
+          <a:p>
+            <a:r>
+              <a:rPr lang="en-US" altLang="ja-JP" sz="2400" dirty="0"/>
+              <a:t>11,</a:t>
+            </a:r>
+            <a:r>
+              <a:rPr kumimoji="1" lang="en-US" altLang="ja-JP" sz="2400" dirty="0"/>
+              <a:t>12</a:t>
+            </a:r>
+            <a:r>
+              <a:rPr lang="ja-JP" altLang="en-US" sz="2400"/>
+              <a:t>月</a:t>
+            </a:r>
+            <a:endParaRPr lang="en-US" altLang="ja-JP" sz="2400" dirty="0"/>
+          </a:p>
+          <a:p>
+            <a:pPr lvl="1"/>
+            <a:r>
+              <a:rPr lang="ja-JP" altLang="en-US" sz="2200"/>
+              <a:t>新たな数理モデルが対応できる注文のサイズ</a:t>
+            </a:r>
+            <a:r>
+              <a:rPr lang="en-US" altLang="ja-JP" sz="2200" dirty="0"/>
+              <a:t>(</a:t>
+            </a:r>
+            <a:r>
+              <a:rPr lang="ja-JP" altLang="en-US" sz="2200"/>
+              <a:t>注文数や港の数</a:t>
+            </a:r>
+            <a:r>
+              <a:rPr lang="en-US" altLang="ja-JP" sz="2200" dirty="0"/>
+              <a:t>)</a:t>
+            </a:r>
+            <a:r>
+              <a:rPr lang="ja-JP" altLang="en-US" sz="2200"/>
+              <a:t>を調査</a:t>
+            </a:r>
+            <a:endParaRPr lang="en-US" altLang="ja-JP" dirty="0"/>
+          </a:p>
+          <a:p>
+            <a:r>
+              <a:rPr lang="en-US" altLang="ja-JP" sz="2400" dirty="0"/>
+              <a:t>1,2</a:t>
+            </a:r>
+            <a:r>
+              <a:rPr lang="ja-JP" altLang="en-US" sz="2400"/>
+              <a:t>月</a:t>
+            </a:r>
+            <a:endParaRPr lang="en-US" altLang="ja-JP" sz="2400" dirty="0"/>
+          </a:p>
+          <a:p>
+            <a:pPr lvl="1"/>
+            <a:r>
+              <a:rPr lang="ja-JP" altLang="en-US" sz="2200"/>
+              <a:t>積み地と揚げ地をまとめて席割を作成するアプローチを去年度に行なっていた</a:t>
+            </a:r>
+            <a:endParaRPr lang="en-US" altLang="ja-JP" sz="2200" dirty="0"/>
+          </a:p>
+          <a:p>
+            <a:pPr lvl="1"/>
+            <a:r>
+              <a:rPr lang="ja-JP" altLang="en-US" sz="2200"/>
+              <a:t>そのアプローチで得た席割を、専用ソルバーに組み込む実装を行う</a:t>
+            </a:r>
+            <a:endParaRPr lang="en-US" altLang="ja-JP" sz="2200" dirty="0"/>
+          </a:p>
+          <a:p>
+            <a:r>
+              <a:rPr lang="en-US" altLang="ja-JP" sz="2400" dirty="0"/>
+              <a:t>3</a:t>
+            </a:r>
+            <a:r>
+              <a:rPr lang="ja-JP" altLang="en-US" sz="2400"/>
+              <a:t>月</a:t>
+            </a:r>
+            <a:endParaRPr lang="en-US" altLang="ja-JP" sz="2400" dirty="0"/>
+          </a:p>
+          <a:p>
+            <a:pPr lvl="1"/>
+            <a:r>
+              <a:rPr lang="ja-JP" altLang="en-US" sz="2000"/>
+              <a:t>汎用ソルバーと専用ソルバーでの解の精度や計算時間の比較を報告予定</a:t>
+            </a:r>
+            <a:endParaRPr lang="en-US" altLang="ja-JP" sz="2000" dirty="0"/>
+          </a:p>
+          <a:p>
+            <a:pPr lvl="1"/>
+            <a:endParaRPr lang="en-US" altLang="ja-JP" dirty="0"/>
+          </a:p>
+        </p:txBody>
+      </p:sp>
+    </p:spTree>
+    <p:extLst>
+      <p:ext uri="{BB962C8B-B14F-4D97-AF65-F5344CB8AC3E}">
+        <p14:creationId xmlns:p14="http://schemas.microsoft.com/office/powerpoint/2010/main" val="984134149"/>
+      </p:ext>
+    </p:extLst>
+  </p:cSld>
+  <p:clrMapOvr>
+    <a:masterClrMapping/>
+  </p:clrMapOvr>
+</p:sld>
+</file>
+
+<file path=ppt/slides/slide23.xml><?xml version="1.0" encoding="utf-8"?>
+<p:sld xmlns:a="http://schemas.openxmlformats.org/drawingml/2006/main" xmlns:r="http://schemas.openxmlformats.org/officeDocument/2006/relationships" xmlns:p="http://schemas.openxmlformats.org/presentationml/2006/main">
+  <p:cSld>
+    <p:spTree>
+      <p:nvGrpSpPr>
+        <p:cNvPr id="1" name=""/>
+        <p:cNvGrpSpPr/>
+        <p:nvPr/>
+      </p:nvGrpSpPr>
+      <p:grpSpPr>
+        <a:xfrm>
+          <a:off x="0" y="0"/>
+          <a:ext cx="0" cy="0"/>
+          <a:chOff x="0" y="0"/>
+          <a:chExt cx="0" cy="0"/>
+        </a:xfrm>
+      </p:grpSpPr>
+      <p:sp>
+        <p:nvSpPr>
+          <p:cNvPr id="2" name="タイトル 1">
+            <a:extLst>
+              <a:ext uri="{FF2B5EF4-FFF2-40B4-BE49-F238E27FC236}">
+                <a16:creationId xmlns:a16="http://schemas.microsoft.com/office/drawing/2014/main" id="{998638B1-9433-5F40-BCAE-38CF7122BC9E}"/>
+              </a:ext>
+            </a:extLst>
+          </p:cNvPr>
+          <p:cNvSpPr>
+            <a:spLocks noGrp="1"/>
+          </p:cNvSpPr>
+          <p:nvPr>
+            <p:ph type="title"/>
+          </p:nvPr>
+        </p:nvSpPr>
+        <p:spPr/>
+        <p:txBody>
+          <a:bodyPr/>
+          <a:lstStyle/>
+          <a:p>
+            <a:r>
+              <a:rPr kumimoji="1" lang="ja-JP" altLang="en-US"/>
+              <a:t>協力をお願いしたい点</a:t>
+            </a:r>
+          </a:p>
+        </p:txBody>
+      </p:sp>
+      <p:sp>
+        <p:nvSpPr>
+          <p:cNvPr id="3" name="コンテンツ プレースホルダー 2">
+            <a:extLst>
+              <a:ext uri="{FF2B5EF4-FFF2-40B4-BE49-F238E27FC236}">
+                <a16:creationId xmlns:a16="http://schemas.microsoft.com/office/drawing/2014/main" id="{A21887DA-502F-D146-8AD4-C8D53BF8EA52}"/>
+              </a:ext>
+            </a:extLst>
+          </p:cNvPr>
+          <p:cNvSpPr>
+            <a:spLocks noGrp="1"/>
+          </p:cNvSpPr>
+          <p:nvPr>
+            <p:ph idx="1"/>
+          </p:nvPr>
+        </p:nvSpPr>
+        <p:spPr/>
+        <p:txBody>
+          <a:bodyPr>
+            <a:normAutofit/>
+          </a:bodyPr>
+          <a:lstStyle/>
+          <a:p>
+            <a:r>
+              <a:rPr kumimoji="1" lang="ja-JP" altLang="en-US" sz="2400"/>
+              <a:t>簡単なブッキングにおける実際の席割結果を共有していただけると嬉しいです</a:t>
+            </a:r>
+            <a:endParaRPr kumimoji="1" lang="en-US" altLang="ja-JP" sz="2400" dirty="0"/>
+          </a:p>
+          <a:p>
+            <a:endParaRPr lang="en-US" altLang="ja-JP" sz="2400" dirty="0"/>
+          </a:p>
+          <a:p>
+            <a:r>
+              <a:rPr kumimoji="1" lang="ja-JP" altLang="en-US" sz="2400"/>
+              <a:t>理由としては</a:t>
+            </a:r>
+            <a:r>
+              <a:rPr kumimoji="1" lang="en-US" altLang="ja-JP" sz="2400" dirty="0"/>
+              <a:t>2</a:t>
+            </a:r>
+            <a:r>
+              <a:rPr kumimoji="1" lang="ja-JP" altLang="en-US" sz="2400"/>
+              <a:t>点</a:t>
+            </a:r>
+            <a:endParaRPr lang="en-US" altLang="ja-JP" sz="2200" dirty="0"/>
+          </a:p>
+          <a:p>
+            <a:pPr lvl="1"/>
+            <a:r>
+              <a:rPr kumimoji="1" lang="en-US" altLang="ja-JP" sz="2200" dirty="0"/>
+              <a:t>4</a:t>
+            </a:r>
+            <a:r>
+              <a:rPr kumimoji="1" lang="ja-JP" altLang="en-US" sz="2200"/>
+              <a:t>つある目的関数のそれぞれの値を比較できる</a:t>
+            </a:r>
+            <a:endParaRPr kumimoji="1" lang="en-US" altLang="ja-JP" sz="2200" dirty="0"/>
+          </a:p>
+          <a:p>
+            <a:pPr lvl="1"/>
+            <a:r>
+              <a:rPr lang="ja-JP" altLang="en-US" sz="2200"/>
+              <a:t>目的関数の重み付けがしやすくなる</a:t>
+            </a:r>
+            <a:endParaRPr kumimoji="1" lang="en-US" altLang="ja-JP" sz="2200" dirty="0"/>
+          </a:p>
+        </p:txBody>
+      </p:sp>
+    </p:spTree>
+    <p:extLst>
+      <p:ext uri="{BB962C8B-B14F-4D97-AF65-F5344CB8AC3E}">
+        <p14:creationId xmlns:p14="http://schemas.microsoft.com/office/powerpoint/2010/main" val="25606556"/>
       </p:ext>
     </p:extLst>
   </p:cSld>
@@ -11758,7 +12730,7 @@
           <p:cNvPr id="2" name="タイトル 1">
             <a:extLst>
               <a:ext uri="{FF2B5EF4-FFF2-40B4-BE49-F238E27FC236}">
-                <a16:creationId xmlns:a16="http://schemas.microsoft.com/office/drawing/2014/main" id="{D7B1B9ED-5BA1-C14F-9948-66ACA8DCB88E}"/>
+                <a16:creationId xmlns:a16="http://schemas.microsoft.com/office/drawing/2014/main" id="{60073449-F50B-0F44-87D3-A90996CF8803}"/>
               </a:ext>
             </a:extLst>
           </p:cNvPr>
@@ -11776,7 +12748,7 @@
           <a:p>
             <a:r>
               <a:rPr kumimoji="1" lang="ja-JP" altLang="en-US"/>
-              <a:t>目的関数と席割図の対比</a:t>
+              <a:t>モデルについて</a:t>
             </a:r>
           </a:p>
         </p:txBody>
@@ -11786,7 +12758,7 @@
           <p:cNvPr id="3" name="コンテンツ プレースホルダー 2">
             <a:extLst>
               <a:ext uri="{FF2B5EF4-FFF2-40B4-BE49-F238E27FC236}">
-                <a16:creationId xmlns:a16="http://schemas.microsoft.com/office/drawing/2014/main" id="{30431501-BA2F-F845-A567-99848F53BAA0}"/>
+                <a16:creationId xmlns:a16="http://schemas.microsoft.com/office/drawing/2014/main" id="{8C14A0A6-ACD2-3C4B-B7AF-ADD8335CCCE0}"/>
               </a:ext>
             </a:extLst>
           </p:cNvPr>
@@ -11797,19 +12769,96 @@
             <p:ph idx="1"/>
           </p:nvPr>
         </p:nvSpPr>
-        <p:spPr/>
-        <p:txBody>
-          <a:bodyPr/>
+        <p:spPr>
+          <a:xfrm>
+            <a:off x="2147455" y="1731819"/>
+            <a:ext cx="9357157" cy="4317949"/>
+          </a:xfrm>
+        </p:spPr>
+        <p:txBody>
+          <a:bodyPr>
+            <a:normAutofit/>
+          </a:bodyPr>
           <a:lstStyle/>
           <a:p>
-            <a:endParaRPr kumimoji="1" lang="ja-JP" altLang="en-US"/>
+            <a:pPr marL="0" indent="0">
+              <a:buNone/>
+            </a:pPr>
+            <a:r>
+              <a:rPr lang="ja-JP" altLang="en-US" sz="2800"/>
+              <a:t>計算する際に、必ず守るべき条件が制約</a:t>
+            </a:r>
+            <a:endParaRPr kumimoji="1" lang="en-US" altLang="ja-JP" sz="2800" dirty="0"/>
+          </a:p>
+          <a:p>
+            <a:r>
+              <a:rPr kumimoji="1" lang="ja-JP" altLang="en-US" sz="2800"/>
+              <a:t>制約は</a:t>
+            </a:r>
+            <a:r>
+              <a:rPr kumimoji="1" lang="en-US" altLang="ja-JP" sz="2800" dirty="0"/>
+              <a:t>4</a:t>
+            </a:r>
+            <a:r>
+              <a:rPr lang="ja-JP" altLang="en-US" sz="2800"/>
+              <a:t>つ</a:t>
+            </a:r>
+            <a:endParaRPr kumimoji="1" lang="en-US" altLang="ja-JP" sz="2800" dirty="0"/>
+          </a:p>
+          <a:p>
+            <a:pPr marL="914400" lvl="1" indent="-457200">
+              <a:buFont typeface="+mj-lt"/>
+              <a:buAutoNum type="arabicPeriod"/>
+            </a:pPr>
+            <a:r>
+              <a:rPr lang="ja-JP" altLang="en-US" sz="2200"/>
+              <a:t>貨物の走行路を確保する</a:t>
+            </a:r>
+            <a:endParaRPr lang="en-US" altLang="ja-JP" sz="2200" dirty="0"/>
+          </a:p>
+          <a:p>
+            <a:pPr marL="914400" lvl="1" indent="-457200">
+              <a:buFont typeface="+mj-lt"/>
+              <a:buAutoNum type="arabicPeriod"/>
+            </a:pPr>
+            <a:r>
+              <a:rPr lang="ja-JP" altLang="en-US" sz="2200"/>
+              <a:t>船内自動車の全体荷重が閾値を超えない </a:t>
+            </a:r>
+            <a:endParaRPr lang="en-US" altLang="ja-JP" sz="2200" dirty="0"/>
+          </a:p>
+          <a:p>
+            <a:pPr marL="914400" lvl="1" indent="-457200">
+              <a:buFont typeface="+mj-lt"/>
+              <a:buAutoNum type="arabicPeriod"/>
+            </a:pPr>
+            <a:r>
+              <a:rPr lang="ja-JP" altLang="en-US" sz="2200"/>
+              <a:t>車両のサイズの考慮</a:t>
+            </a:r>
+            <a:endParaRPr lang="en-US" altLang="ja-JP" sz="2200" dirty="0"/>
+          </a:p>
+          <a:p>
+            <a:pPr marL="914400" lvl="1" indent="-457200">
+              <a:buFont typeface="+mj-lt"/>
+              <a:buAutoNum type="arabicPeriod"/>
+            </a:pPr>
+            <a:r>
+              <a:rPr lang="ja-JP" altLang="en-US" sz="2400">
+                <a:latin typeface="+mn-ea"/>
+              </a:rPr>
+              <a:t>デッドスペースをなくす</a:t>
+            </a:r>
+            <a:endParaRPr lang="en-US" altLang="ja-JP" sz="2400" dirty="0">
+              <a:latin typeface="+mn-ea"/>
+            </a:endParaRPr>
           </a:p>
         </p:txBody>
       </p:sp>
     </p:spTree>
     <p:extLst>
       <p:ext uri="{BB962C8B-B14F-4D97-AF65-F5344CB8AC3E}">
-        <p14:creationId xmlns:p14="http://schemas.microsoft.com/office/powerpoint/2010/main" val="2762209749"/>
+        <p14:creationId xmlns:p14="http://schemas.microsoft.com/office/powerpoint/2010/main" val="4004951449"/>
       </p:ext>
     </p:extLst>
   </p:cSld>
@@ -11841,7 +12890,7 @@
           <p:cNvPr id="2" name="タイトル 1">
             <a:extLst>
               <a:ext uri="{FF2B5EF4-FFF2-40B4-BE49-F238E27FC236}">
-                <a16:creationId xmlns:a16="http://schemas.microsoft.com/office/drawing/2014/main" id="{062C7CEF-1C3A-6849-BF56-90283E685A63}"/>
+                <a16:creationId xmlns:a16="http://schemas.microsoft.com/office/drawing/2014/main" id="{5149A6B0-4F52-F945-B8EA-E01CAD3AFB26}"/>
               </a:ext>
             </a:extLst>
           </p:cNvPr>
@@ -11852,19 +12901,14 @@
             <p:ph type="title"/>
           </p:nvPr>
         </p:nvSpPr>
-        <p:spPr>
-          <a:xfrm>
-            <a:off x="2272145" y="624110"/>
-            <a:ext cx="8911687" cy="1280890"/>
-          </a:xfrm>
-        </p:spPr>
+        <p:spPr/>
         <p:txBody>
           <a:bodyPr/>
           <a:lstStyle/>
           <a:p>
             <a:r>
               <a:rPr kumimoji="1" lang="ja-JP" altLang="en-US"/>
-              <a:t>数理的なアプローチ</a:t>
+              <a:t>モデルについて</a:t>
             </a:r>
           </a:p>
         </p:txBody>
@@ -11874,7 +12918,7 @@
           <p:cNvPr id="3" name="コンテンツ プレースホルダー 2">
             <a:extLst>
               <a:ext uri="{FF2B5EF4-FFF2-40B4-BE49-F238E27FC236}">
-                <a16:creationId xmlns:a16="http://schemas.microsoft.com/office/drawing/2014/main" id="{0AC992E8-AF73-534B-ADC1-164061CD7AE0}"/>
+                <a16:creationId xmlns:a16="http://schemas.microsoft.com/office/drawing/2014/main" id="{40F8FEE7-4642-2E4B-A454-1E84849639FE}"/>
               </a:ext>
             </a:extLst>
           </p:cNvPr>
@@ -11887,96 +12931,102 @@
         </p:nvSpPr>
         <p:spPr>
           <a:xfrm>
-            <a:off x="2272145" y="2133600"/>
-            <a:ext cx="9232467" cy="3777622"/>
+            <a:off x="1676400" y="2133600"/>
+            <a:ext cx="9828212" cy="3777622"/>
           </a:xfrm>
         </p:spPr>
         <p:txBody>
-          <a:bodyPr>
-            <a:normAutofit/>
-          </a:bodyPr>
+          <a:bodyPr/>
           <a:lstStyle/>
           <a:p>
-            <a:r>
-              <a:rPr lang="ja-JP" altLang="en-US" sz="2400"/>
-              <a:t>汎用ソルバーを用いた数理モデル</a:t>
-            </a:r>
-            <a:endParaRPr lang="en-US" altLang="ja-JP" sz="2400" dirty="0"/>
-          </a:p>
-          <a:p>
-            <a:r>
-              <a:rPr lang="ja-JP" altLang="en-US" sz="2400"/>
-              <a:t>簡単なブッキング</a:t>
-            </a:r>
-            <a:r>
-              <a:rPr lang="en-US" altLang="ja-JP" sz="2400" dirty="0"/>
-              <a:t>(</a:t>
-            </a:r>
-            <a:r>
-              <a:rPr lang="ja-JP" altLang="en-US" sz="2400"/>
-              <a:t>注文数</a:t>
-            </a:r>
-            <a:r>
-              <a:rPr lang="en-US" altLang="ja-JP" sz="2400" dirty="0"/>
-              <a:t>100</a:t>
-            </a:r>
-            <a:r>
-              <a:rPr lang="ja-JP" altLang="en-US" sz="2400"/>
-              <a:t>程度</a:t>
-            </a:r>
-            <a:r>
-              <a:rPr lang="en-US" altLang="ja-JP" sz="2400" dirty="0"/>
-              <a:t>)</a:t>
-            </a:r>
-            <a:r>
-              <a:rPr lang="ja-JP" altLang="en-US" sz="2400"/>
-              <a:t>において、有効な解を得られていることをプランナーさんに確認していただけました。</a:t>
-            </a:r>
-            <a:endParaRPr lang="en-US" altLang="ja-JP" sz="2400" dirty="0"/>
-          </a:p>
-          <a:p>
-            <a:endParaRPr lang="en-US" altLang="ja-JP" sz="2400" dirty="0"/>
-          </a:p>
-          <a:p>
-            <a:r>
-              <a:rPr lang="ja-JP" altLang="en-US" sz="2400"/>
-              <a:t>割り当てる自動車は 全て乗用車を想定</a:t>
-            </a:r>
-            <a:endParaRPr lang="en-US" altLang="ja-JP" sz="2400" dirty="0"/>
-          </a:p>
-          <a:p>
-            <a:r>
-              <a:rPr lang="ja-JP" altLang="en-US" sz="2400"/>
-              <a:t>計算時間の上限を</a:t>
-            </a:r>
-            <a:r>
-              <a:rPr lang="en-US" altLang="ja-JP" sz="2400" dirty="0"/>
-              <a:t>1</a:t>
-            </a:r>
-            <a:r>
-              <a:rPr lang="ja-JP" altLang="en-US" sz="2400"/>
-              <a:t>時間に設定</a:t>
-            </a:r>
-            <a:endParaRPr lang="en-US" altLang="ja-JP" sz="2400" dirty="0"/>
-          </a:p>
-          <a:p>
-            <a:pPr marL="457200" lvl="1" indent="0">
+            <a:pPr marL="0" indent="0">
               <a:buNone/>
             </a:pPr>
-            <a:endParaRPr kumimoji="1" lang="en-US" altLang="ja-JP" sz="2200" dirty="0"/>
-          </a:p>
-          <a:p>
-            <a:endParaRPr kumimoji="1" lang="en-US" altLang="ja-JP" sz="2400" dirty="0"/>
-          </a:p>
-          <a:p>
-            <a:endParaRPr kumimoji="1" lang="ja-JP" altLang="en-US" sz="2400"/>
+            <a:r>
+              <a:rPr lang="ja-JP" altLang="en-US" sz="2800"/>
+              <a:t>計算を行う際に、値を良くすることを目指すものが目的関数</a:t>
+            </a:r>
+            <a:endParaRPr lang="en-US" altLang="ja-JP" sz="2800" dirty="0"/>
+          </a:p>
+          <a:p>
+            <a:r>
+              <a:rPr lang="ja-JP" altLang="en-US" sz="2800"/>
+              <a:t>目的関数は</a:t>
+            </a:r>
+            <a:r>
+              <a:rPr lang="en-US" altLang="ja-JP" sz="2800" dirty="0"/>
+              <a:t>4</a:t>
+            </a:r>
+            <a:r>
+              <a:rPr lang="ja-JP" altLang="en-US" sz="2800"/>
+              <a:t>つ</a:t>
+            </a:r>
+            <a:endParaRPr lang="en-US" altLang="ja-JP" sz="2800" dirty="0"/>
+          </a:p>
+          <a:p>
+            <a:pPr marL="914400" lvl="1" indent="-457200">
+              <a:buFont typeface="+mj-lt"/>
+              <a:buAutoNum type="arabicPeriod"/>
+            </a:pPr>
+            <a:r>
+              <a:rPr lang="ja-JP" altLang="en-US" sz="2000">
+                <a:latin typeface="+mn-ea"/>
+              </a:rPr>
+              <a:t>一つのホールド内に複数の積み地、揚げ地の注文が入るのを減らしたい </a:t>
+            </a:r>
+          </a:p>
+          <a:p>
+            <a:pPr marL="914400" lvl="1" indent="-457200">
+              <a:buFont typeface="+mj-lt"/>
+              <a:buAutoNum type="arabicPeriod"/>
+            </a:pPr>
+            <a:r>
+              <a:rPr lang="ja-JP" altLang="en-US" sz="2000">
+                <a:latin typeface="+mn-ea"/>
+              </a:rPr>
+              <a:t>船の内部で注文の積み地と揚げ地をなるべく揃えたい</a:t>
+            </a:r>
+            <a:endParaRPr lang="en-US" altLang="ja-JP" sz="2000" dirty="0">
+              <a:latin typeface="+mn-ea"/>
+            </a:endParaRPr>
+          </a:p>
+          <a:p>
+            <a:pPr marL="914400" lvl="1" indent="-457200">
+              <a:buFont typeface="+mj-lt"/>
+              <a:buAutoNum type="arabicPeriod"/>
+            </a:pPr>
+            <a:r>
+              <a:rPr lang="ja-JP" altLang="en-US" sz="2000">
+                <a:latin typeface="+mn-ea"/>
+              </a:rPr>
+              <a:t>貨物の取り回しスペースを確保したい</a:t>
+            </a:r>
+            <a:endParaRPr lang="en-US" altLang="ja-JP" sz="2000" dirty="0">
+              <a:latin typeface="+mn-ea"/>
+            </a:endParaRPr>
+          </a:p>
+          <a:p>
+            <a:pPr marL="914400" lvl="1" indent="-457200">
+              <a:buFont typeface="+mj-lt"/>
+              <a:buAutoNum type="arabicPeriod"/>
+            </a:pPr>
+            <a:r>
+              <a:rPr lang="ja-JP" altLang="en-US" sz="2000">
+                <a:latin typeface="+mn-ea"/>
+              </a:rPr>
+              <a:t>残容量を入口付近に寄せたい </a:t>
+            </a:r>
+            <a:endParaRPr lang="en-US" altLang="ja-JP" sz="2000" dirty="0"/>
+          </a:p>
+          <a:p>
+            <a:endParaRPr kumimoji="1" lang="ja-JP" altLang="en-US"/>
           </a:p>
         </p:txBody>
       </p:sp>
     </p:spTree>
     <p:extLst>
       <p:ext uri="{BB962C8B-B14F-4D97-AF65-F5344CB8AC3E}">
-        <p14:creationId xmlns:p14="http://schemas.microsoft.com/office/powerpoint/2010/main" val="151526214"/>
+        <p14:creationId xmlns:p14="http://schemas.microsoft.com/office/powerpoint/2010/main" val="3638779334"/>
       </p:ext>
     </p:extLst>
   </p:cSld>

--- a/3月　最終報告/最終報告.pptx
+++ b/3月　最終報告/最終報告.pptx
@@ -11,23 +11,17 @@
     <p:sldId id="270" r:id="rId5"/>
     <p:sldId id="271" r:id="rId6"/>
     <p:sldId id="272" r:id="rId7"/>
-    <p:sldId id="274" r:id="rId8"/>
-    <p:sldId id="279" r:id="rId9"/>
-    <p:sldId id="280" r:id="rId10"/>
-    <p:sldId id="275" r:id="rId11"/>
-    <p:sldId id="277" r:id="rId12"/>
-    <p:sldId id="281" r:id="rId13"/>
-    <p:sldId id="282" r:id="rId14"/>
-    <p:sldId id="273" r:id="rId15"/>
-    <p:sldId id="276" r:id="rId16"/>
-    <p:sldId id="259" r:id="rId17"/>
-    <p:sldId id="260" r:id="rId18"/>
-    <p:sldId id="265" r:id="rId19"/>
-    <p:sldId id="261" r:id="rId20"/>
-    <p:sldId id="262" r:id="rId21"/>
-    <p:sldId id="263" r:id="rId22"/>
-    <p:sldId id="269" r:id="rId23"/>
-    <p:sldId id="268" r:id="rId24"/>
+    <p:sldId id="279" r:id="rId8"/>
+    <p:sldId id="275" r:id="rId9"/>
+    <p:sldId id="277" r:id="rId10"/>
+    <p:sldId id="281" r:id="rId11"/>
+    <p:sldId id="282" r:id="rId12"/>
+    <p:sldId id="274" r:id="rId13"/>
+    <p:sldId id="263" r:id="rId14"/>
+    <p:sldId id="623" r:id="rId15"/>
+    <p:sldId id="621" r:id="rId16"/>
+    <p:sldId id="283" r:id="rId17"/>
+    <p:sldId id="622" r:id="rId18"/>
   </p:sldIdLst>
   <p:sldSz cx="12192000" cy="6858000"/>
   <p:notesSz cx="6858000" cy="9144000"/>
@@ -322,7 +316,7 @@
           <a:p>
             <a:fld id="{E4E4D631-585C-3D40-930A-689CFE73E77E}" type="datetimeFigureOut">
               <a:rPr kumimoji="1" lang="ja-JP" altLang="en-US" smtClean="0"/>
-              <a:t>2022/1/21</a:t>
+              <a:t>2022/1/22</a:t>
             </a:fld>
             <a:endParaRPr kumimoji="1" lang="ja-JP" altLang="en-US"/>
           </a:p>
@@ -697,7 +691,7 @@
           <a:p>
             <a:fld id="{E4E4D631-585C-3D40-930A-689CFE73E77E}" type="datetimeFigureOut">
               <a:rPr kumimoji="1" lang="ja-JP" altLang="en-US" smtClean="0"/>
-              <a:t>2022/1/21</a:t>
+              <a:t>2022/1/22</a:t>
             </a:fld>
             <a:endParaRPr kumimoji="1" lang="ja-JP" altLang="en-US"/>
           </a:p>
@@ -1172,7 +1166,7 @@
           <a:p>
             <a:fld id="{E4E4D631-585C-3D40-930A-689CFE73E77E}" type="datetimeFigureOut">
               <a:rPr kumimoji="1" lang="ja-JP" altLang="en-US" smtClean="0"/>
-              <a:t>2022/1/21</a:t>
+              <a:t>2022/1/22</a:t>
             </a:fld>
             <a:endParaRPr kumimoji="1" lang="ja-JP" altLang="en-US"/>
           </a:p>
@@ -1545,7 +1539,7 @@
           <a:p>
             <a:fld id="{E4E4D631-585C-3D40-930A-689CFE73E77E}" type="datetimeFigureOut">
               <a:rPr kumimoji="1" lang="ja-JP" altLang="en-US" smtClean="0"/>
-              <a:t>2022/1/21</a:t>
+              <a:t>2022/1/22</a:t>
             </a:fld>
             <a:endParaRPr kumimoji="1" lang="ja-JP" altLang="en-US"/>
           </a:p>
@@ -1939,7 +1933,7 @@
           <a:p>
             <a:fld id="{E4E4D631-585C-3D40-930A-689CFE73E77E}" type="datetimeFigureOut">
               <a:rPr kumimoji="1" lang="ja-JP" altLang="en-US" smtClean="0"/>
-              <a:t>2022/1/21</a:t>
+              <a:t>2022/1/22</a:t>
             </a:fld>
             <a:endParaRPr kumimoji="1" lang="ja-JP" altLang="en-US"/>
           </a:p>
@@ -2409,7 +2403,7 @@
           <a:p>
             <a:fld id="{E4E4D631-585C-3D40-930A-689CFE73E77E}" type="datetimeFigureOut">
               <a:rPr kumimoji="1" lang="ja-JP" altLang="en-US" smtClean="0"/>
-              <a:t>2022/1/21</a:t>
+              <a:t>2022/1/22</a:t>
             </a:fld>
             <a:endParaRPr kumimoji="1" lang="ja-JP" altLang="en-US"/>
           </a:p>
@@ -2674,7 +2668,7 @@
           <a:p>
             <a:fld id="{E4E4D631-585C-3D40-930A-689CFE73E77E}" type="datetimeFigureOut">
               <a:rPr kumimoji="1" lang="ja-JP" altLang="en-US" smtClean="0"/>
-              <a:t>2022/1/21</a:t>
+              <a:t>2022/1/22</a:t>
             </a:fld>
             <a:endParaRPr kumimoji="1" lang="ja-JP" altLang="en-US"/>
           </a:p>
@@ -2944,7 +2938,7 @@
           <a:p>
             <a:fld id="{E4E4D631-585C-3D40-930A-689CFE73E77E}" type="datetimeFigureOut">
               <a:rPr kumimoji="1" lang="ja-JP" altLang="en-US" smtClean="0"/>
-              <a:t>2022/1/21</a:t>
+              <a:t>2022/1/22</a:t>
             </a:fld>
             <a:endParaRPr kumimoji="1" lang="ja-JP" altLang="en-US"/>
           </a:p>
@@ -3214,7 +3208,7 @@
           <a:p>
             <a:fld id="{E4E4D631-585C-3D40-930A-689CFE73E77E}" type="datetimeFigureOut">
               <a:rPr kumimoji="1" lang="ja-JP" altLang="en-US" smtClean="0"/>
-              <a:t>2022/1/21</a:t>
+              <a:t>2022/1/22</a:t>
             </a:fld>
             <a:endParaRPr kumimoji="1" lang="ja-JP" altLang="en-US"/>
           </a:p>
@@ -3580,7 +3574,7 @@
           <a:p>
             <a:fld id="{E4E4D631-585C-3D40-930A-689CFE73E77E}" type="datetimeFigureOut">
               <a:rPr kumimoji="1" lang="ja-JP" altLang="en-US" smtClean="0"/>
-              <a:t>2022/1/21</a:t>
+              <a:t>2022/1/22</a:t>
             </a:fld>
             <a:endParaRPr kumimoji="1" lang="ja-JP" altLang="en-US"/>
           </a:p>
@@ -3919,7 +3913,7 @@
           <a:p>
             <a:fld id="{E4E4D631-585C-3D40-930A-689CFE73E77E}" type="datetimeFigureOut">
               <a:rPr kumimoji="1" lang="ja-JP" altLang="en-US" smtClean="0"/>
-              <a:t>2022/1/21</a:t>
+              <a:t>2022/1/22</a:t>
             </a:fld>
             <a:endParaRPr kumimoji="1" lang="ja-JP" altLang="en-US"/>
           </a:p>
@@ -4466,7 +4460,7 @@
           <a:p>
             <a:fld id="{E4E4D631-585C-3D40-930A-689CFE73E77E}" type="datetimeFigureOut">
               <a:rPr kumimoji="1" lang="ja-JP" altLang="en-US" smtClean="0"/>
-              <a:t>2022/1/21</a:t>
+              <a:t>2022/1/22</a:t>
             </a:fld>
             <a:endParaRPr kumimoji="1" lang="ja-JP" altLang="en-US"/>
           </a:p>
@@ -4671,7 +4665,7 @@
           <a:p>
             <a:fld id="{E4E4D631-585C-3D40-930A-689CFE73E77E}" type="datetimeFigureOut">
               <a:rPr kumimoji="1" lang="ja-JP" altLang="en-US" smtClean="0"/>
-              <a:t>2022/1/21</a:t>
+              <a:t>2022/1/22</a:t>
             </a:fld>
             <a:endParaRPr kumimoji="1" lang="ja-JP" altLang="en-US"/>
           </a:p>
@@ -4848,7 +4842,7 @@
           <a:p>
             <a:fld id="{E4E4D631-585C-3D40-930A-689CFE73E77E}" type="datetimeFigureOut">
               <a:rPr kumimoji="1" lang="ja-JP" altLang="en-US" smtClean="0"/>
-              <a:t>2022/1/21</a:t>
+              <a:t>2022/1/22</a:t>
             </a:fld>
             <a:endParaRPr kumimoji="1" lang="ja-JP" altLang="en-US"/>
           </a:p>
@@ -5226,7 +5220,7 @@
           <a:p>
             <a:fld id="{E4E4D631-585C-3D40-930A-689CFE73E77E}" type="datetimeFigureOut">
               <a:rPr kumimoji="1" lang="ja-JP" altLang="en-US" smtClean="0"/>
-              <a:t>2022/1/21</a:t>
+              <a:t>2022/1/22</a:t>
             </a:fld>
             <a:endParaRPr kumimoji="1" lang="ja-JP" altLang="en-US"/>
           </a:p>
@@ -5608,7 +5602,7 @@
           <a:p>
             <a:fld id="{E4E4D631-585C-3D40-930A-689CFE73E77E}" type="datetimeFigureOut">
               <a:rPr kumimoji="1" lang="ja-JP" altLang="en-US" smtClean="0"/>
-              <a:t>2022/1/21</a:t>
+              <a:t>2022/1/22</a:t>
             </a:fld>
             <a:endParaRPr kumimoji="1" lang="ja-JP" altLang="en-US"/>
           </a:p>
@@ -7733,7 +7727,7 @@
           <a:p>
             <a:fld id="{E4E4D631-585C-3D40-930A-689CFE73E77E}" type="datetimeFigureOut">
               <a:rPr kumimoji="1" lang="ja-JP" altLang="en-US" smtClean="0"/>
-              <a:t>2022/1/21</a:t>
+              <a:t>2022/1/22</a:t>
             </a:fld>
             <a:endParaRPr kumimoji="1" lang="ja-JP" altLang="en-US"/>
           </a:p>
@@ -8349,433 +8343,6 @@
           <p:cNvPr id="2" name="タイトル 1">
             <a:extLst>
               <a:ext uri="{FF2B5EF4-FFF2-40B4-BE49-F238E27FC236}">
-                <a16:creationId xmlns:a16="http://schemas.microsoft.com/office/drawing/2014/main" id="{D7B1B9ED-5BA1-C14F-9948-66ACA8DCB88E}"/>
-              </a:ext>
-            </a:extLst>
-          </p:cNvPr>
-          <p:cNvSpPr>
-            <a:spLocks noGrp="1"/>
-          </p:cNvSpPr>
-          <p:nvPr>
-            <p:ph type="title"/>
-          </p:nvPr>
-        </p:nvSpPr>
-        <p:spPr/>
-        <p:txBody>
-          <a:bodyPr/>
-          <a:lstStyle/>
-          <a:p>
-            <a:r>
-              <a:rPr kumimoji="1" lang="ja-JP" altLang="en-US"/>
-              <a:t>目的関数と席割図</a:t>
-            </a:r>
-          </a:p>
-        </p:txBody>
-      </p:sp>
-      <p:sp>
-        <p:nvSpPr>
-          <p:cNvPr id="3" name="コンテンツ プレースホルダー 2">
-            <a:extLst>
-              <a:ext uri="{FF2B5EF4-FFF2-40B4-BE49-F238E27FC236}">
-                <a16:creationId xmlns:a16="http://schemas.microsoft.com/office/drawing/2014/main" id="{30431501-BA2F-F845-A567-99848F53BAA0}"/>
-              </a:ext>
-            </a:extLst>
-          </p:cNvPr>
-          <p:cNvSpPr>
-            <a:spLocks noGrp="1"/>
-          </p:cNvSpPr>
-          <p:nvPr>
-            <p:ph idx="1"/>
-          </p:nvPr>
-        </p:nvSpPr>
-        <p:spPr>
-          <a:xfrm>
-            <a:off x="2589212" y="2133600"/>
-            <a:ext cx="8915400" cy="4031674"/>
-          </a:xfrm>
-        </p:spPr>
-        <p:txBody>
-          <a:bodyPr>
-            <a:normAutofit lnSpcReduction="10000"/>
-          </a:bodyPr>
-          <a:lstStyle/>
-          <a:p>
-            <a:r>
-              <a:rPr lang="ja-JP" altLang="en-US" sz="2400"/>
-              <a:t>アルゴリズムでは、目的関数の値だけを考慮して解を探索</a:t>
-            </a:r>
-            <a:endParaRPr lang="en-US" altLang="ja-JP" sz="2400" dirty="0"/>
-          </a:p>
-          <a:p>
-            <a:endParaRPr lang="en-US" altLang="ja-JP" sz="2400" dirty="0"/>
-          </a:p>
-          <a:p>
-            <a:pPr marL="457200" indent="-457200">
-              <a:buFont typeface="+mj-lt"/>
-              <a:buAutoNum type="arabicPeriod"/>
-            </a:pPr>
-            <a:r>
-              <a:rPr lang="ja-JP" altLang="en-US" sz="2000">
-                <a:latin typeface="+mn-ea"/>
-              </a:rPr>
-              <a:t>一つのホールド内に複数の積み地、揚げ地の注文が入るのを減らしたい </a:t>
-            </a:r>
-            <a:endParaRPr lang="en-US" altLang="ja-JP" sz="2000" dirty="0">
-              <a:latin typeface="+mn-ea"/>
-            </a:endParaRPr>
-          </a:p>
-          <a:p>
-            <a:pPr marL="457200" indent="-457200">
-              <a:buFont typeface="+mj-lt"/>
-              <a:buAutoNum type="arabicPeriod"/>
-            </a:pPr>
-            <a:r>
-              <a:rPr lang="ja-JP" altLang="en-US" sz="2000">
-                <a:latin typeface="+mn-ea"/>
-              </a:rPr>
-              <a:t>船の内部で注文の積み地と揚げ地をなるべく揃えたい</a:t>
-            </a:r>
-            <a:endParaRPr lang="en-US" altLang="ja-JP" sz="2000" dirty="0">
-              <a:latin typeface="+mn-ea"/>
-            </a:endParaRPr>
-          </a:p>
-          <a:p>
-            <a:pPr marL="457200" indent="-457200">
-              <a:buFont typeface="+mj-lt"/>
-              <a:buAutoNum type="arabicPeriod"/>
-            </a:pPr>
-            <a:r>
-              <a:rPr lang="ja-JP" altLang="en-US" sz="2000">
-                <a:latin typeface="+mn-ea"/>
-              </a:rPr>
-              <a:t>貨物の取り回しスペースを確保したい</a:t>
-            </a:r>
-            <a:endParaRPr lang="en-US" altLang="ja-JP" sz="2000" dirty="0">
-              <a:latin typeface="+mn-ea"/>
-            </a:endParaRPr>
-          </a:p>
-          <a:p>
-            <a:pPr marL="457200" indent="-457200">
-              <a:buFont typeface="+mj-lt"/>
-              <a:buAutoNum type="arabicPeriod"/>
-            </a:pPr>
-            <a:r>
-              <a:rPr lang="ja-JP" altLang="en-US" sz="2000">
-                <a:latin typeface="+mn-ea"/>
-              </a:rPr>
-              <a:t>残容量を入口付近に寄せたい </a:t>
-            </a:r>
-            <a:endParaRPr lang="en-US" altLang="ja-JP" sz="2000" dirty="0">
-              <a:latin typeface="+mn-ea"/>
-            </a:endParaRPr>
-          </a:p>
-          <a:p>
-            <a:pPr marL="457200" indent="-457200">
-              <a:buFont typeface="+mj-lt"/>
-              <a:buAutoNum type="arabicPeriod"/>
-            </a:pPr>
-            <a:endParaRPr lang="en-US" altLang="ja-JP" sz="2000" dirty="0">
-              <a:latin typeface="+mn-ea"/>
-            </a:endParaRPr>
-          </a:p>
-          <a:p>
-            <a:pPr marL="0" indent="0">
-              <a:buNone/>
-            </a:pPr>
-            <a:r>
-              <a:rPr lang="en-US" altLang="ja-JP" sz="2400" dirty="0">
-                <a:latin typeface="+mn-ea"/>
-              </a:rPr>
-              <a:t>1,2,3</a:t>
-            </a:r>
-            <a:r>
-              <a:rPr lang="ja-JP" altLang="en-US" sz="2400">
-                <a:latin typeface="+mn-ea"/>
-              </a:rPr>
-              <a:t>を満たすと値は</a:t>
-            </a:r>
-            <a:r>
-              <a:rPr lang="en-US" altLang="ja-JP" sz="2400" dirty="0">
-                <a:latin typeface="+mn-ea"/>
-              </a:rPr>
-              <a:t>0</a:t>
-            </a:r>
-            <a:r>
-              <a:rPr lang="ja-JP" altLang="en-US" sz="2400">
-                <a:latin typeface="+mn-ea"/>
-              </a:rPr>
-              <a:t>に近づく</a:t>
-            </a:r>
-            <a:endParaRPr lang="en-US" altLang="ja-JP" sz="2400" dirty="0">
-              <a:latin typeface="+mn-ea"/>
-            </a:endParaRPr>
-          </a:p>
-          <a:p>
-            <a:pPr marL="0" indent="0">
-              <a:buNone/>
-            </a:pPr>
-            <a:r>
-              <a:rPr lang="en-US" altLang="ja-JP" sz="2400" dirty="0">
-                <a:latin typeface="+mn-ea"/>
-              </a:rPr>
-              <a:t>4</a:t>
-            </a:r>
-            <a:r>
-              <a:rPr lang="ja-JP" altLang="en-US" sz="2400">
-                <a:latin typeface="+mn-ea"/>
-              </a:rPr>
-              <a:t>を満たすと値はマイナスに進む</a:t>
-            </a:r>
-            <a:endParaRPr lang="en-US" altLang="ja-JP" sz="2400" dirty="0"/>
-          </a:p>
-          <a:p>
-            <a:pPr marL="0" indent="0">
-              <a:buNone/>
-            </a:pPr>
-            <a:endParaRPr lang="en-US" altLang="ja-JP" sz="2400" dirty="0"/>
-          </a:p>
-          <a:p>
-            <a:endParaRPr lang="en-US" altLang="ja-JP" sz="2400" dirty="0"/>
-          </a:p>
-        </p:txBody>
-      </p:sp>
-    </p:spTree>
-    <p:extLst>
-      <p:ext uri="{BB962C8B-B14F-4D97-AF65-F5344CB8AC3E}">
-        <p14:creationId xmlns:p14="http://schemas.microsoft.com/office/powerpoint/2010/main" val="2762209749"/>
-      </p:ext>
-    </p:extLst>
-  </p:cSld>
-  <p:clrMapOvr>
-    <a:masterClrMapping/>
-  </p:clrMapOvr>
-</p:sld>
-</file>
-
-<file path=ppt/slides/slide11.xml><?xml version="1.0" encoding="utf-8"?>
-<p:sld xmlns:a="http://schemas.openxmlformats.org/drawingml/2006/main" xmlns:r="http://schemas.openxmlformats.org/officeDocument/2006/relationships" xmlns:p="http://schemas.openxmlformats.org/presentationml/2006/main">
-  <p:cSld>
-    <p:spTree>
-      <p:nvGrpSpPr>
-        <p:cNvPr id="1" name=""/>
-        <p:cNvGrpSpPr/>
-        <p:nvPr/>
-      </p:nvGrpSpPr>
-      <p:grpSpPr>
-        <a:xfrm>
-          <a:off x="0" y="0"/>
-          <a:ext cx="0" cy="0"/>
-          <a:chOff x="0" y="0"/>
-          <a:chExt cx="0" cy="0"/>
-        </a:xfrm>
-      </p:grpSpPr>
-      <p:sp>
-        <p:nvSpPr>
-          <p:cNvPr id="2" name="タイトル 1">
-            <a:extLst>
-              <a:ext uri="{FF2B5EF4-FFF2-40B4-BE49-F238E27FC236}">
-                <a16:creationId xmlns:a16="http://schemas.microsoft.com/office/drawing/2014/main" id="{B26FEF0F-01A5-FE4E-AACA-0EBBF6FCE42E}"/>
-              </a:ext>
-            </a:extLst>
-          </p:cNvPr>
-          <p:cNvSpPr>
-            <a:spLocks noGrp="1"/>
-          </p:cNvSpPr>
-          <p:nvPr>
-            <p:ph type="title"/>
-          </p:nvPr>
-        </p:nvSpPr>
-        <p:spPr/>
-        <p:txBody>
-          <a:bodyPr/>
-          <a:lstStyle/>
-          <a:p>
-            <a:r>
-              <a:rPr lang="ja-JP" altLang="en-US"/>
-              <a:t>目的関数と席割図の対比</a:t>
-            </a:r>
-            <a:endParaRPr kumimoji="1" lang="ja-JP" altLang="en-US"/>
-          </a:p>
-        </p:txBody>
-      </p:sp>
-      <p:sp>
-        <p:nvSpPr>
-          <p:cNvPr id="3" name="コンテンツ プレースホルダー 2">
-            <a:extLst>
-              <a:ext uri="{FF2B5EF4-FFF2-40B4-BE49-F238E27FC236}">
-                <a16:creationId xmlns:a16="http://schemas.microsoft.com/office/drawing/2014/main" id="{C3A4A5D5-741C-A042-BC94-C11D1154E760}"/>
-              </a:ext>
-            </a:extLst>
-          </p:cNvPr>
-          <p:cNvSpPr>
-            <a:spLocks noGrp="1"/>
-          </p:cNvSpPr>
-          <p:nvPr>
-            <p:ph idx="1"/>
-          </p:nvPr>
-        </p:nvSpPr>
-        <p:spPr>
-          <a:xfrm>
-            <a:off x="2589212" y="2039330"/>
-            <a:ext cx="8915400" cy="3777622"/>
-          </a:xfrm>
-        </p:spPr>
-        <p:txBody>
-          <a:bodyPr>
-            <a:normAutofit/>
-          </a:bodyPr>
-          <a:lstStyle/>
-          <a:p>
-            <a:r>
-              <a:rPr kumimoji="1" lang="ja-JP" altLang="en-US" sz="2400"/>
-              <a:t>目的関数の値</a:t>
-            </a:r>
-            <a:r>
-              <a:rPr kumimoji="1" lang="en-US" altLang="ja-JP" sz="2400" dirty="0"/>
-              <a:t>: 3000</a:t>
-            </a:r>
-            <a:r>
-              <a:rPr kumimoji="1" lang="ja-JP" altLang="en-US" sz="2400"/>
-              <a:t>のとき</a:t>
-            </a:r>
-            <a:endParaRPr kumimoji="1" lang="en-US" altLang="ja-JP" sz="2400" dirty="0"/>
-          </a:p>
-          <a:p>
-            <a:r>
-              <a:rPr kumimoji="1" lang="ja-JP" altLang="en-US" sz="2400"/>
-              <a:t>探索における序盤</a:t>
-            </a:r>
-            <a:endParaRPr kumimoji="1" lang="en-US" altLang="ja-JP" sz="2400" dirty="0"/>
-          </a:p>
-          <a:p>
-            <a:pPr marL="0" indent="0">
-              <a:buNone/>
-            </a:pPr>
-            <a:r>
-              <a:rPr lang="en-US" altLang="ja-JP" sz="2400" dirty="0"/>
-              <a:t>         </a:t>
-            </a:r>
-            <a:r>
-              <a:rPr lang="ja-JP" altLang="en-US" sz="2400"/>
-              <a:t>積み地</a:t>
-            </a:r>
-            <a:r>
-              <a:rPr lang="en-US" altLang="ja-JP" sz="2400" dirty="0"/>
-              <a:t>									</a:t>
-            </a:r>
-            <a:r>
-              <a:rPr lang="ja-JP" altLang="en-US" sz="2400"/>
-              <a:t>揚げ地</a:t>
-            </a:r>
-            <a:r>
-              <a:rPr lang="en-US" altLang="ja-JP" sz="2400" dirty="0"/>
-              <a:t>					</a:t>
-            </a:r>
-            <a:endParaRPr kumimoji="1" lang="en-US" altLang="ja-JP" sz="2400" dirty="0"/>
-          </a:p>
-          <a:p>
-            <a:pPr marL="0" indent="0">
-              <a:buNone/>
-            </a:pPr>
-            <a:endParaRPr kumimoji="1" lang="ja-JP" altLang="en-US" sz="2400"/>
-          </a:p>
-        </p:txBody>
-      </p:sp>
-      <p:pic>
-        <p:nvPicPr>
-          <p:cNvPr id="5" name="図 4">
-            <a:extLst>
-              <a:ext uri="{FF2B5EF4-FFF2-40B4-BE49-F238E27FC236}">
-                <a16:creationId xmlns:a16="http://schemas.microsoft.com/office/drawing/2014/main" id="{528FD7DA-C74A-9B46-81E4-9FC5C27D0175}"/>
-              </a:ext>
-            </a:extLst>
-          </p:cNvPr>
-          <p:cNvPicPr>
-            <a:picLocks noChangeAspect="1"/>
-          </p:cNvPicPr>
-          <p:nvPr/>
-        </p:nvPicPr>
-        <p:blipFill>
-          <a:blip r:embed="rId2"/>
-          <a:stretch>
-            <a:fillRect/>
-          </a:stretch>
-        </p:blipFill>
-        <p:spPr>
-          <a:xfrm>
-            <a:off x="1357746" y="2338833"/>
-            <a:ext cx="6386945" cy="9038334"/>
-          </a:xfrm>
-          <a:prstGeom prst="rect">
-            <a:avLst/>
-          </a:prstGeom>
-        </p:spPr>
-      </p:pic>
-      <p:pic>
-        <p:nvPicPr>
-          <p:cNvPr id="7" name="図 6">
-            <a:extLst>
-              <a:ext uri="{FF2B5EF4-FFF2-40B4-BE49-F238E27FC236}">
-                <a16:creationId xmlns:a16="http://schemas.microsoft.com/office/drawing/2014/main" id="{6C37ECBA-E2A9-EE45-A8DB-E5190FC82BA8}"/>
-              </a:ext>
-            </a:extLst>
-          </p:cNvPr>
-          <p:cNvPicPr>
-            <a:picLocks noChangeAspect="1"/>
-          </p:cNvPicPr>
-          <p:nvPr/>
-        </p:nvPicPr>
-        <p:blipFill>
-          <a:blip r:embed="rId3"/>
-          <a:stretch>
-            <a:fillRect/>
-          </a:stretch>
-        </p:blipFill>
-        <p:spPr>
-          <a:xfrm>
-            <a:off x="6303817" y="2473163"/>
-            <a:ext cx="6065017" cy="8582764"/>
-          </a:xfrm>
-          <a:prstGeom prst="rect">
-            <a:avLst/>
-          </a:prstGeom>
-        </p:spPr>
-      </p:pic>
-    </p:spTree>
-    <p:extLst>
-      <p:ext uri="{BB962C8B-B14F-4D97-AF65-F5344CB8AC3E}">
-        <p14:creationId xmlns:p14="http://schemas.microsoft.com/office/powerpoint/2010/main" val="1467192094"/>
-      </p:ext>
-    </p:extLst>
-  </p:cSld>
-  <p:clrMapOvr>
-    <a:masterClrMapping/>
-  </p:clrMapOvr>
-</p:sld>
-</file>
-
-<file path=ppt/slides/slide12.xml><?xml version="1.0" encoding="utf-8"?>
-<p:sld xmlns:a="http://schemas.openxmlformats.org/drawingml/2006/main" xmlns:r="http://schemas.openxmlformats.org/officeDocument/2006/relationships" xmlns:p="http://schemas.openxmlformats.org/presentationml/2006/main">
-  <p:cSld>
-    <p:spTree>
-      <p:nvGrpSpPr>
-        <p:cNvPr id="1" name=""/>
-        <p:cNvGrpSpPr/>
-        <p:nvPr/>
-      </p:nvGrpSpPr>
-      <p:grpSpPr>
-        <a:xfrm>
-          <a:off x="0" y="0"/>
-          <a:ext cx="0" cy="0"/>
-          <a:chOff x="0" y="0"/>
-          <a:chExt cx="0" cy="0"/>
-        </a:xfrm>
-      </p:grpSpPr>
-      <p:sp>
-        <p:nvSpPr>
-          <p:cNvPr id="2" name="タイトル 1">
-            <a:extLst>
-              <a:ext uri="{FF2B5EF4-FFF2-40B4-BE49-F238E27FC236}">
                 <a16:creationId xmlns:a16="http://schemas.microsoft.com/office/drawing/2014/main" id="{27F0D22F-5772-EC45-BDF8-BC56B6E3676A}"/>
               </a:ext>
             </a:extLst>
@@ -8823,19 +8390,22 @@
           </a:bodyPr>
           <a:lstStyle/>
           <a:p>
-            <a:r>
-              <a:rPr lang="ja-JP" altLang="en-US" sz="2400"/>
+            <a:pPr marL="0" indent="0">
+              <a:buNone/>
+            </a:pPr>
+            <a:r>
+              <a:rPr lang="ja-JP" altLang="en-US" sz="2800"/>
               <a:t>目的関数の値</a:t>
             </a:r>
             <a:r>
-              <a:rPr lang="en-US" altLang="ja-JP" sz="2400" dirty="0"/>
+              <a:rPr lang="en-US" altLang="ja-JP" sz="2800" dirty="0"/>
               <a:t>: 0</a:t>
             </a:r>
             <a:r>
-              <a:rPr lang="ja-JP" altLang="en-US" sz="2400"/>
+              <a:rPr lang="ja-JP" altLang="en-US" sz="2800"/>
               <a:t>のとき</a:t>
             </a:r>
-            <a:endParaRPr lang="en-US" altLang="ja-JP" sz="2400" dirty="0"/>
+            <a:endParaRPr lang="en-US" altLang="ja-JP" sz="2800" dirty="0"/>
           </a:p>
           <a:p>
             <a:r>
@@ -8944,7 +8514,7 @@
 </p:sld>
 </file>
 
-<file path=ppt/slides/slide13.xml><?xml version="1.0" encoding="utf-8"?>
+<file path=ppt/slides/slide11.xml><?xml version="1.0" encoding="utf-8"?>
 <p:sld xmlns:a="http://schemas.openxmlformats.org/drawingml/2006/main" xmlns:r="http://schemas.openxmlformats.org/officeDocument/2006/relationships" xmlns:p="http://schemas.openxmlformats.org/presentationml/2006/main">
   <p:cSld>
     <p:spTree>
@@ -9013,27 +8583,30 @@
           </a:bodyPr>
           <a:lstStyle/>
           <a:p>
-            <a:r>
-              <a:rPr kumimoji="1" lang="ja-JP" altLang="en-US" sz="2400"/>
+            <a:pPr marL="0" indent="0">
+              <a:buNone/>
+            </a:pPr>
+            <a:r>
+              <a:rPr kumimoji="1" lang="ja-JP" altLang="en-US" sz="2800"/>
               <a:t>目的関数の値</a:t>
             </a:r>
             <a:r>
-              <a:rPr lang="en-US" altLang="ja-JP" sz="2400" dirty="0"/>
+              <a:rPr lang="en-US" altLang="ja-JP" sz="2800" dirty="0"/>
               <a:t>:</a:t>
             </a:r>
             <a:r>
-              <a:rPr lang="ja-JP" altLang="en-US" sz="2400"/>
+              <a:rPr lang="ja-JP" altLang="en-US" sz="2800"/>
               <a:t>　ー</a:t>
             </a:r>
             <a:r>
-              <a:rPr lang="en-US" altLang="ja-JP" sz="2400" dirty="0"/>
+              <a:rPr lang="en-US" altLang="ja-JP" sz="2800" dirty="0"/>
               <a:t>4000</a:t>
             </a:r>
             <a:r>
-              <a:rPr lang="ja-JP" altLang="en-US" sz="2400"/>
+              <a:rPr lang="ja-JP" altLang="en-US" sz="2800"/>
               <a:t>のとき</a:t>
             </a:r>
-            <a:endParaRPr lang="en-US" altLang="ja-JP" sz="2400" dirty="0"/>
+            <a:endParaRPr lang="en-US" altLang="ja-JP" sz="2800" dirty="0"/>
           </a:p>
           <a:p>
             <a:r>
@@ -9149,6 +8722,532 @@
 </p:sld>
 </file>
 
+<file path=ppt/slides/slide12.xml><?xml version="1.0" encoding="utf-8"?>
+<p:sld xmlns:a="http://schemas.openxmlformats.org/drawingml/2006/main" xmlns:r="http://schemas.openxmlformats.org/officeDocument/2006/relationships" xmlns:p="http://schemas.openxmlformats.org/presentationml/2006/main">
+  <p:cSld>
+    <p:spTree>
+      <p:nvGrpSpPr>
+        <p:cNvPr id="1" name=""/>
+        <p:cNvGrpSpPr/>
+        <p:nvPr/>
+      </p:nvGrpSpPr>
+      <p:grpSpPr>
+        <a:xfrm>
+          <a:off x="0" y="0"/>
+          <a:ext cx="0" cy="0"/>
+          <a:chOff x="0" y="0"/>
+          <a:chExt cx="0" cy="0"/>
+        </a:xfrm>
+      </p:grpSpPr>
+      <p:sp>
+        <p:nvSpPr>
+          <p:cNvPr id="2" name="タイトル 1">
+            <a:extLst>
+              <a:ext uri="{FF2B5EF4-FFF2-40B4-BE49-F238E27FC236}">
+                <a16:creationId xmlns:a16="http://schemas.microsoft.com/office/drawing/2014/main" id="{8D8AB8B4-50D4-334C-9160-687573D1802E}"/>
+              </a:ext>
+            </a:extLst>
+          </p:cNvPr>
+          <p:cNvSpPr>
+            <a:spLocks noGrp="1"/>
+          </p:cNvSpPr>
+          <p:nvPr>
+            <p:ph type="title"/>
+          </p:nvPr>
+        </p:nvSpPr>
+        <p:spPr/>
+        <p:txBody>
+          <a:bodyPr/>
+          <a:lstStyle/>
+          <a:p>
+            <a:r>
+              <a:rPr lang="ja-JP" altLang="en-US"/>
+              <a:t>専用ソルバー</a:t>
+            </a:r>
+            <a:endParaRPr kumimoji="1" lang="ja-JP" altLang="en-US"/>
+          </a:p>
+        </p:txBody>
+      </p:sp>
+      <p:sp>
+        <p:nvSpPr>
+          <p:cNvPr id="3" name="コンテンツ プレースホルダー 2">
+            <a:extLst>
+              <a:ext uri="{FF2B5EF4-FFF2-40B4-BE49-F238E27FC236}">
+                <a16:creationId xmlns:a16="http://schemas.microsoft.com/office/drawing/2014/main" id="{38B50414-02FE-2149-9754-56B86886A621}"/>
+              </a:ext>
+            </a:extLst>
+          </p:cNvPr>
+          <p:cNvSpPr>
+            <a:spLocks noGrp="1"/>
+          </p:cNvSpPr>
+          <p:nvPr>
+            <p:ph idx="1"/>
+          </p:nvPr>
+        </p:nvSpPr>
+        <p:spPr>
+          <a:xfrm>
+            <a:off x="2589211" y="2133600"/>
+            <a:ext cx="9117879" cy="3777622"/>
+          </a:xfrm>
+        </p:spPr>
+        <p:txBody>
+          <a:bodyPr>
+            <a:normAutofit/>
+          </a:bodyPr>
+          <a:lstStyle/>
+          <a:p>
+            <a:r>
+              <a:rPr kumimoji="1" lang="ja-JP" altLang="en-US" sz="2400"/>
+              <a:t>局所探索法という手法を用いる</a:t>
+            </a:r>
+            <a:endParaRPr kumimoji="1" lang="en-US" altLang="ja-JP" sz="2400" dirty="0"/>
+          </a:p>
+          <a:p>
+            <a:r>
+              <a:rPr kumimoji="1" lang="ja-JP" altLang="en-US" sz="2400"/>
+              <a:t>目的関数の値が小さくなるように、さまざまな解を探していく</a:t>
+            </a:r>
+            <a:endParaRPr kumimoji="1" lang="en-US" altLang="ja-JP" sz="2400" dirty="0"/>
+          </a:p>
+          <a:p>
+            <a:endParaRPr kumimoji="1" lang="ja-JP" altLang="en-US" sz="2400"/>
+          </a:p>
+        </p:txBody>
+      </p:sp>
+      <p:pic>
+        <p:nvPicPr>
+          <p:cNvPr id="5" name="コンテンツ プレースホルダー 4">
+            <a:extLst>
+              <a:ext uri="{FF2B5EF4-FFF2-40B4-BE49-F238E27FC236}">
+                <a16:creationId xmlns:a16="http://schemas.microsoft.com/office/drawing/2014/main" id="{82757391-BCBE-9449-A1F3-0FF095BDD2D4}"/>
+              </a:ext>
+            </a:extLst>
+          </p:cNvPr>
+          <p:cNvPicPr>
+            <a:picLocks noChangeAspect="1"/>
+          </p:cNvPicPr>
+          <p:nvPr/>
+        </p:nvPicPr>
+        <p:blipFill>
+          <a:blip r:embed="rId2"/>
+          <a:stretch>
+            <a:fillRect/>
+          </a:stretch>
+        </p:blipFill>
+        <p:spPr>
+          <a:xfrm>
+            <a:off x="4127711" y="3269672"/>
+            <a:ext cx="4719911" cy="3101055"/>
+          </a:xfrm>
+          <a:prstGeom prst="rect">
+            <a:avLst/>
+          </a:prstGeom>
+        </p:spPr>
+      </p:pic>
+      <p:sp>
+        <p:nvSpPr>
+          <p:cNvPr id="6" name="円/楕円 5">
+            <a:extLst>
+              <a:ext uri="{FF2B5EF4-FFF2-40B4-BE49-F238E27FC236}">
+                <a16:creationId xmlns:a16="http://schemas.microsoft.com/office/drawing/2014/main" id="{5DE9A4FD-09AD-4742-BC19-85C7AD091E3A}"/>
+              </a:ext>
+            </a:extLst>
+          </p:cNvPr>
+          <p:cNvSpPr/>
+          <p:nvPr/>
+        </p:nvSpPr>
+        <p:spPr>
+          <a:xfrm>
+            <a:off x="4480015" y="4074385"/>
+            <a:ext cx="718712" cy="861709"/>
+          </a:xfrm>
+          <a:prstGeom prst="ellipse">
+            <a:avLst/>
+          </a:prstGeom>
+          <a:solidFill>
+            <a:schemeClr val="accent2">
+              <a:lumMod val="20000"/>
+              <a:lumOff val="80000"/>
+              <a:alpha val="46000"/>
+            </a:schemeClr>
+          </a:solidFill>
+          <a:ln>
+            <a:solidFill>
+              <a:schemeClr val="tx1"/>
+            </a:solidFill>
+          </a:ln>
+        </p:spPr>
+        <p:style>
+          <a:lnRef idx="2">
+            <a:schemeClr val="accent1">
+              <a:shade val="50000"/>
+            </a:schemeClr>
+          </a:lnRef>
+          <a:fillRef idx="1">
+            <a:schemeClr val="accent1"/>
+          </a:fillRef>
+          <a:effectRef idx="0">
+            <a:schemeClr val="accent1"/>
+          </a:effectRef>
+          <a:fontRef idx="minor">
+            <a:schemeClr val="lt1"/>
+          </a:fontRef>
+        </p:style>
+        <p:txBody>
+          <a:bodyPr rtlCol="0" anchor="ctr"/>
+          <a:lstStyle/>
+          <a:p>
+            <a:pPr algn="ctr"/>
+            <a:endParaRPr kumimoji="1" lang="ja-JP" altLang="en-US"/>
+          </a:p>
+        </p:txBody>
+      </p:sp>
+      <p:sp>
+        <p:nvSpPr>
+          <p:cNvPr id="7" name="テキスト ボックス 6">
+            <a:extLst>
+              <a:ext uri="{FF2B5EF4-FFF2-40B4-BE49-F238E27FC236}">
+                <a16:creationId xmlns:a16="http://schemas.microsoft.com/office/drawing/2014/main" id="{15E71E6A-6510-8147-89CB-B15D14798B97}"/>
+              </a:ext>
+            </a:extLst>
+          </p:cNvPr>
+          <p:cNvSpPr txBox="1"/>
+          <p:nvPr/>
+        </p:nvSpPr>
+        <p:spPr>
+          <a:xfrm>
+            <a:off x="4994563" y="4026119"/>
+            <a:ext cx="141819" cy="305614"/>
+          </a:xfrm>
+          <a:prstGeom prst="rect">
+            <a:avLst/>
+          </a:prstGeom>
+          <a:noFill/>
+        </p:spPr>
+        <p:txBody>
+          <a:bodyPr wrap="square" rtlCol="0">
+            <a:spAutoFit/>
+          </a:bodyPr>
+          <a:lstStyle/>
+          <a:p>
+            <a:endParaRPr kumimoji="1" lang="ja-JP" altLang="en-US"/>
+          </a:p>
+        </p:txBody>
+      </p:sp>
+      <p:sp>
+        <p:nvSpPr>
+          <p:cNvPr id="8" name="円/楕円 7">
+            <a:extLst>
+              <a:ext uri="{FF2B5EF4-FFF2-40B4-BE49-F238E27FC236}">
+                <a16:creationId xmlns:a16="http://schemas.microsoft.com/office/drawing/2014/main" id="{BF7503F7-8228-8641-95DC-514CBF78D069}"/>
+              </a:ext>
+            </a:extLst>
+          </p:cNvPr>
+          <p:cNvSpPr/>
+          <p:nvPr/>
+        </p:nvSpPr>
+        <p:spPr>
+          <a:xfrm>
+            <a:off x="5198727" y="5090372"/>
+            <a:ext cx="744536" cy="700402"/>
+          </a:xfrm>
+          <a:prstGeom prst="ellipse">
+            <a:avLst/>
+          </a:prstGeom>
+          <a:solidFill>
+            <a:schemeClr val="accent2">
+              <a:lumMod val="20000"/>
+              <a:lumOff val="80000"/>
+              <a:alpha val="46000"/>
+            </a:schemeClr>
+          </a:solidFill>
+          <a:ln>
+            <a:solidFill>
+              <a:schemeClr val="tx1"/>
+            </a:solidFill>
+          </a:ln>
+        </p:spPr>
+        <p:style>
+          <a:lnRef idx="2">
+            <a:schemeClr val="accent1">
+              <a:shade val="50000"/>
+            </a:schemeClr>
+          </a:lnRef>
+          <a:fillRef idx="1">
+            <a:schemeClr val="accent1"/>
+          </a:fillRef>
+          <a:effectRef idx="0">
+            <a:schemeClr val="accent1"/>
+          </a:effectRef>
+          <a:fontRef idx="minor">
+            <a:schemeClr val="lt1"/>
+          </a:fontRef>
+        </p:style>
+        <p:txBody>
+          <a:bodyPr rtlCol="0" anchor="ctr"/>
+          <a:lstStyle/>
+          <a:p>
+            <a:pPr algn="ctr"/>
+            <a:endParaRPr kumimoji="1" lang="ja-JP" altLang="en-US"/>
+          </a:p>
+        </p:txBody>
+      </p:sp>
+      <p:sp>
+        <p:nvSpPr>
+          <p:cNvPr id="9" name="円/楕円 8">
+            <a:extLst>
+              <a:ext uri="{FF2B5EF4-FFF2-40B4-BE49-F238E27FC236}">
+                <a16:creationId xmlns:a16="http://schemas.microsoft.com/office/drawing/2014/main" id="{A7101B31-D864-8F4E-B635-FBFF848B7D8A}"/>
+              </a:ext>
+            </a:extLst>
+          </p:cNvPr>
+          <p:cNvSpPr/>
+          <p:nvPr/>
+        </p:nvSpPr>
+        <p:spPr>
+          <a:xfrm>
+            <a:off x="7504474" y="4331733"/>
+            <a:ext cx="628144" cy="662083"/>
+          </a:xfrm>
+          <a:prstGeom prst="ellipse">
+            <a:avLst/>
+          </a:prstGeom>
+          <a:solidFill>
+            <a:schemeClr val="accent2">
+              <a:lumMod val="20000"/>
+              <a:lumOff val="80000"/>
+              <a:alpha val="46000"/>
+            </a:schemeClr>
+          </a:solidFill>
+          <a:ln>
+            <a:solidFill>
+              <a:schemeClr val="tx1"/>
+            </a:solidFill>
+          </a:ln>
+        </p:spPr>
+        <p:style>
+          <a:lnRef idx="2">
+            <a:schemeClr val="accent1">
+              <a:shade val="50000"/>
+            </a:schemeClr>
+          </a:lnRef>
+          <a:fillRef idx="1">
+            <a:schemeClr val="accent1"/>
+          </a:fillRef>
+          <a:effectRef idx="0">
+            <a:schemeClr val="accent1"/>
+          </a:effectRef>
+          <a:fontRef idx="minor">
+            <a:schemeClr val="lt1"/>
+          </a:fontRef>
+        </p:style>
+        <p:txBody>
+          <a:bodyPr rtlCol="0" anchor="ctr"/>
+          <a:lstStyle/>
+          <a:p>
+            <a:pPr algn="ctr"/>
+            <a:endParaRPr kumimoji="1" lang="ja-JP" altLang="en-US"/>
+          </a:p>
+        </p:txBody>
+      </p:sp>
+      <p:sp>
+        <p:nvSpPr>
+          <p:cNvPr id="10" name="円/楕円 9">
+            <a:extLst>
+              <a:ext uri="{FF2B5EF4-FFF2-40B4-BE49-F238E27FC236}">
+                <a16:creationId xmlns:a16="http://schemas.microsoft.com/office/drawing/2014/main" id="{1FDF9E30-8E31-E34A-9EE4-77FDB099BEE3}"/>
+              </a:ext>
+            </a:extLst>
+          </p:cNvPr>
+          <p:cNvSpPr/>
+          <p:nvPr/>
+        </p:nvSpPr>
+        <p:spPr>
+          <a:xfrm>
+            <a:off x="6041653" y="5135992"/>
+            <a:ext cx="892025" cy="884260"/>
+          </a:xfrm>
+          <a:prstGeom prst="ellipse">
+            <a:avLst/>
+          </a:prstGeom>
+          <a:solidFill>
+            <a:schemeClr val="accent5">
+              <a:lumMod val="20000"/>
+              <a:lumOff val="80000"/>
+              <a:alpha val="46000"/>
+            </a:schemeClr>
+          </a:solidFill>
+          <a:ln>
+            <a:solidFill>
+              <a:schemeClr val="tx1"/>
+            </a:solidFill>
+          </a:ln>
+        </p:spPr>
+        <p:style>
+          <a:lnRef idx="2">
+            <a:schemeClr val="accent1">
+              <a:shade val="50000"/>
+            </a:schemeClr>
+          </a:lnRef>
+          <a:fillRef idx="1">
+            <a:schemeClr val="accent1"/>
+          </a:fillRef>
+          <a:effectRef idx="0">
+            <a:schemeClr val="accent1"/>
+          </a:effectRef>
+          <a:fontRef idx="minor">
+            <a:schemeClr val="lt1"/>
+          </a:fontRef>
+        </p:style>
+        <p:txBody>
+          <a:bodyPr rtlCol="0" anchor="ctr"/>
+          <a:lstStyle/>
+          <a:p>
+            <a:pPr algn="ctr"/>
+            <a:endParaRPr kumimoji="1" lang="ja-JP" altLang="en-US"/>
+          </a:p>
+        </p:txBody>
+      </p:sp>
+    </p:spTree>
+    <p:extLst>
+      <p:ext uri="{BB962C8B-B14F-4D97-AF65-F5344CB8AC3E}">
+        <p14:creationId xmlns:p14="http://schemas.microsoft.com/office/powerpoint/2010/main" val="318022533"/>
+      </p:ext>
+    </p:extLst>
+  </p:cSld>
+  <p:clrMapOvr>
+    <a:masterClrMapping/>
+  </p:clrMapOvr>
+</p:sld>
+</file>
+
+<file path=ppt/slides/slide13.xml><?xml version="1.0" encoding="utf-8"?>
+<p:sld xmlns:a="http://schemas.openxmlformats.org/drawingml/2006/main" xmlns:r="http://schemas.openxmlformats.org/officeDocument/2006/relationships" xmlns:p="http://schemas.openxmlformats.org/presentationml/2006/main">
+  <p:cSld>
+    <p:spTree>
+      <p:nvGrpSpPr>
+        <p:cNvPr id="1" name=""/>
+        <p:cNvGrpSpPr/>
+        <p:nvPr/>
+      </p:nvGrpSpPr>
+      <p:grpSpPr>
+        <a:xfrm>
+          <a:off x="0" y="0"/>
+          <a:ext cx="0" cy="0"/>
+          <a:chOff x="0" y="0"/>
+          <a:chExt cx="0" cy="0"/>
+        </a:xfrm>
+      </p:grpSpPr>
+      <p:sp>
+        <p:nvSpPr>
+          <p:cNvPr id="2" name="タイトル 1">
+            <a:extLst>
+              <a:ext uri="{FF2B5EF4-FFF2-40B4-BE49-F238E27FC236}">
+                <a16:creationId xmlns:a16="http://schemas.microsoft.com/office/drawing/2014/main" id="{DEE1382F-7C3A-ED42-BF42-F67C6FDD723E}"/>
+              </a:ext>
+            </a:extLst>
+          </p:cNvPr>
+          <p:cNvSpPr>
+            <a:spLocks noGrp="1"/>
+          </p:cNvSpPr>
+          <p:nvPr>
+            <p:ph type="title"/>
+          </p:nvPr>
+        </p:nvSpPr>
+        <p:spPr/>
+        <p:txBody>
+          <a:bodyPr/>
+          <a:lstStyle/>
+          <a:p>
+            <a:r>
+              <a:rPr kumimoji="1" lang="ja-JP" altLang="en-US"/>
+              <a:t>汎用ソルバーと専用ソルバーの比較</a:t>
+            </a:r>
+          </a:p>
+        </p:txBody>
+      </p:sp>
+      <p:sp>
+        <p:nvSpPr>
+          <p:cNvPr id="3" name="コンテンツ プレースホルダー 2">
+            <a:extLst>
+              <a:ext uri="{FF2B5EF4-FFF2-40B4-BE49-F238E27FC236}">
+                <a16:creationId xmlns:a16="http://schemas.microsoft.com/office/drawing/2014/main" id="{66603910-061F-6749-9222-2B4D5E499E0D}"/>
+              </a:ext>
+            </a:extLst>
+          </p:cNvPr>
+          <p:cNvSpPr>
+            <a:spLocks noGrp="1"/>
+          </p:cNvSpPr>
+          <p:nvPr>
+            <p:ph idx="1"/>
+          </p:nvPr>
+        </p:nvSpPr>
+        <p:spPr/>
+        <p:txBody>
+          <a:bodyPr>
+            <a:normAutofit/>
+          </a:bodyPr>
+          <a:lstStyle/>
+          <a:p>
+            <a:r>
+              <a:rPr lang="en-US" altLang="ja-JP" sz="2400" dirty="0"/>
+              <a:t>20</a:t>
+            </a:r>
+            <a:r>
+              <a:rPr lang="ja-JP" altLang="en-US" sz="2400"/>
+              <a:t>年度は汎用ソルバーを用いたアルゴリズムを実装</a:t>
+            </a:r>
+            <a:endParaRPr lang="en-US" altLang="ja-JP" sz="2400" dirty="0"/>
+          </a:p>
+          <a:p>
+            <a:r>
+              <a:rPr lang="en-US" altLang="ja-JP" sz="2400" dirty="0"/>
+              <a:t>21</a:t>
+            </a:r>
+            <a:r>
+              <a:rPr lang="ja-JP" altLang="en-US" sz="2400"/>
+              <a:t>年度は、専用ソルバーを提案、実装しました</a:t>
+            </a:r>
+            <a:endParaRPr lang="en-US" altLang="ja-JP" sz="2400" dirty="0"/>
+          </a:p>
+          <a:p>
+            <a:endParaRPr lang="en-US" altLang="ja-JP" sz="2400" dirty="0"/>
+          </a:p>
+          <a:p>
+            <a:pPr marL="0" indent="0">
+              <a:buNone/>
+            </a:pPr>
+            <a:endParaRPr lang="en-US" altLang="ja-JP" sz="2400" dirty="0"/>
+          </a:p>
+          <a:p>
+            <a:r>
+              <a:rPr lang="en-US" altLang="ja-JP" sz="2400" dirty="0"/>
+              <a:t>2</a:t>
+            </a:r>
+            <a:r>
+              <a:rPr lang="ja-JP" altLang="en-US" sz="2400"/>
+              <a:t>つの解法による解の精度や計算時間を比較</a:t>
+            </a:r>
+            <a:endParaRPr lang="en-US" altLang="ja-JP" sz="2400" dirty="0"/>
+          </a:p>
+          <a:p>
+            <a:endParaRPr kumimoji="1" lang="en-US" altLang="ja-JP" sz="2400" dirty="0"/>
+          </a:p>
+        </p:txBody>
+      </p:sp>
+    </p:spTree>
+    <p:extLst>
+      <p:ext uri="{BB962C8B-B14F-4D97-AF65-F5344CB8AC3E}">
+        <p14:creationId xmlns:p14="http://schemas.microsoft.com/office/powerpoint/2010/main" val="246965859"/>
+      </p:ext>
+    </p:extLst>
+  </p:cSld>
+  <p:clrMapOvr>
+    <a:masterClrMapping/>
+  </p:clrMapOvr>
+</p:sld>
+</file>
+
 <file path=ppt/slides/slide14.xml><?xml version="1.0" encoding="utf-8"?>
 <p:sld xmlns:a="http://schemas.openxmlformats.org/drawingml/2006/main" xmlns:r="http://schemas.openxmlformats.org/officeDocument/2006/relationships" xmlns:p="http://schemas.openxmlformats.org/presentationml/2006/main">
   <p:cSld>
@@ -9171,7 +9270,7 @@
           <p:cNvPr id="2" name="タイトル 1">
             <a:extLst>
               <a:ext uri="{FF2B5EF4-FFF2-40B4-BE49-F238E27FC236}">
-                <a16:creationId xmlns:a16="http://schemas.microsoft.com/office/drawing/2014/main" id="{2A4EB366-5762-BC43-ABC4-67FCE14348C9}"/>
+                <a16:creationId xmlns:a16="http://schemas.microsoft.com/office/drawing/2014/main" id="{9CB50373-6B72-8C42-8051-260313DF06F7}"/>
               </a:ext>
             </a:extLst>
           </p:cNvPr>
@@ -9188,20 +9287,20 @@
           <a:lstStyle/>
           <a:p>
             <a:r>
-              <a:rPr lang="ja-JP" altLang="en-US"/>
-              <a:t>目的関数と席割図</a:t>
+              <a:rPr kumimoji="1" lang="ja-JP" altLang="en-US"/>
+              <a:t>アルゴリズムの詳細</a:t>
+            </a:r>
+            <a:r>
+              <a:rPr kumimoji="1" lang="en-US" altLang="ja-JP" dirty="0"/>
+              <a:t>(</a:t>
+            </a:r>
+            <a:r>
+              <a:rPr kumimoji="1" lang="ja-JP" altLang="en-US"/>
+              <a:t>工夫点</a:t>
             </a:r>
             <a:r>
               <a:rPr lang="en-US" altLang="ja-JP" dirty="0"/>
-              <a:t>(</a:t>
-            </a:r>
-            <a:r>
-              <a:rPr lang="ja-JP" altLang="en-US"/>
-              <a:t>例</a:t>
-            </a:r>
-            <a:r>
-              <a:rPr lang="en-US" altLang="ja-JP" dirty="0"/>
-              <a:t>)</a:t>
+              <a:t>) </a:t>
             </a:r>
             <a:endParaRPr kumimoji="1" lang="ja-JP" altLang="en-US"/>
           </a:p>
@@ -9212,7 +9311,7 @@
           <p:cNvPr id="3" name="コンテンツ プレースホルダー 2">
             <a:extLst>
               <a:ext uri="{FF2B5EF4-FFF2-40B4-BE49-F238E27FC236}">
-                <a16:creationId xmlns:a16="http://schemas.microsoft.com/office/drawing/2014/main" id="{23BA7178-AE4D-2644-8C65-94905E82A771}"/>
+                <a16:creationId xmlns:a16="http://schemas.microsoft.com/office/drawing/2014/main" id="{E7E17D2C-6C39-0B42-9373-142533ED8F5E}"/>
               </a:ext>
             </a:extLst>
           </p:cNvPr>
@@ -9225,56 +9324,78 @@
         </p:nvSpPr>
         <p:spPr/>
         <p:txBody>
-          <a:bodyPr/>
+          <a:bodyPr>
+            <a:normAutofit/>
+          </a:bodyPr>
           <a:lstStyle/>
           <a:p>
             <a:r>
-              <a:rPr kumimoji="1" lang="en-US" altLang="ja-JP" sz="2400" dirty="0"/>
-              <a:t>3</a:t>
-            </a:r>
+              <a:rPr kumimoji="1" lang="ja-JP" altLang="en-US" sz="2400"/>
+              <a:t>局所探索法における初期解の生成方法として、以下を実装</a:t>
+            </a:r>
+            <a:endParaRPr lang="en-US" altLang="ja-JP" sz="2200" dirty="0"/>
+          </a:p>
+          <a:p>
+            <a:pPr marL="914400" lvl="1" indent="-457200">
+              <a:buFont typeface="+mj-lt"/>
+              <a:buAutoNum type="arabicPeriod"/>
+            </a:pPr>
+            <a:r>
+              <a:rPr lang="ja-JP" altLang="en-US" sz="2200"/>
+              <a:t>線形緩和問題を汎用ソルバーで解き、その解を利用</a:t>
+            </a:r>
+            <a:endParaRPr lang="en-US" altLang="ja-JP" sz="2200" dirty="0"/>
+          </a:p>
+          <a:p>
+            <a:pPr marL="914400" lvl="1" indent="-457200">
+              <a:buFont typeface="+mj-lt"/>
+              <a:buAutoNum type="arabicPeriod"/>
+            </a:pPr>
+            <a:r>
+              <a:rPr lang="ja-JP" altLang="en-US" sz="2200"/>
+              <a:t>積み地と揚げ地が同じ注文をまとめて注文ブロック化して解を生成</a:t>
+            </a:r>
+            <a:endParaRPr lang="en-US" altLang="ja-JP" sz="2200" dirty="0"/>
+          </a:p>
+          <a:p>
+            <a:pPr marL="914400" lvl="1" indent="-457200">
+              <a:buFont typeface="+mj-lt"/>
+              <a:buAutoNum type="arabicPeriod"/>
+            </a:pPr>
+            <a:r>
+              <a:rPr lang="ja-JP" altLang="en-US" sz="2200"/>
+              <a:t>ランダムに生成</a:t>
+            </a:r>
+            <a:endParaRPr lang="en-US" altLang="ja-JP" sz="2200" dirty="0"/>
+          </a:p>
+          <a:p>
+            <a:pPr marL="914400" lvl="1" indent="-457200">
+              <a:buFont typeface="+mj-lt"/>
+              <a:buAutoNum type="arabicPeriod"/>
+            </a:pPr>
+            <a:endParaRPr lang="en-US" altLang="ja-JP" sz="2200" dirty="0"/>
+          </a:p>
+          <a:p>
+            <a:pPr marL="514350" indent="-457200"/>
             <a:r>
               <a:rPr lang="ja-JP" altLang="en-US" sz="2400"/>
-              <a:t>つの図と数値の対比を見せる</a:t>
-            </a:r>
-            <a:endParaRPr lang="en-US" altLang="ja-JP" sz="2400" dirty="0"/>
-          </a:p>
-          <a:p>
+              <a:t>計算実験の結果、手法</a:t>
+            </a:r>
             <a:r>
               <a:rPr lang="en-US" altLang="ja-JP" sz="2400" dirty="0"/>
-              <a:t>MIP,</a:t>
+              <a:t>2</a:t>
             </a:r>
             <a:r>
               <a:rPr lang="ja-JP" altLang="en-US" sz="2400"/>
-              <a:t>ヒューリスティックの計算時間</a:t>
-            </a:r>
-            <a:endParaRPr lang="en-US" altLang="ja-JP" sz="2400" dirty="0"/>
-          </a:p>
-          <a:p>
-            <a:endParaRPr lang="en-US" altLang="ja-JP" sz="2400" dirty="0"/>
-          </a:p>
-          <a:p>
-            <a:r>
-              <a:rPr lang="ja-JP" altLang="en-US" sz="2400"/>
-              <a:t>アルゴリズムでは、目的関数の</a:t>
-            </a:r>
-            <a:endParaRPr lang="en-US" altLang="ja-JP" sz="2400" dirty="0"/>
-          </a:p>
-          <a:p>
-            <a:r>
-              <a:rPr lang="ja-JP" altLang="en-US" sz="2400"/>
-              <a:t>目的関数の</a:t>
-            </a:r>
-            <a:endParaRPr lang="en-US" altLang="ja-JP" sz="2400" dirty="0"/>
-          </a:p>
-          <a:p>
-            <a:endParaRPr lang="en-US" altLang="ja-JP" dirty="0"/>
+              <a:t>が最も有効であることを確認</a:t>
+            </a:r>
           </a:p>
         </p:txBody>
       </p:sp>
     </p:spTree>
     <p:extLst>
       <p:ext uri="{BB962C8B-B14F-4D97-AF65-F5344CB8AC3E}">
-        <p14:creationId xmlns:p14="http://schemas.microsoft.com/office/powerpoint/2010/main" val="2853536059"/>
+        <p14:creationId xmlns:p14="http://schemas.microsoft.com/office/powerpoint/2010/main" val="965556946"/>
       </p:ext>
     </p:extLst>
   </p:cSld>
@@ -9306,7 +9427,7 @@
           <p:cNvPr id="2" name="タイトル 1">
             <a:extLst>
               <a:ext uri="{FF2B5EF4-FFF2-40B4-BE49-F238E27FC236}">
-                <a16:creationId xmlns:a16="http://schemas.microsoft.com/office/drawing/2014/main" id="{D2AB7A90-C211-AB4F-8B5D-0C96DAE8778C}"/>
+                <a16:creationId xmlns:a16="http://schemas.microsoft.com/office/drawing/2014/main" id="{0F3E9755-7D4C-E140-A34C-76DD3CC7C081}"/>
               </a:ext>
             </a:extLst>
           </p:cNvPr>
@@ -9317,37 +9438,1853 @@
             <p:ph type="title"/>
           </p:nvPr>
         </p:nvSpPr>
-        <p:spPr/>
+        <p:spPr>
+          <a:xfrm>
+            <a:off x="2592925" y="624110"/>
+            <a:ext cx="8911687" cy="872181"/>
+          </a:xfrm>
+        </p:spPr>
         <p:txBody>
           <a:bodyPr/>
           <a:lstStyle/>
           <a:p>
             <a:r>
               <a:rPr lang="ja-JP" altLang="en-US"/>
-              <a:t>目的関数と席割図</a:t>
-            </a:r>
-            <a:r>
-              <a:rPr lang="en-US" altLang="ja-JP" dirty="0"/>
-              <a:t>(</a:t>
-            </a:r>
-            <a:r>
-              <a:rPr lang="ja-JP" altLang="en-US"/>
-              <a:t>例</a:t>
-            </a:r>
-            <a:r>
-              <a:rPr lang="en-US" altLang="ja-JP" dirty="0"/>
-              <a:t>)</a:t>
+              <a:t>汎用ソルバーと専用ソルバーの比較</a:t>
             </a:r>
             <a:endParaRPr kumimoji="1" lang="ja-JP" altLang="en-US"/>
           </a:p>
         </p:txBody>
       </p:sp>
-      <p:sp>
-        <p:nvSpPr>
-          <p:cNvPr id="3" name="コンテンツ プレースホルダー 2">
+      <mc:AlternateContent xmlns:mc="http://schemas.openxmlformats.org/markup-compatibility/2006">
+        <mc:Choice xmlns:a14="http://schemas.microsoft.com/office/drawing/2010/main" Requires="a14">
+          <p:graphicFrame>
+            <p:nvGraphicFramePr>
+              <p:cNvPr id="4" name="コンテンツ プレースホルダー 3">
+                <a:extLst>
+                  <a:ext uri="{FF2B5EF4-FFF2-40B4-BE49-F238E27FC236}">
+                    <a16:creationId xmlns:a16="http://schemas.microsoft.com/office/drawing/2014/main" id="{A43B9D2D-517B-CB46-A337-956322EC2B9A}"/>
+                  </a:ext>
+                </a:extLst>
+              </p:cNvPr>
+              <p:cNvGraphicFramePr>
+                <a:graphicFrameLocks noGrp="1"/>
+              </p:cNvGraphicFramePr>
+              <p:nvPr>
+                <p:ph idx="1"/>
+                <p:extLst>
+                  <p:ext uri="{D42A27DB-BD31-4B8C-83A1-F6EECF244321}">
+                    <p14:modId xmlns:p14="http://schemas.microsoft.com/office/powerpoint/2010/main" val="1907069562"/>
+                  </p:ext>
+                </p:extLst>
+              </p:nvPr>
+            </p:nvGraphicFramePr>
+            <p:xfrm>
+              <a:off x="2022764" y="2274700"/>
+              <a:ext cx="8382000" cy="3468877"/>
+            </p:xfrm>
+            <a:graphic>
+              <a:graphicData uri="http://schemas.openxmlformats.org/drawingml/2006/table">
+                <a:tbl>
+                  <a:tblPr firstRow="1" bandRow="1">
+                    <a:tableStyleId>{5C22544A-7EE6-4342-B048-85BDC9FD1C3A}</a:tableStyleId>
+                  </a:tblPr>
+                  <a:tblGrid>
+                    <a:gridCol w="972800">
+                      <a:extLst>
+                        <a:ext uri="{9D8B030D-6E8A-4147-A177-3AD203B41FA5}">
+                          <a16:colId xmlns:a16="http://schemas.microsoft.com/office/drawing/2014/main" val="737280295"/>
+                        </a:ext>
+                      </a:extLst>
+                    </a:gridCol>
+                    <a:gridCol w="1057391">
+                      <a:extLst>
+                        <a:ext uri="{9D8B030D-6E8A-4147-A177-3AD203B41FA5}">
+                          <a16:colId xmlns:a16="http://schemas.microsoft.com/office/drawing/2014/main" val="1228681066"/>
+                        </a:ext>
+                      </a:extLst>
+                    </a:gridCol>
+                    <a:gridCol w="1127883">
+                      <a:extLst>
+                        <a:ext uri="{9D8B030D-6E8A-4147-A177-3AD203B41FA5}">
+                          <a16:colId xmlns:a16="http://schemas.microsoft.com/office/drawing/2014/main" val="3767232075"/>
+                        </a:ext>
+                      </a:extLst>
+                    </a:gridCol>
+                    <a:gridCol w="1361933">
+                      <a:extLst>
+                        <a:ext uri="{9D8B030D-6E8A-4147-A177-3AD203B41FA5}">
+                          <a16:colId xmlns:a16="http://schemas.microsoft.com/office/drawing/2014/main" val="275792739"/>
+                        </a:ext>
+                      </a:extLst>
+                    </a:gridCol>
+                    <a:gridCol w="1316073">
+                      <a:extLst>
+                        <a:ext uri="{9D8B030D-6E8A-4147-A177-3AD203B41FA5}">
+                          <a16:colId xmlns:a16="http://schemas.microsoft.com/office/drawing/2014/main" val="2550383071"/>
+                        </a:ext>
+                      </a:extLst>
+                    </a:gridCol>
+                    <a:gridCol w="1153450">
+                      <a:extLst>
+                        <a:ext uri="{9D8B030D-6E8A-4147-A177-3AD203B41FA5}">
+                          <a16:colId xmlns:a16="http://schemas.microsoft.com/office/drawing/2014/main" val="3694173054"/>
+                        </a:ext>
+                      </a:extLst>
+                    </a:gridCol>
+                    <a:gridCol w="1392470">
+                      <a:extLst>
+                        <a:ext uri="{9D8B030D-6E8A-4147-A177-3AD203B41FA5}">
+                          <a16:colId xmlns:a16="http://schemas.microsoft.com/office/drawing/2014/main" val="608630972"/>
+                        </a:ext>
+                      </a:extLst>
+                    </a:gridCol>
+                  </a:tblGrid>
+                  <a:tr h="682889">
+                    <a:tc gridSpan="3">
+                      <a:txBody>
+                        <a:bodyPr/>
+                        <a:lstStyle/>
+                        <a:p>
+                          <a:pPr lvl="0" algn="ctr"/>
+                          <a:r>
+                            <a:rPr kumimoji="1" lang="ja-JP" altLang="en-US" sz="2000"/>
+                            <a:t>ブッキング情報</a:t>
+                          </a:r>
+                        </a:p>
+                      </a:txBody>
+                      <a:tcPr/>
+                    </a:tc>
+                    <a:tc hMerge="1">
+                      <a:txBody>
+                        <a:bodyPr/>
+                        <a:lstStyle/>
+                        <a:p>
+                          <a:pPr algn="ctr"/>
+                          <a:endParaRPr kumimoji="1" lang="ja-JP" altLang="en-US" sz="2000"/>
+                        </a:p>
+                      </a:txBody>
+                      <a:tcPr/>
+                    </a:tc>
+                    <a:tc hMerge="1">
+                      <a:txBody>
+                        <a:bodyPr/>
+                        <a:lstStyle/>
+                        <a:p>
+                          <a:pPr algn="ctr"/>
+                          <a:endParaRPr kumimoji="1" lang="ja-JP" altLang="en-US" sz="2000"/>
+                        </a:p>
+                      </a:txBody>
+                      <a:tcPr/>
+                    </a:tc>
+                    <a:tc gridSpan="2">
+                      <a:txBody>
+                        <a:bodyPr/>
+                        <a:lstStyle/>
+                        <a:p>
+                          <a:pPr lvl="0" algn="ctr"/>
+                          <a:r>
+                            <a:rPr kumimoji="1" lang="ja-JP" altLang="en-US" sz="2000"/>
+                            <a:t>汎用ソルバー</a:t>
+                          </a:r>
+                        </a:p>
+                      </a:txBody>
+                      <a:tcPr/>
+                    </a:tc>
+                    <a:tc hMerge="1">
+                      <a:txBody>
+                        <a:bodyPr/>
+                        <a:lstStyle/>
+                        <a:p>
+                          <a:endParaRPr kumimoji="1" lang="ja-JP" altLang="en-US" sz="2000"/>
+                        </a:p>
+                      </a:txBody>
+                      <a:tcPr/>
+                    </a:tc>
+                    <a:tc gridSpan="2">
+                      <a:txBody>
+                        <a:bodyPr/>
+                        <a:lstStyle/>
+                        <a:p>
+                          <a:pPr lvl="0" algn="ctr"/>
+                          <a:r>
+                            <a:rPr kumimoji="1" lang="ja-JP" altLang="en-US" sz="2000"/>
+                            <a:t>専用ソルバー</a:t>
+                          </a:r>
+                        </a:p>
+                      </a:txBody>
+                      <a:tcPr/>
+                    </a:tc>
+                    <a:tc hMerge="1">
+                      <a:txBody>
+                        <a:bodyPr/>
+                        <a:lstStyle/>
+                        <a:p>
+                          <a:pPr marL="0" marR="0" lvl="0" indent="0" algn="l" defTabSz="457200" rtl="0" eaLnBrk="1" fontAlgn="auto" latinLnBrk="0" hangingPunct="1">
+                            <a:lnSpc>
+                              <a:spcPct val="100000"/>
+                            </a:lnSpc>
+                            <a:spcBef>
+                              <a:spcPts val="0"/>
+                            </a:spcBef>
+                            <a:spcAft>
+                              <a:spcPts val="0"/>
+                            </a:spcAft>
+                            <a:buClrTx/>
+                            <a:buSzTx/>
+                            <a:buFontTx/>
+                            <a:buNone/>
+                            <a:tabLst/>
+                            <a:defRPr/>
+                          </a:pPr>
+                          <a:endParaRPr kumimoji="1" lang="ja-JP" altLang="en-US" sz="1800"/>
+                        </a:p>
+                      </a:txBody>
+                      <a:tcPr/>
+                    </a:tc>
+                    <a:extLst>
+                      <a:ext uri="{0D108BD9-81ED-4DB2-BD59-A6C34878D82A}">
+                        <a16:rowId xmlns:a16="http://schemas.microsoft.com/office/drawing/2014/main" val="3982216832"/>
+                      </a:ext>
+                    </a:extLst>
+                  </a:tr>
+                  <a:tr h="796992">
+                    <a:tc>
+                      <a:txBody>
+                        <a:bodyPr/>
+                        <a:lstStyle/>
+                        <a:p>
+                          <a:pPr algn="ctr"/>
+                          <a:r>
+                            <a:rPr kumimoji="1" lang="ja-JP" altLang="en-US" sz="2000"/>
+                            <a:t>注文数</a:t>
+                          </a:r>
+                        </a:p>
+                      </a:txBody>
+                      <a:tcPr/>
+                    </a:tc>
+                    <a:tc>
+                      <a:txBody>
+                        <a:bodyPr/>
+                        <a:lstStyle/>
+                        <a:p>
+                          <a:pPr algn="ctr"/>
+                          <a:r>
+                            <a:rPr kumimoji="1" lang="ja-JP" altLang="en-US" sz="2000"/>
+                            <a:t>積み地</a:t>
+                          </a:r>
+                        </a:p>
+                      </a:txBody>
+                      <a:tcPr/>
+                    </a:tc>
+                    <a:tc>
+                      <a:txBody>
+                        <a:bodyPr/>
+                        <a:lstStyle/>
+                        <a:p>
+                          <a:pPr algn="ctr"/>
+                          <a:r>
+                            <a:rPr kumimoji="1" lang="ja-JP" altLang="en-US" sz="2000"/>
+                            <a:t>揚げ地</a:t>
+                          </a:r>
+                        </a:p>
+                      </a:txBody>
+                      <a:tcPr/>
+                    </a:tc>
+                    <a:tc>
+                      <a:txBody>
+                        <a:bodyPr/>
+                        <a:lstStyle/>
+                        <a:p>
+                          <a:pPr algn="ctr"/>
+                          <a:r>
+                            <a:rPr kumimoji="1" lang="ja-JP" altLang="en-US" sz="2000"/>
+                            <a:t>解</a:t>
+                          </a:r>
+                          <a:br>
+                            <a:rPr kumimoji="1" lang="en-US" altLang="ja-JP" sz="2000" dirty="0"/>
+                          </a:br>
+                          <a:r>
+                            <a:rPr kumimoji="1" lang="en-US" altLang="ja-JP" sz="2000" dirty="0"/>
+                            <a:t>(1</a:t>
+                          </a:r>
+                          <a:r>
+                            <a:rPr kumimoji="1" lang="ja-JP" altLang="en-US" sz="2000"/>
+                            <a:t>時間</a:t>
+                          </a:r>
+                          <a:r>
+                            <a:rPr kumimoji="1" lang="en-US" altLang="ja-JP" sz="2000" dirty="0"/>
+                            <a:t>)</a:t>
+                          </a:r>
+                          <a:endParaRPr kumimoji="1" lang="ja-JP" altLang="en-US" sz="2000"/>
+                        </a:p>
+                      </a:txBody>
+                      <a:tcPr/>
+                    </a:tc>
+                    <a:tc>
+                      <a:txBody>
+                        <a:bodyPr/>
+                        <a:lstStyle/>
+                        <a:p>
+                          <a:pPr algn="ctr"/>
+                          <a:r>
+                            <a:rPr kumimoji="1" lang="ja-JP" altLang="en-US" sz="2000"/>
+                            <a:t>解</a:t>
+                          </a:r>
+                          <a:br>
+                            <a:rPr kumimoji="1" lang="en-US" altLang="ja-JP" sz="2000" dirty="0"/>
+                          </a:br>
+                          <a:r>
+                            <a:rPr kumimoji="1" lang="en-US" altLang="ja-JP" sz="2000" dirty="0"/>
+                            <a:t>(24</a:t>
+                          </a:r>
+                          <a:r>
+                            <a:rPr kumimoji="1" lang="ja-JP" altLang="en-US" sz="2000"/>
+                            <a:t>時間</a:t>
+                          </a:r>
+                          <a:r>
+                            <a:rPr kumimoji="1" lang="en-US" altLang="ja-JP" sz="2000" dirty="0"/>
+                            <a:t>)</a:t>
+                          </a:r>
+                          <a:endParaRPr kumimoji="1" lang="ja-JP" altLang="en-US" sz="2000"/>
+                        </a:p>
+                      </a:txBody>
+                      <a:tcPr/>
+                    </a:tc>
+                    <a:tc>
+                      <a:txBody>
+                        <a:bodyPr/>
+                        <a:lstStyle/>
+                        <a:p>
+                          <a:pPr marL="0" marR="0" lvl="0" indent="0" algn="ctr" defTabSz="457200" rtl="0" eaLnBrk="1" fontAlgn="auto" latinLnBrk="0" hangingPunct="1">
+                            <a:lnSpc>
+                              <a:spcPct val="100000"/>
+                            </a:lnSpc>
+                            <a:spcBef>
+                              <a:spcPts val="0"/>
+                            </a:spcBef>
+                            <a:spcAft>
+                              <a:spcPts val="0"/>
+                            </a:spcAft>
+                            <a:buClrTx/>
+                            <a:buSzTx/>
+                            <a:buFontTx/>
+                            <a:buNone/>
+                            <a:tabLst/>
+                            <a:defRPr/>
+                          </a:pPr>
+                          <a:r>
+                            <a:rPr kumimoji="1" lang="ja-JP" altLang="en-US" sz="2000"/>
+                            <a:t>解</a:t>
+                          </a:r>
+                        </a:p>
+                      </a:txBody>
+                      <a:tcPr/>
+                    </a:tc>
+                    <a:tc>
+                      <a:txBody>
+                        <a:bodyPr/>
+                        <a:lstStyle/>
+                        <a:p>
+                          <a:pPr marL="0" marR="0" lvl="0" indent="0" algn="ctr" defTabSz="457200" rtl="0" eaLnBrk="1" fontAlgn="auto" latinLnBrk="0" hangingPunct="1">
+                            <a:lnSpc>
+                              <a:spcPct val="100000"/>
+                            </a:lnSpc>
+                            <a:spcBef>
+                              <a:spcPts val="0"/>
+                            </a:spcBef>
+                            <a:spcAft>
+                              <a:spcPts val="0"/>
+                            </a:spcAft>
+                            <a:buClrTx/>
+                            <a:buSzTx/>
+                            <a:buFontTx/>
+                            <a:buNone/>
+                            <a:tabLst/>
+                            <a:defRPr/>
+                          </a:pPr>
+                          <a:r>
+                            <a:rPr kumimoji="1" lang="ja-JP" altLang="en-US" sz="1800"/>
+                            <a:t>計算時間</a:t>
+                          </a:r>
+                          <a:br>
+                            <a:rPr kumimoji="1" lang="en-US" altLang="ja-JP" sz="1800" dirty="0"/>
+                          </a:br>
+                          <a:r>
+                            <a:rPr kumimoji="1" lang="en-US" altLang="ja-JP" sz="1800" dirty="0"/>
+                            <a:t>(</a:t>
+                          </a:r>
+                          <a:r>
+                            <a:rPr kumimoji="1" lang="ja-JP" altLang="en-US" sz="1800"/>
+                            <a:t>秒</a:t>
+                          </a:r>
+                          <a:r>
+                            <a:rPr kumimoji="1" lang="en-US" altLang="ja-JP" sz="1800" dirty="0"/>
+                            <a:t>)</a:t>
+                          </a:r>
+                          <a:endParaRPr kumimoji="1" lang="ja-JP" altLang="en-US" sz="1800"/>
+                        </a:p>
+                      </a:txBody>
+                      <a:tcPr/>
+                    </a:tc>
+                    <a:extLst>
+                      <a:ext uri="{0D108BD9-81ED-4DB2-BD59-A6C34878D82A}">
+                        <a16:rowId xmlns:a16="http://schemas.microsoft.com/office/drawing/2014/main" val="3667031896"/>
+                      </a:ext>
+                    </a:extLst>
+                  </a:tr>
+                  <a:tr h="497249">
+                    <a:tc>
+                      <a:txBody>
+                        <a:bodyPr/>
+                        <a:lstStyle/>
+                        <a:p>
+                          <a:pPr algn="ctr"/>
+                          <a:r>
+                            <a:rPr kumimoji="1" lang="en-US" altLang="ja-JP" sz="2000"/>
+                            <a:t>109</a:t>
+                          </a:r>
+                          <a:endParaRPr kumimoji="1" lang="ja-JP" altLang="en-US" sz="2000"/>
+                        </a:p>
+                      </a:txBody>
+                      <a:tcPr/>
+                    </a:tc>
+                    <a:tc>
+                      <a:txBody>
+                        <a:bodyPr/>
+                        <a:lstStyle/>
+                        <a:p>
+                          <a:pPr algn="ctr"/>
+                          <a:r>
+                            <a:rPr kumimoji="1" lang="en-US" altLang="ja-JP" sz="2000" dirty="0"/>
+                            <a:t>2</a:t>
+                          </a:r>
+                          <a:endParaRPr kumimoji="1" lang="ja-JP" altLang="en-US" sz="2000"/>
+                        </a:p>
+                      </a:txBody>
+                      <a:tcPr/>
+                    </a:tc>
+                    <a:tc>
+                      <a:txBody>
+                        <a:bodyPr/>
+                        <a:lstStyle/>
+                        <a:p>
+                          <a:pPr algn="ctr"/>
+                          <a:r>
+                            <a:rPr kumimoji="1" lang="en-US" altLang="ja-JP" sz="2000" dirty="0"/>
+                            <a:t>3</a:t>
+                          </a:r>
+                          <a:endParaRPr kumimoji="1" lang="ja-JP" altLang="en-US" sz="2000"/>
+                        </a:p>
+                      </a:txBody>
+                      <a:tcPr/>
+                    </a:tc>
+                    <a:tc>
+                      <a:txBody>
+                        <a:bodyPr/>
+                        <a:lstStyle/>
+                        <a:p>
+                          <a:pPr marL="0" marR="0" lvl="0" indent="0" algn="ctr" defTabSz="457200" rtl="0" eaLnBrk="1" fontAlgn="auto" latinLnBrk="0" hangingPunct="1">
+                            <a:lnSpc>
+                              <a:spcPct val="100000"/>
+                            </a:lnSpc>
+                            <a:spcBef>
+                              <a:spcPts val="0"/>
+                            </a:spcBef>
+                            <a:spcAft>
+                              <a:spcPts val="0"/>
+                            </a:spcAft>
+                            <a:buClrTx/>
+                            <a:buSzTx/>
+                            <a:buFontTx/>
+                            <a:buNone/>
+                            <a:tabLst/>
+                            <a:defRPr/>
+                          </a:pPr>
+                          <a:r>
+                            <a:rPr kumimoji="1" lang="ja-JP" altLang="en-US" sz="1800" kern="1200">
+                              <a:solidFill>
+                                <a:schemeClr val="dk1"/>
+                              </a:solidFill>
+                              <a:effectLst/>
+                              <a:latin typeface="+mn-lt"/>
+                              <a:ea typeface="+mn-ea"/>
+                              <a:cs typeface="+mn-cs"/>
+                            </a:rPr>
+                            <a:t> </a:t>
+                          </a:r>
+                          <a14:m>
+                            <m:oMath xmlns:m="http://schemas.openxmlformats.org/officeDocument/2006/math">
+                              <m:r>
+                                <a:rPr kumimoji="1" lang="en-US" altLang="ja-JP" sz="1800" i="1" smtClean="0">
+                                  <a:latin typeface="Cambria Math" panose="02040503050406030204" pitchFamily="18" charset="0"/>
+                                  <a:ea typeface="Cambria Math" panose="02040503050406030204" pitchFamily="18" charset="0"/>
+                                </a:rPr>
+                                <m:t>−</m:t>
+                              </m:r>
+                            </m:oMath>
+                          </a14:m>
+                          <a:r>
+                            <a:rPr kumimoji="1" lang="en-US" altLang="ja-JP" sz="1800" kern="1200" dirty="0">
+                              <a:solidFill>
+                                <a:schemeClr val="dk1"/>
+                              </a:solidFill>
+                              <a:effectLst/>
+                              <a:latin typeface="+mn-lt"/>
+                              <a:ea typeface="+mn-ea"/>
+                              <a:cs typeface="+mn-cs"/>
+                            </a:rPr>
+                            <a:t>508</a:t>
+                          </a:r>
+                        </a:p>
+                      </a:txBody>
+                      <a:tcPr/>
+                    </a:tc>
+                    <a:tc>
+                      <a:txBody>
+                        <a:bodyPr/>
+                        <a:lstStyle/>
+                        <a:p>
+                          <a:pPr algn="ctr"/>
+                          <a14:m>
+                            <m:oMath xmlns:m="http://schemas.openxmlformats.org/officeDocument/2006/math">
+                              <m:r>
+                                <a:rPr kumimoji="1" lang="en-US" altLang="ja-JP" sz="2000" i="1" smtClean="0">
+                                  <a:latin typeface="Cambria Math" panose="02040503050406030204" pitchFamily="18" charset="0"/>
+                                  <a:ea typeface="Cambria Math" panose="02040503050406030204" pitchFamily="18" charset="0"/>
+                                </a:rPr>
+                                <m:t>−</m:t>
+                              </m:r>
+                            </m:oMath>
+                          </a14:m>
+                          <a:r>
+                            <a:rPr kumimoji="1" lang="en-US" altLang="ja-JP" sz="2000" dirty="0"/>
+                            <a:t>3478</a:t>
+                          </a:r>
+                          <a:endParaRPr kumimoji="1" lang="ja-JP" altLang="en-US" sz="2000"/>
+                        </a:p>
+                      </a:txBody>
+                      <a:tcPr/>
+                    </a:tc>
+                    <a:tc>
+                      <a:txBody>
+                        <a:bodyPr/>
+                        <a:lstStyle/>
+                        <a:p>
+                          <a:pPr algn="ctr"/>
+                          <a14:m>
+                            <m:oMath xmlns:m="http://schemas.openxmlformats.org/officeDocument/2006/math">
+                              <m:r>
+                                <a:rPr kumimoji="1" lang="en-US" altLang="ja-JP" sz="2000" i="1" smtClean="0">
+                                  <a:latin typeface="Cambria Math" panose="02040503050406030204" pitchFamily="18" charset="0"/>
+                                  <a:ea typeface="Cambria Math" panose="02040503050406030204" pitchFamily="18" charset="0"/>
+                                </a:rPr>
+                                <m:t>−</m:t>
+                              </m:r>
+                            </m:oMath>
+                          </a14:m>
+                          <a:r>
+                            <a:rPr kumimoji="1" lang="en-US" altLang="ja-JP" sz="2000" dirty="0"/>
+                            <a:t>2896</a:t>
+                          </a:r>
+                          <a:endParaRPr kumimoji="1" lang="ja-JP" altLang="en-US" sz="2000"/>
+                        </a:p>
+                      </a:txBody>
+                      <a:tcPr/>
+                    </a:tc>
+                    <a:tc>
+                      <a:txBody>
+                        <a:bodyPr/>
+                        <a:lstStyle/>
+                        <a:p>
+                          <a:pPr algn="ctr"/>
+                          <a:r>
+                            <a:rPr kumimoji="1" lang="en-US" altLang="ja-JP" sz="2000" dirty="0"/>
+                            <a:t>776</a:t>
+                          </a:r>
+                          <a:endParaRPr kumimoji="1" lang="ja-JP" altLang="en-US" sz="2000"/>
+                        </a:p>
+                      </a:txBody>
+                      <a:tcPr/>
+                    </a:tc>
+                    <a:extLst>
+                      <a:ext uri="{0D108BD9-81ED-4DB2-BD59-A6C34878D82A}">
+                        <a16:rowId xmlns:a16="http://schemas.microsoft.com/office/drawing/2014/main" val="2690316513"/>
+                      </a:ext>
+                    </a:extLst>
+                  </a:tr>
+                  <a:tr h="497249">
+                    <a:tc>
+                      <a:txBody>
+                        <a:bodyPr/>
+                        <a:lstStyle/>
+                        <a:p>
+                          <a:pPr algn="ctr"/>
+                          <a:r>
+                            <a:rPr kumimoji="1" lang="en-US" altLang="ja-JP" sz="2000"/>
+                            <a:t>109</a:t>
+                          </a:r>
+                          <a:endParaRPr kumimoji="1" lang="ja-JP" altLang="en-US" sz="2000"/>
+                        </a:p>
+                      </a:txBody>
+                      <a:tcPr/>
+                    </a:tc>
+                    <a:tc>
+                      <a:txBody>
+                        <a:bodyPr/>
+                        <a:lstStyle/>
+                        <a:p>
+                          <a:pPr algn="ctr"/>
+                          <a:r>
+                            <a:rPr kumimoji="1" lang="en-US" altLang="ja-JP" sz="2000" dirty="0"/>
+                            <a:t>2</a:t>
+                          </a:r>
+                          <a:endParaRPr kumimoji="1" lang="ja-JP" altLang="en-US" sz="2000"/>
+                        </a:p>
+                      </a:txBody>
+                      <a:tcPr/>
+                    </a:tc>
+                    <a:tc>
+                      <a:txBody>
+                        <a:bodyPr/>
+                        <a:lstStyle/>
+                        <a:p>
+                          <a:pPr algn="ctr"/>
+                          <a:r>
+                            <a:rPr kumimoji="1" lang="en-US" altLang="ja-JP" sz="2000" dirty="0"/>
+                            <a:t>5</a:t>
+                          </a:r>
+                          <a:endParaRPr kumimoji="1" lang="ja-JP" altLang="en-US" sz="2000"/>
+                        </a:p>
+                      </a:txBody>
+                      <a:tcPr/>
+                    </a:tc>
+                    <a:tc>
+                      <a:txBody>
+                        <a:bodyPr/>
+                        <a:lstStyle/>
+                        <a:p>
+                          <a:pPr algn="ctr"/>
+                          <a14:m>
+                            <m:oMath xmlns:m="http://schemas.openxmlformats.org/officeDocument/2006/math">
+                              <m:r>
+                                <a:rPr kumimoji="1" lang="en-US" altLang="ja-JP" sz="2000" i="1" smtClean="0">
+                                  <a:latin typeface="Cambria Math" panose="02040503050406030204" pitchFamily="18" charset="0"/>
+                                  <a:ea typeface="Cambria Math" panose="02040503050406030204" pitchFamily="18" charset="0"/>
+                                </a:rPr>
+                                <m:t>−</m:t>
+                              </m:r>
+                            </m:oMath>
+                          </a14:m>
+                          <a:r>
+                            <a:rPr kumimoji="1" lang="en-US" altLang="ja-JP" sz="2000" dirty="0"/>
+                            <a:t>2612</a:t>
+                          </a:r>
+                          <a:endParaRPr kumimoji="1" lang="ja-JP" altLang="en-US" sz="2000"/>
+                        </a:p>
+                      </a:txBody>
+                      <a:tcPr/>
+                    </a:tc>
+                    <a:tc>
+                      <a:txBody>
+                        <a:bodyPr/>
+                        <a:lstStyle/>
+                        <a:p>
+                          <a:pPr algn="ctr"/>
+                          <a14:m>
+                            <m:oMath xmlns:m="http://schemas.openxmlformats.org/officeDocument/2006/math">
+                              <m:r>
+                                <a:rPr kumimoji="1" lang="en-US" altLang="ja-JP" sz="2000" i="1" smtClean="0">
+                                  <a:latin typeface="Cambria Math" panose="02040503050406030204" pitchFamily="18" charset="0"/>
+                                  <a:ea typeface="Cambria Math" panose="02040503050406030204" pitchFamily="18" charset="0"/>
+                                </a:rPr>
+                                <m:t>−</m:t>
+                              </m:r>
+                            </m:oMath>
+                          </a14:m>
+                          <a:r>
+                            <a:rPr kumimoji="1" lang="en-US" altLang="ja-JP" sz="2000" dirty="0"/>
+                            <a:t>3354</a:t>
+                          </a:r>
+                          <a:endParaRPr kumimoji="1" lang="ja-JP" altLang="en-US" sz="2000"/>
+                        </a:p>
+                      </a:txBody>
+                      <a:tcPr/>
+                    </a:tc>
+                    <a:tc>
+                      <a:txBody>
+                        <a:bodyPr/>
+                        <a:lstStyle/>
+                        <a:p>
+                          <a:pPr algn="ctr"/>
+                          <a14:m>
+                            <m:oMath xmlns:m="http://schemas.openxmlformats.org/officeDocument/2006/math">
+                              <m:r>
+                                <a:rPr kumimoji="1" lang="en-US" altLang="ja-JP" sz="2000" i="1" smtClean="0">
+                                  <a:latin typeface="Cambria Math" panose="02040503050406030204" pitchFamily="18" charset="0"/>
+                                  <a:ea typeface="Cambria Math" panose="02040503050406030204" pitchFamily="18" charset="0"/>
+                                </a:rPr>
+                                <m:t>−</m:t>
+                              </m:r>
+                            </m:oMath>
+                          </a14:m>
+                          <a:r>
+                            <a:rPr kumimoji="1" lang="en-US" altLang="ja-JP" sz="2000" dirty="0"/>
+                            <a:t>3247</a:t>
+                          </a:r>
+                          <a:endParaRPr kumimoji="1" lang="ja-JP" altLang="en-US" sz="2000"/>
+                        </a:p>
+                      </a:txBody>
+                      <a:tcPr/>
+                    </a:tc>
+                    <a:tc>
+                      <a:txBody>
+                        <a:bodyPr/>
+                        <a:lstStyle/>
+                        <a:p>
+                          <a:pPr algn="ctr"/>
+                          <a:r>
+                            <a:rPr kumimoji="1" lang="en-US" altLang="ja-JP" sz="2000" dirty="0"/>
+                            <a:t>2650</a:t>
+                          </a:r>
+                          <a:endParaRPr kumimoji="1" lang="ja-JP" altLang="en-US" sz="2000"/>
+                        </a:p>
+                      </a:txBody>
+                      <a:tcPr/>
+                    </a:tc>
+                    <a:extLst>
+                      <a:ext uri="{0D108BD9-81ED-4DB2-BD59-A6C34878D82A}">
+                        <a16:rowId xmlns:a16="http://schemas.microsoft.com/office/drawing/2014/main" val="323683789"/>
+                      </a:ext>
+                    </a:extLst>
+                  </a:tr>
+                  <a:tr h="497249">
+                    <a:tc>
+                      <a:txBody>
+                        <a:bodyPr/>
+                        <a:lstStyle/>
+                        <a:p>
+                          <a:pPr algn="ctr"/>
+                          <a:r>
+                            <a:rPr kumimoji="1" lang="en-US" altLang="ja-JP" sz="2000"/>
+                            <a:t>109</a:t>
+                          </a:r>
+                          <a:endParaRPr kumimoji="1" lang="ja-JP" altLang="en-US" sz="2000"/>
+                        </a:p>
+                      </a:txBody>
+                      <a:tcPr/>
+                    </a:tc>
+                    <a:tc>
+                      <a:txBody>
+                        <a:bodyPr/>
+                        <a:lstStyle/>
+                        <a:p>
+                          <a:pPr algn="ctr"/>
+                          <a:r>
+                            <a:rPr kumimoji="1" lang="en-US" altLang="ja-JP" sz="2000" dirty="0"/>
+                            <a:t>4</a:t>
+                          </a:r>
+                          <a:endParaRPr kumimoji="1" lang="ja-JP" altLang="en-US" sz="2000"/>
+                        </a:p>
+                      </a:txBody>
+                      <a:tcPr/>
+                    </a:tc>
+                    <a:tc>
+                      <a:txBody>
+                        <a:bodyPr/>
+                        <a:lstStyle/>
+                        <a:p>
+                          <a:pPr algn="ctr"/>
+                          <a:r>
+                            <a:rPr kumimoji="1" lang="en-US" altLang="ja-JP" sz="2000" dirty="0"/>
+                            <a:t>3</a:t>
+                          </a:r>
+                          <a:endParaRPr kumimoji="1" lang="ja-JP" altLang="en-US" sz="2000"/>
+                        </a:p>
+                      </a:txBody>
+                      <a:tcPr/>
+                    </a:tc>
+                    <a:tc>
+                      <a:txBody>
+                        <a:bodyPr/>
+                        <a:lstStyle/>
+                        <a:p>
+                          <a:pPr algn="ctr"/>
+                          <a:r>
+                            <a:rPr kumimoji="1" lang="en-US" altLang="ja-JP" sz="2000" dirty="0"/>
+                            <a:t>1240</a:t>
+                          </a:r>
+                          <a:endParaRPr kumimoji="1" lang="ja-JP" altLang="en-US" sz="2000"/>
+                        </a:p>
+                      </a:txBody>
+                      <a:tcPr/>
+                    </a:tc>
+                    <a:tc>
+                      <a:txBody>
+                        <a:bodyPr/>
+                        <a:lstStyle/>
+                        <a:p>
+                          <a:pPr algn="ctr"/>
+                          <a14:m>
+                            <m:oMath xmlns:m="http://schemas.openxmlformats.org/officeDocument/2006/math">
+                              <m:r>
+                                <a:rPr kumimoji="1" lang="en-US" altLang="ja-JP" sz="2000" i="1" smtClean="0">
+                                  <a:latin typeface="Cambria Math" panose="02040503050406030204" pitchFamily="18" charset="0"/>
+                                  <a:ea typeface="Cambria Math" panose="02040503050406030204" pitchFamily="18" charset="0"/>
+                                </a:rPr>
+                                <m:t>−</m:t>
+                              </m:r>
+                            </m:oMath>
+                          </a14:m>
+                          <a:r>
+                            <a:rPr kumimoji="1" lang="en-US" altLang="ja-JP" sz="2000" dirty="0"/>
+                            <a:t>3455</a:t>
+                          </a:r>
+                          <a:endParaRPr kumimoji="1" lang="ja-JP" altLang="en-US" sz="2000"/>
+                        </a:p>
+                      </a:txBody>
+                      <a:tcPr/>
+                    </a:tc>
+                    <a:tc>
+                      <a:txBody>
+                        <a:bodyPr/>
+                        <a:lstStyle/>
+                        <a:p>
+                          <a:pPr algn="ctr"/>
+                          <a14:m>
+                            <m:oMath xmlns:m="http://schemas.openxmlformats.org/officeDocument/2006/math">
+                              <m:r>
+                                <a:rPr kumimoji="1" lang="en-US" altLang="ja-JP" sz="2000" i="1" smtClean="0">
+                                  <a:latin typeface="Cambria Math" panose="02040503050406030204" pitchFamily="18" charset="0"/>
+                                  <a:ea typeface="Cambria Math" panose="02040503050406030204" pitchFamily="18" charset="0"/>
+                                </a:rPr>
+                                <m:t>−</m:t>
+                              </m:r>
+                            </m:oMath>
+                          </a14:m>
+                          <a:r>
+                            <a:rPr kumimoji="1" lang="en-US" altLang="ja-JP" sz="2000" dirty="0"/>
+                            <a:t>1873</a:t>
+                          </a:r>
+                          <a:endParaRPr kumimoji="1" lang="ja-JP" altLang="en-US" sz="2000"/>
+                        </a:p>
+                      </a:txBody>
+                      <a:tcPr/>
+                    </a:tc>
+                    <a:tc>
+                      <a:txBody>
+                        <a:bodyPr/>
+                        <a:lstStyle/>
+                        <a:p>
+                          <a:pPr algn="ctr"/>
+                          <a:r>
+                            <a:rPr kumimoji="1" lang="en-US" altLang="ja-JP" sz="2000" dirty="0"/>
+                            <a:t>3009</a:t>
+                          </a:r>
+                          <a:endParaRPr kumimoji="1" lang="ja-JP" altLang="en-US" sz="2000"/>
+                        </a:p>
+                      </a:txBody>
+                      <a:tcPr/>
+                    </a:tc>
+                    <a:extLst>
+                      <a:ext uri="{0D108BD9-81ED-4DB2-BD59-A6C34878D82A}">
+                        <a16:rowId xmlns:a16="http://schemas.microsoft.com/office/drawing/2014/main" val="1536353699"/>
+                      </a:ext>
+                    </a:extLst>
+                  </a:tr>
+                  <a:tr h="497249">
+                    <a:tc>
+                      <a:txBody>
+                        <a:bodyPr/>
+                        <a:lstStyle/>
+                        <a:p>
+                          <a:pPr algn="ctr"/>
+                          <a:r>
+                            <a:rPr kumimoji="1" lang="en-US" altLang="ja-JP" sz="2000" dirty="0"/>
+                            <a:t>250</a:t>
+                          </a:r>
+                          <a:endParaRPr kumimoji="1" lang="ja-JP" altLang="en-US" sz="2000"/>
+                        </a:p>
+                      </a:txBody>
+                      <a:tcPr/>
+                    </a:tc>
+                    <a:tc>
+                      <a:txBody>
+                        <a:bodyPr/>
+                        <a:lstStyle/>
+                        <a:p>
+                          <a:pPr algn="ctr"/>
+                          <a:r>
+                            <a:rPr kumimoji="1" lang="en-US" altLang="ja-JP" sz="2000" dirty="0"/>
+                            <a:t>2</a:t>
+                          </a:r>
+                          <a:endParaRPr kumimoji="1" lang="ja-JP" altLang="en-US" sz="2000"/>
+                        </a:p>
+                      </a:txBody>
+                      <a:tcPr/>
+                    </a:tc>
+                    <a:tc>
+                      <a:txBody>
+                        <a:bodyPr/>
+                        <a:lstStyle/>
+                        <a:p>
+                          <a:pPr algn="ctr"/>
+                          <a:r>
+                            <a:rPr kumimoji="1" lang="en-US" altLang="ja-JP" sz="2000" dirty="0"/>
+                            <a:t>3</a:t>
+                          </a:r>
+                          <a:endParaRPr kumimoji="1" lang="ja-JP" altLang="en-US" sz="2000"/>
+                        </a:p>
+                      </a:txBody>
+                      <a:tcPr/>
+                    </a:tc>
+                    <a:tc>
+                      <a:txBody>
+                        <a:bodyPr/>
+                        <a:lstStyle/>
+                        <a:p>
+                          <a:pPr algn="ctr"/>
+                          <a:r>
+                            <a:rPr kumimoji="1" lang="ja-JP" altLang="en-US" sz="2000"/>
+                            <a:t>解が出ず</a:t>
+                          </a:r>
+                        </a:p>
+                      </a:txBody>
+                      <a:tcPr/>
+                    </a:tc>
+                    <a:tc>
+                      <a:txBody>
+                        <a:bodyPr/>
+                        <a:lstStyle/>
+                        <a:p>
+                          <a:pPr algn="ctr"/>
+                          <a14:m>
+                            <m:oMath xmlns:m="http://schemas.openxmlformats.org/officeDocument/2006/math">
+                              <m:r>
+                                <a:rPr kumimoji="1" lang="en-US" altLang="ja-JP" sz="2000" i="1" smtClean="0">
+                                  <a:latin typeface="Cambria Math" panose="02040503050406030204" pitchFamily="18" charset="0"/>
+                                  <a:ea typeface="Cambria Math" panose="02040503050406030204" pitchFamily="18" charset="0"/>
+                                </a:rPr>
+                                <m:t>−</m:t>
+                              </m:r>
+                            </m:oMath>
+                          </a14:m>
+                          <a:r>
+                            <a:rPr kumimoji="1" lang="en-US" altLang="ja-JP" sz="2000" dirty="0"/>
+                            <a:t>2064</a:t>
+                          </a:r>
+                          <a:endParaRPr kumimoji="1" lang="ja-JP" altLang="en-US" sz="2000"/>
+                        </a:p>
+                      </a:txBody>
+                      <a:tcPr/>
+                    </a:tc>
+                    <a:tc>
+                      <a:txBody>
+                        <a:bodyPr/>
+                        <a:lstStyle/>
+                        <a:p>
+                          <a:pPr algn="ctr"/>
+                          <a14:m>
+                            <m:oMath xmlns:m="http://schemas.openxmlformats.org/officeDocument/2006/math">
+                              <m:r>
+                                <a:rPr kumimoji="1" lang="en-US" altLang="ja-JP" sz="2000" i="1" smtClean="0">
+                                  <a:latin typeface="Cambria Math" panose="02040503050406030204" pitchFamily="18" charset="0"/>
+                                  <a:ea typeface="Cambria Math" panose="02040503050406030204" pitchFamily="18" charset="0"/>
+                                </a:rPr>
+                                <m:t>−</m:t>
+                              </m:r>
+                            </m:oMath>
+                          </a14:m>
+                          <a:r>
+                            <a:rPr kumimoji="1" lang="en-US" altLang="ja-JP" sz="2000" dirty="0"/>
+                            <a:t>3476</a:t>
+                          </a:r>
+                          <a:endParaRPr kumimoji="1" lang="ja-JP" altLang="en-US" sz="2000"/>
+                        </a:p>
+                      </a:txBody>
+                      <a:tcPr/>
+                    </a:tc>
+                    <a:tc>
+                      <a:txBody>
+                        <a:bodyPr/>
+                        <a:lstStyle/>
+                        <a:p>
+                          <a:pPr algn="ctr"/>
+                          <a:r>
+                            <a:rPr kumimoji="1" lang="en-US" altLang="ja-JP" sz="2000" dirty="0"/>
+                            <a:t>1605</a:t>
+                          </a:r>
+                          <a:endParaRPr kumimoji="1" lang="ja-JP" altLang="en-US" sz="2000"/>
+                        </a:p>
+                      </a:txBody>
+                      <a:tcPr/>
+                    </a:tc>
+                    <a:extLst>
+                      <a:ext uri="{0D108BD9-81ED-4DB2-BD59-A6C34878D82A}">
+                        <a16:rowId xmlns:a16="http://schemas.microsoft.com/office/drawing/2014/main" val="342577522"/>
+                      </a:ext>
+                    </a:extLst>
+                  </a:tr>
+                </a:tbl>
+              </a:graphicData>
+            </a:graphic>
+          </p:graphicFrame>
+        </mc:Choice>
+        <mc:Fallback>
+          <p:graphicFrame>
+            <p:nvGraphicFramePr>
+              <p:cNvPr id="4" name="コンテンツ プレースホルダー 3">
+                <a:extLst>
+                  <a:ext uri="{FF2B5EF4-FFF2-40B4-BE49-F238E27FC236}">
+                    <a16:creationId xmlns:a16="http://schemas.microsoft.com/office/drawing/2014/main" id="{A43B9D2D-517B-CB46-A337-956322EC2B9A}"/>
+                  </a:ext>
+                </a:extLst>
+              </p:cNvPr>
+              <p:cNvGraphicFramePr>
+                <a:graphicFrameLocks noGrp="1"/>
+              </p:cNvGraphicFramePr>
+              <p:nvPr>
+                <p:ph idx="1"/>
+                <p:extLst>
+                  <p:ext uri="{D42A27DB-BD31-4B8C-83A1-F6EECF244321}">
+                    <p14:modId xmlns:p14="http://schemas.microsoft.com/office/powerpoint/2010/main" val="1907069562"/>
+                  </p:ext>
+                </p:extLst>
+              </p:nvPr>
+            </p:nvGraphicFramePr>
+            <p:xfrm>
+              <a:off x="2022764" y="2274700"/>
+              <a:ext cx="8382000" cy="3468877"/>
+            </p:xfrm>
+            <a:graphic>
+              <a:graphicData uri="http://schemas.openxmlformats.org/drawingml/2006/table">
+                <a:tbl>
+                  <a:tblPr firstRow="1" bandRow="1">
+                    <a:tableStyleId>{5C22544A-7EE6-4342-B048-85BDC9FD1C3A}</a:tableStyleId>
+                  </a:tblPr>
+                  <a:tblGrid>
+                    <a:gridCol w="972800">
+                      <a:extLst>
+                        <a:ext uri="{9D8B030D-6E8A-4147-A177-3AD203B41FA5}">
+                          <a16:colId xmlns:a16="http://schemas.microsoft.com/office/drawing/2014/main" val="737280295"/>
+                        </a:ext>
+                      </a:extLst>
+                    </a:gridCol>
+                    <a:gridCol w="1057391">
+                      <a:extLst>
+                        <a:ext uri="{9D8B030D-6E8A-4147-A177-3AD203B41FA5}">
+                          <a16:colId xmlns:a16="http://schemas.microsoft.com/office/drawing/2014/main" val="1228681066"/>
+                        </a:ext>
+                      </a:extLst>
+                    </a:gridCol>
+                    <a:gridCol w="1127883">
+                      <a:extLst>
+                        <a:ext uri="{9D8B030D-6E8A-4147-A177-3AD203B41FA5}">
+                          <a16:colId xmlns:a16="http://schemas.microsoft.com/office/drawing/2014/main" val="3767232075"/>
+                        </a:ext>
+                      </a:extLst>
+                    </a:gridCol>
+                    <a:gridCol w="1361933">
+                      <a:extLst>
+                        <a:ext uri="{9D8B030D-6E8A-4147-A177-3AD203B41FA5}">
+                          <a16:colId xmlns:a16="http://schemas.microsoft.com/office/drawing/2014/main" val="275792739"/>
+                        </a:ext>
+                      </a:extLst>
+                    </a:gridCol>
+                    <a:gridCol w="1316073">
+                      <a:extLst>
+                        <a:ext uri="{9D8B030D-6E8A-4147-A177-3AD203B41FA5}">
+                          <a16:colId xmlns:a16="http://schemas.microsoft.com/office/drawing/2014/main" val="2550383071"/>
+                        </a:ext>
+                      </a:extLst>
+                    </a:gridCol>
+                    <a:gridCol w="1153450">
+                      <a:extLst>
+                        <a:ext uri="{9D8B030D-6E8A-4147-A177-3AD203B41FA5}">
+                          <a16:colId xmlns:a16="http://schemas.microsoft.com/office/drawing/2014/main" val="3694173054"/>
+                        </a:ext>
+                      </a:extLst>
+                    </a:gridCol>
+                    <a:gridCol w="1392470">
+                      <a:extLst>
+                        <a:ext uri="{9D8B030D-6E8A-4147-A177-3AD203B41FA5}">
+                          <a16:colId xmlns:a16="http://schemas.microsoft.com/office/drawing/2014/main" val="608630972"/>
+                        </a:ext>
+                      </a:extLst>
+                    </a:gridCol>
+                  </a:tblGrid>
+                  <a:tr h="682889">
+                    <a:tc gridSpan="3">
+                      <a:txBody>
+                        <a:bodyPr/>
+                        <a:lstStyle/>
+                        <a:p>
+                          <a:pPr lvl="0" algn="ctr"/>
+                          <a:r>
+                            <a:rPr kumimoji="1" lang="ja-JP" altLang="en-US" sz="2000"/>
+                            <a:t>ブッキング情報</a:t>
+                          </a:r>
+                        </a:p>
+                      </a:txBody>
+                      <a:tcPr/>
+                    </a:tc>
+                    <a:tc hMerge="1">
+                      <a:txBody>
+                        <a:bodyPr/>
+                        <a:lstStyle/>
+                        <a:p>
+                          <a:pPr algn="ctr"/>
+                          <a:endParaRPr kumimoji="1" lang="ja-JP" altLang="en-US" sz="2000"/>
+                        </a:p>
+                      </a:txBody>
+                      <a:tcPr/>
+                    </a:tc>
+                    <a:tc hMerge="1">
+                      <a:txBody>
+                        <a:bodyPr/>
+                        <a:lstStyle/>
+                        <a:p>
+                          <a:pPr algn="ctr"/>
+                          <a:endParaRPr kumimoji="1" lang="ja-JP" altLang="en-US" sz="2000"/>
+                        </a:p>
+                      </a:txBody>
+                      <a:tcPr/>
+                    </a:tc>
+                    <a:tc gridSpan="2">
+                      <a:txBody>
+                        <a:bodyPr/>
+                        <a:lstStyle/>
+                        <a:p>
+                          <a:pPr lvl="0" algn="ctr"/>
+                          <a:r>
+                            <a:rPr kumimoji="1" lang="ja-JP" altLang="en-US" sz="2000"/>
+                            <a:t>汎用ソルバー</a:t>
+                          </a:r>
+                        </a:p>
+                      </a:txBody>
+                      <a:tcPr/>
+                    </a:tc>
+                    <a:tc hMerge="1">
+                      <a:txBody>
+                        <a:bodyPr/>
+                        <a:lstStyle/>
+                        <a:p>
+                          <a:endParaRPr kumimoji="1" lang="ja-JP" altLang="en-US" sz="2000"/>
+                        </a:p>
+                      </a:txBody>
+                      <a:tcPr/>
+                    </a:tc>
+                    <a:tc gridSpan="2">
+                      <a:txBody>
+                        <a:bodyPr/>
+                        <a:lstStyle/>
+                        <a:p>
+                          <a:pPr lvl="0" algn="ctr"/>
+                          <a:r>
+                            <a:rPr kumimoji="1" lang="ja-JP" altLang="en-US" sz="2000"/>
+                            <a:t>専用ソルバー</a:t>
+                          </a:r>
+                        </a:p>
+                      </a:txBody>
+                      <a:tcPr/>
+                    </a:tc>
+                    <a:tc hMerge="1">
+                      <a:txBody>
+                        <a:bodyPr/>
+                        <a:lstStyle/>
+                        <a:p>
+                          <a:pPr marL="0" marR="0" lvl="0" indent="0" algn="l" defTabSz="457200" rtl="0" eaLnBrk="1" fontAlgn="auto" latinLnBrk="0" hangingPunct="1">
+                            <a:lnSpc>
+                              <a:spcPct val="100000"/>
+                            </a:lnSpc>
+                            <a:spcBef>
+                              <a:spcPts val="0"/>
+                            </a:spcBef>
+                            <a:spcAft>
+                              <a:spcPts val="0"/>
+                            </a:spcAft>
+                            <a:buClrTx/>
+                            <a:buSzTx/>
+                            <a:buFontTx/>
+                            <a:buNone/>
+                            <a:tabLst/>
+                            <a:defRPr/>
+                          </a:pPr>
+                          <a:endParaRPr kumimoji="1" lang="ja-JP" altLang="en-US" sz="1800"/>
+                        </a:p>
+                      </a:txBody>
+                      <a:tcPr/>
+                    </a:tc>
+                    <a:extLst>
+                      <a:ext uri="{0D108BD9-81ED-4DB2-BD59-A6C34878D82A}">
+                        <a16:rowId xmlns:a16="http://schemas.microsoft.com/office/drawing/2014/main" val="3982216832"/>
+                      </a:ext>
+                    </a:extLst>
+                  </a:tr>
+                  <a:tr h="796992">
+                    <a:tc>
+                      <a:txBody>
+                        <a:bodyPr/>
+                        <a:lstStyle/>
+                        <a:p>
+                          <a:pPr algn="ctr"/>
+                          <a:r>
+                            <a:rPr kumimoji="1" lang="ja-JP" altLang="en-US" sz="2000"/>
+                            <a:t>注文数</a:t>
+                          </a:r>
+                        </a:p>
+                      </a:txBody>
+                      <a:tcPr/>
+                    </a:tc>
+                    <a:tc>
+                      <a:txBody>
+                        <a:bodyPr/>
+                        <a:lstStyle/>
+                        <a:p>
+                          <a:pPr algn="ctr"/>
+                          <a:r>
+                            <a:rPr kumimoji="1" lang="ja-JP" altLang="en-US" sz="2000"/>
+                            <a:t>積み地</a:t>
+                          </a:r>
+                        </a:p>
+                      </a:txBody>
+                      <a:tcPr/>
+                    </a:tc>
+                    <a:tc>
+                      <a:txBody>
+                        <a:bodyPr/>
+                        <a:lstStyle/>
+                        <a:p>
+                          <a:pPr algn="ctr"/>
+                          <a:r>
+                            <a:rPr kumimoji="1" lang="ja-JP" altLang="en-US" sz="2000"/>
+                            <a:t>揚げ地</a:t>
+                          </a:r>
+                        </a:p>
+                      </a:txBody>
+                      <a:tcPr/>
+                    </a:tc>
+                    <a:tc>
+                      <a:txBody>
+                        <a:bodyPr/>
+                        <a:lstStyle/>
+                        <a:p>
+                          <a:pPr algn="ctr"/>
+                          <a:r>
+                            <a:rPr kumimoji="1" lang="ja-JP" altLang="en-US" sz="2000"/>
+                            <a:t>解</a:t>
+                          </a:r>
+                          <a:br>
+                            <a:rPr kumimoji="1" lang="en-US" altLang="ja-JP" sz="2000" dirty="0"/>
+                          </a:br>
+                          <a:r>
+                            <a:rPr kumimoji="1" lang="en-US" altLang="ja-JP" sz="2000" dirty="0"/>
+                            <a:t>(1</a:t>
+                          </a:r>
+                          <a:r>
+                            <a:rPr kumimoji="1" lang="ja-JP" altLang="en-US" sz="2000"/>
+                            <a:t>時間</a:t>
+                          </a:r>
+                          <a:r>
+                            <a:rPr kumimoji="1" lang="en-US" altLang="ja-JP" sz="2000" dirty="0"/>
+                            <a:t>)</a:t>
+                          </a:r>
+                          <a:endParaRPr kumimoji="1" lang="ja-JP" altLang="en-US" sz="2000"/>
+                        </a:p>
+                      </a:txBody>
+                      <a:tcPr/>
+                    </a:tc>
+                    <a:tc>
+                      <a:txBody>
+                        <a:bodyPr/>
+                        <a:lstStyle/>
+                        <a:p>
+                          <a:pPr algn="ctr"/>
+                          <a:r>
+                            <a:rPr kumimoji="1" lang="ja-JP" altLang="en-US" sz="2000"/>
+                            <a:t>解</a:t>
+                          </a:r>
+                          <a:br>
+                            <a:rPr kumimoji="1" lang="en-US" altLang="ja-JP" sz="2000" dirty="0"/>
+                          </a:br>
+                          <a:r>
+                            <a:rPr kumimoji="1" lang="en-US" altLang="ja-JP" sz="2000" dirty="0"/>
+                            <a:t>(24</a:t>
+                          </a:r>
+                          <a:r>
+                            <a:rPr kumimoji="1" lang="ja-JP" altLang="en-US" sz="2000"/>
+                            <a:t>時間</a:t>
+                          </a:r>
+                          <a:r>
+                            <a:rPr kumimoji="1" lang="en-US" altLang="ja-JP" sz="2000" dirty="0"/>
+                            <a:t>)</a:t>
+                          </a:r>
+                          <a:endParaRPr kumimoji="1" lang="ja-JP" altLang="en-US" sz="2000"/>
+                        </a:p>
+                      </a:txBody>
+                      <a:tcPr/>
+                    </a:tc>
+                    <a:tc>
+                      <a:txBody>
+                        <a:bodyPr/>
+                        <a:lstStyle/>
+                        <a:p>
+                          <a:pPr marL="0" marR="0" lvl="0" indent="0" algn="ctr" defTabSz="457200" rtl="0" eaLnBrk="1" fontAlgn="auto" latinLnBrk="0" hangingPunct="1">
+                            <a:lnSpc>
+                              <a:spcPct val="100000"/>
+                            </a:lnSpc>
+                            <a:spcBef>
+                              <a:spcPts val="0"/>
+                            </a:spcBef>
+                            <a:spcAft>
+                              <a:spcPts val="0"/>
+                            </a:spcAft>
+                            <a:buClrTx/>
+                            <a:buSzTx/>
+                            <a:buFontTx/>
+                            <a:buNone/>
+                            <a:tabLst/>
+                            <a:defRPr/>
+                          </a:pPr>
+                          <a:r>
+                            <a:rPr kumimoji="1" lang="ja-JP" altLang="en-US" sz="2000"/>
+                            <a:t>解</a:t>
+                          </a:r>
+                        </a:p>
+                      </a:txBody>
+                      <a:tcPr/>
+                    </a:tc>
+                    <a:tc>
+                      <a:txBody>
+                        <a:bodyPr/>
+                        <a:lstStyle/>
+                        <a:p>
+                          <a:pPr marL="0" marR="0" lvl="0" indent="0" algn="ctr" defTabSz="457200" rtl="0" eaLnBrk="1" fontAlgn="auto" latinLnBrk="0" hangingPunct="1">
+                            <a:lnSpc>
+                              <a:spcPct val="100000"/>
+                            </a:lnSpc>
+                            <a:spcBef>
+                              <a:spcPts val="0"/>
+                            </a:spcBef>
+                            <a:spcAft>
+                              <a:spcPts val="0"/>
+                            </a:spcAft>
+                            <a:buClrTx/>
+                            <a:buSzTx/>
+                            <a:buFontTx/>
+                            <a:buNone/>
+                            <a:tabLst/>
+                            <a:defRPr/>
+                          </a:pPr>
+                          <a:r>
+                            <a:rPr kumimoji="1" lang="ja-JP" altLang="en-US" sz="1800"/>
+                            <a:t>計算時間</a:t>
+                          </a:r>
+                          <a:br>
+                            <a:rPr kumimoji="1" lang="en-US" altLang="ja-JP" sz="1800" dirty="0"/>
+                          </a:br>
+                          <a:r>
+                            <a:rPr kumimoji="1" lang="en-US" altLang="ja-JP" sz="1800" dirty="0"/>
+                            <a:t>(</a:t>
+                          </a:r>
+                          <a:r>
+                            <a:rPr kumimoji="1" lang="ja-JP" altLang="en-US" sz="1800"/>
+                            <a:t>秒</a:t>
+                          </a:r>
+                          <a:r>
+                            <a:rPr kumimoji="1" lang="en-US" altLang="ja-JP" sz="1800" dirty="0"/>
+                            <a:t>)</a:t>
+                          </a:r>
+                          <a:endParaRPr kumimoji="1" lang="ja-JP" altLang="en-US" sz="1800"/>
+                        </a:p>
+                      </a:txBody>
+                      <a:tcPr/>
+                    </a:tc>
+                    <a:extLst>
+                      <a:ext uri="{0D108BD9-81ED-4DB2-BD59-A6C34878D82A}">
+                        <a16:rowId xmlns:a16="http://schemas.microsoft.com/office/drawing/2014/main" val="3667031896"/>
+                      </a:ext>
+                    </a:extLst>
+                  </a:tr>
+                  <a:tr h="497249">
+                    <a:tc>
+                      <a:txBody>
+                        <a:bodyPr/>
+                        <a:lstStyle/>
+                        <a:p>
+                          <a:pPr algn="ctr"/>
+                          <a:r>
+                            <a:rPr kumimoji="1" lang="en-US" altLang="ja-JP" sz="2000"/>
+                            <a:t>109</a:t>
+                          </a:r>
+                          <a:endParaRPr kumimoji="1" lang="ja-JP" altLang="en-US" sz="2000"/>
+                        </a:p>
+                      </a:txBody>
+                      <a:tcPr/>
+                    </a:tc>
+                    <a:tc>
+                      <a:txBody>
+                        <a:bodyPr/>
+                        <a:lstStyle/>
+                        <a:p>
+                          <a:pPr algn="ctr"/>
+                          <a:r>
+                            <a:rPr kumimoji="1" lang="en-US" altLang="ja-JP" sz="2000" dirty="0"/>
+                            <a:t>2</a:t>
+                          </a:r>
+                          <a:endParaRPr kumimoji="1" lang="ja-JP" altLang="en-US" sz="2000"/>
+                        </a:p>
+                      </a:txBody>
+                      <a:tcPr/>
+                    </a:tc>
+                    <a:tc>
+                      <a:txBody>
+                        <a:bodyPr/>
+                        <a:lstStyle/>
+                        <a:p>
+                          <a:pPr algn="ctr"/>
+                          <a:r>
+                            <a:rPr kumimoji="1" lang="en-US" altLang="ja-JP" sz="2000" dirty="0"/>
+                            <a:t>3</a:t>
+                          </a:r>
+                          <a:endParaRPr kumimoji="1" lang="ja-JP" altLang="en-US" sz="2000"/>
+                        </a:p>
+                      </a:txBody>
+                      <a:tcPr/>
+                    </a:tc>
+                    <a:tc>
+                      <a:txBody>
+                        <a:bodyPr/>
+                        <a:lstStyle/>
+                        <a:p>
+                          <a:endParaRPr lang="ja-JP"/>
+                        </a:p>
+                      </a:txBody>
+                      <a:tcPr>
+                        <a:blipFill>
+                          <a:blip r:embed="rId2"/>
+                          <a:stretch>
+                            <a:fillRect l="-233645" t="-305128" r="-285981" b="-305128"/>
+                          </a:stretch>
+                        </a:blipFill>
+                      </a:tcPr>
+                    </a:tc>
+                    <a:tc>
+                      <a:txBody>
+                        <a:bodyPr/>
+                        <a:lstStyle/>
+                        <a:p>
+                          <a:endParaRPr lang="ja-JP"/>
+                        </a:p>
+                      </a:txBody>
+                      <a:tcPr>
+                        <a:blipFill>
+                          <a:blip r:embed="rId2"/>
+                          <a:stretch>
+                            <a:fillRect l="-343269" t="-305128" r="-194231" b="-305128"/>
+                          </a:stretch>
+                        </a:blipFill>
+                      </a:tcPr>
+                    </a:tc>
+                    <a:tc>
+                      <a:txBody>
+                        <a:bodyPr/>
+                        <a:lstStyle/>
+                        <a:p>
+                          <a:endParaRPr lang="ja-JP"/>
+                        </a:p>
+                      </a:txBody>
+                      <a:tcPr>
+                        <a:blipFill>
+                          <a:blip r:embed="rId2"/>
+                          <a:stretch>
+                            <a:fillRect l="-506593" t="-305128" r="-121978" b="-305128"/>
+                          </a:stretch>
+                        </a:blipFill>
+                      </a:tcPr>
+                    </a:tc>
+                    <a:tc>
+                      <a:txBody>
+                        <a:bodyPr/>
+                        <a:lstStyle/>
+                        <a:p>
+                          <a:pPr algn="ctr"/>
+                          <a:r>
+                            <a:rPr kumimoji="1" lang="en-US" altLang="ja-JP" sz="2000" dirty="0"/>
+                            <a:t>776</a:t>
+                          </a:r>
+                          <a:endParaRPr kumimoji="1" lang="ja-JP" altLang="en-US" sz="2000"/>
+                        </a:p>
+                      </a:txBody>
+                      <a:tcPr/>
+                    </a:tc>
+                    <a:extLst>
+                      <a:ext uri="{0D108BD9-81ED-4DB2-BD59-A6C34878D82A}">
+                        <a16:rowId xmlns:a16="http://schemas.microsoft.com/office/drawing/2014/main" val="2690316513"/>
+                      </a:ext>
+                    </a:extLst>
+                  </a:tr>
+                  <a:tr h="497249">
+                    <a:tc>
+                      <a:txBody>
+                        <a:bodyPr/>
+                        <a:lstStyle/>
+                        <a:p>
+                          <a:pPr algn="ctr"/>
+                          <a:r>
+                            <a:rPr kumimoji="1" lang="en-US" altLang="ja-JP" sz="2000"/>
+                            <a:t>109</a:t>
+                          </a:r>
+                          <a:endParaRPr kumimoji="1" lang="ja-JP" altLang="en-US" sz="2000"/>
+                        </a:p>
+                      </a:txBody>
+                      <a:tcPr/>
+                    </a:tc>
+                    <a:tc>
+                      <a:txBody>
+                        <a:bodyPr/>
+                        <a:lstStyle/>
+                        <a:p>
+                          <a:pPr algn="ctr"/>
+                          <a:r>
+                            <a:rPr kumimoji="1" lang="en-US" altLang="ja-JP" sz="2000" dirty="0"/>
+                            <a:t>2</a:t>
+                          </a:r>
+                          <a:endParaRPr kumimoji="1" lang="ja-JP" altLang="en-US" sz="2000"/>
+                        </a:p>
+                      </a:txBody>
+                      <a:tcPr/>
+                    </a:tc>
+                    <a:tc>
+                      <a:txBody>
+                        <a:bodyPr/>
+                        <a:lstStyle/>
+                        <a:p>
+                          <a:pPr algn="ctr"/>
+                          <a:r>
+                            <a:rPr kumimoji="1" lang="en-US" altLang="ja-JP" sz="2000" dirty="0"/>
+                            <a:t>5</a:t>
+                          </a:r>
+                          <a:endParaRPr kumimoji="1" lang="ja-JP" altLang="en-US" sz="2000"/>
+                        </a:p>
+                      </a:txBody>
+                      <a:tcPr/>
+                    </a:tc>
+                    <a:tc>
+                      <a:txBody>
+                        <a:bodyPr/>
+                        <a:lstStyle/>
+                        <a:p>
+                          <a:endParaRPr lang="ja-JP"/>
+                        </a:p>
+                      </a:txBody>
+                      <a:tcPr>
+                        <a:blipFill>
+                          <a:blip r:embed="rId2"/>
+                          <a:stretch>
+                            <a:fillRect l="-233645" t="-405128" r="-285981" b="-205128"/>
+                          </a:stretch>
+                        </a:blipFill>
+                      </a:tcPr>
+                    </a:tc>
+                    <a:tc>
+                      <a:txBody>
+                        <a:bodyPr/>
+                        <a:lstStyle/>
+                        <a:p>
+                          <a:endParaRPr lang="ja-JP"/>
+                        </a:p>
+                      </a:txBody>
+                      <a:tcPr>
+                        <a:blipFill>
+                          <a:blip r:embed="rId2"/>
+                          <a:stretch>
+                            <a:fillRect l="-343269" t="-405128" r="-194231" b="-205128"/>
+                          </a:stretch>
+                        </a:blipFill>
+                      </a:tcPr>
+                    </a:tc>
+                    <a:tc>
+                      <a:txBody>
+                        <a:bodyPr/>
+                        <a:lstStyle/>
+                        <a:p>
+                          <a:endParaRPr lang="ja-JP"/>
+                        </a:p>
+                      </a:txBody>
+                      <a:tcPr>
+                        <a:blipFill>
+                          <a:blip r:embed="rId2"/>
+                          <a:stretch>
+                            <a:fillRect l="-506593" t="-405128" r="-121978" b="-205128"/>
+                          </a:stretch>
+                        </a:blipFill>
+                      </a:tcPr>
+                    </a:tc>
+                    <a:tc>
+                      <a:txBody>
+                        <a:bodyPr/>
+                        <a:lstStyle/>
+                        <a:p>
+                          <a:pPr algn="ctr"/>
+                          <a:r>
+                            <a:rPr kumimoji="1" lang="en-US" altLang="ja-JP" sz="2000" dirty="0"/>
+                            <a:t>2650</a:t>
+                          </a:r>
+                          <a:endParaRPr kumimoji="1" lang="ja-JP" altLang="en-US" sz="2000"/>
+                        </a:p>
+                      </a:txBody>
+                      <a:tcPr/>
+                    </a:tc>
+                    <a:extLst>
+                      <a:ext uri="{0D108BD9-81ED-4DB2-BD59-A6C34878D82A}">
+                        <a16:rowId xmlns:a16="http://schemas.microsoft.com/office/drawing/2014/main" val="323683789"/>
+                      </a:ext>
+                    </a:extLst>
+                  </a:tr>
+                  <a:tr h="497249">
+                    <a:tc>
+                      <a:txBody>
+                        <a:bodyPr/>
+                        <a:lstStyle/>
+                        <a:p>
+                          <a:pPr algn="ctr"/>
+                          <a:r>
+                            <a:rPr kumimoji="1" lang="en-US" altLang="ja-JP" sz="2000"/>
+                            <a:t>109</a:t>
+                          </a:r>
+                          <a:endParaRPr kumimoji="1" lang="ja-JP" altLang="en-US" sz="2000"/>
+                        </a:p>
+                      </a:txBody>
+                      <a:tcPr/>
+                    </a:tc>
+                    <a:tc>
+                      <a:txBody>
+                        <a:bodyPr/>
+                        <a:lstStyle/>
+                        <a:p>
+                          <a:pPr algn="ctr"/>
+                          <a:r>
+                            <a:rPr kumimoji="1" lang="en-US" altLang="ja-JP" sz="2000" dirty="0"/>
+                            <a:t>4</a:t>
+                          </a:r>
+                          <a:endParaRPr kumimoji="1" lang="ja-JP" altLang="en-US" sz="2000"/>
+                        </a:p>
+                      </a:txBody>
+                      <a:tcPr/>
+                    </a:tc>
+                    <a:tc>
+                      <a:txBody>
+                        <a:bodyPr/>
+                        <a:lstStyle/>
+                        <a:p>
+                          <a:pPr algn="ctr"/>
+                          <a:r>
+                            <a:rPr kumimoji="1" lang="en-US" altLang="ja-JP" sz="2000" dirty="0"/>
+                            <a:t>3</a:t>
+                          </a:r>
+                          <a:endParaRPr kumimoji="1" lang="ja-JP" altLang="en-US" sz="2000"/>
+                        </a:p>
+                      </a:txBody>
+                      <a:tcPr/>
+                    </a:tc>
+                    <a:tc>
+                      <a:txBody>
+                        <a:bodyPr/>
+                        <a:lstStyle/>
+                        <a:p>
+                          <a:pPr algn="ctr"/>
+                          <a:r>
+                            <a:rPr kumimoji="1" lang="en-US" altLang="ja-JP" sz="2000" dirty="0"/>
+                            <a:t>1240</a:t>
+                          </a:r>
+                          <a:endParaRPr kumimoji="1" lang="ja-JP" altLang="en-US" sz="2000"/>
+                        </a:p>
+                      </a:txBody>
+                      <a:tcPr/>
+                    </a:tc>
+                    <a:tc>
+                      <a:txBody>
+                        <a:bodyPr/>
+                        <a:lstStyle/>
+                        <a:p>
+                          <a:endParaRPr lang="ja-JP"/>
+                        </a:p>
+                      </a:txBody>
+                      <a:tcPr>
+                        <a:blipFill>
+                          <a:blip r:embed="rId2"/>
+                          <a:stretch>
+                            <a:fillRect l="-343269" t="-492500" r="-194231" b="-100000"/>
+                          </a:stretch>
+                        </a:blipFill>
+                      </a:tcPr>
+                    </a:tc>
+                    <a:tc>
+                      <a:txBody>
+                        <a:bodyPr/>
+                        <a:lstStyle/>
+                        <a:p>
+                          <a:endParaRPr lang="ja-JP"/>
+                        </a:p>
+                      </a:txBody>
+                      <a:tcPr>
+                        <a:blipFill>
+                          <a:blip r:embed="rId2"/>
+                          <a:stretch>
+                            <a:fillRect l="-506593" t="-492500" r="-121978" b="-100000"/>
+                          </a:stretch>
+                        </a:blipFill>
+                      </a:tcPr>
+                    </a:tc>
+                    <a:tc>
+                      <a:txBody>
+                        <a:bodyPr/>
+                        <a:lstStyle/>
+                        <a:p>
+                          <a:pPr algn="ctr"/>
+                          <a:r>
+                            <a:rPr kumimoji="1" lang="en-US" altLang="ja-JP" sz="2000" dirty="0"/>
+                            <a:t>3009</a:t>
+                          </a:r>
+                          <a:endParaRPr kumimoji="1" lang="ja-JP" altLang="en-US" sz="2000"/>
+                        </a:p>
+                      </a:txBody>
+                      <a:tcPr/>
+                    </a:tc>
+                    <a:extLst>
+                      <a:ext uri="{0D108BD9-81ED-4DB2-BD59-A6C34878D82A}">
+                        <a16:rowId xmlns:a16="http://schemas.microsoft.com/office/drawing/2014/main" val="1536353699"/>
+                      </a:ext>
+                    </a:extLst>
+                  </a:tr>
+                  <a:tr h="497249">
+                    <a:tc>
+                      <a:txBody>
+                        <a:bodyPr/>
+                        <a:lstStyle/>
+                        <a:p>
+                          <a:pPr algn="ctr"/>
+                          <a:r>
+                            <a:rPr kumimoji="1" lang="en-US" altLang="ja-JP" sz="2000" dirty="0"/>
+                            <a:t>250</a:t>
+                          </a:r>
+                          <a:endParaRPr kumimoji="1" lang="ja-JP" altLang="en-US" sz="2000"/>
+                        </a:p>
+                      </a:txBody>
+                      <a:tcPr/>
+                    </a:tc>
+                    <a:tc>
+                      <a:txBody>
+                        <a:bodyPr/>
+                        <a:lstStyle/>
+                        <a:p>
+                          <a:pPr algn="ctr"/>
+                          <a:r>
+                            <a:rPr kumimoji="1" lang="en-US" altLang="ja-JP" sz="2000" dirty="0"/>
+                            <a:t>2</a:t>
+                          </a:r>
+                          <a:endParaRPr kumimoji="1" lang="ja-JP" altLang="en-US" sz="2000"/>
+                        </a:p>
+                      </a:txBody>
+                      <a:tcPr/>
+                    </a:tc>
+                    <a:tc>
+                      <a:txBody>
+                        <a:bodyPr/>
+                        <a:lstStyle/>
+                        <a:p>
+                          <a:pPr algn="ctr"/>
+                          <a:r>
+                            <a:rPr kumimoji="1" lang="en-US" altLang="ja-JP" sz="2000" dirty="0"/>
+                            <a:t>3</a:t>
+                          </a:r>
+                          <a:endParaRPr kumimoji="1" lang="ja-JP" altLang="en-US" sz="2000"/>
+                        </a:p>
+                      </a:txBody>
+                      <a:tcPr/>
+                    </a:tc>
+                    <a:tc>
+                      <a:txBody>
+                        <a:bodyPr/>
+                        <a:lstStyle/>
+                        <a:p>
+                          <a:pPr algn="ctr"/>
+                          <a:r>
+                            <a:rPr kumimoji="1" lang="ja-JP" altLang="en-US" sz="2000"/>
+                            <a:t>解が出ず</a:t>
+                          </a:r>
+                        </a:p>
+                      </a:txBody>
+                      <a:tcPr/>
+                    </a:tc>
+                    <a:tc>
+                      <a:txBody>
+                        <a:bodyPr/>
+                        <a:lstStyle/>
+                        <a:p>
+                          <a:endParaRPr lang="ja-JP"/>
+                        </a:p>
+                      </a:txBody>
+                      <a:tcPr>
+                        <a:blipFill>
+                          <a:blip r:embed="rId2"/>
+                          <a:stretch>
+                            <a:fillRect l="-343269" t="-607692" r="-194231" b="-2564"/>
+                          </a:stretch>
+                        </a:blipFill>
+                      </a:tcPr>
+                    </a:tc>
+                    <a:tc>
+                      <a:txBody>
+                        <a:bodyPr/>
+                        <a:lstStyle/>
+                        <a:p>
+                          <a:endParaRPr lang="ja-JP"/>
+                        </a:p>
+                      </a:txBody>
+                      <a:tcPr>
+                        <a:blipFill>
+                          <a:blip r:embed="rId2"/>
+                          <a:stretch>
+                            <a:fillRect l="-506593" t="-607692" r="-121978" b="-2564"/>
+                          </a:stretch>
+                        </a:blipFill>
+                      </a:tcPr>
+                    </a:tc>
+                    <a:tc>
+                      <a:txBody>
+                        <a:bodyPr/>
+                        <a:lstStyle/>
+                        <a:p>
+                          <a:pPr algn="ctr"/>
+                          <a:r>
+                            <a:rPr kumimoji="1" lang="en-US" altLang="ja-JP" sz="2000" dirty="0"/>
+                            <a:t>1605</a:t>
+                          </a:r>
+                          <a:endParaRPr kumimoji="1" lang="ja-JP" altLang="en-US" sz="2000"/>
+                        </a:p>
+                      </a:txBody>
+                      <a:tcPr/>
+                    </a:tc>
+                    <a:extLst>
+                      <a:ext uri="{0D108BD9-81ED-4DB2-BD59-A6C34878D82A}">
+                        <a16:rowId xmlns:a16="http://schemas.microsoft.com/office/drawing/2014/main" val="342577522"/>
+                      </a:ext>
+                    </a:extLst>
+                  </a:tr>
+                </a:tbl>
+              </a:graphicData>
+            </a:graphic>
+          </p:graphicFrame>
+        </mc:Fallback>
+      </mc:AlternateContent>
+      <p:sp>
+        <p:nvSpPr>
+          <p:cNvPr id="5" name="スライド番号プレースホルダー 4">
             <a:extLst>
               <a:ext uri="{FF2B5EF4-FFF2-40B4-BE49-F238E27FC236}">
-                <a16:creationId xmlns:a16="http://schemas.microsoft.com/office/drawing/2014/main" id="{8292E3F3-5EB3-2C4D-8EDE-CAFBD42226EA}"/>
+                <a16:creationId xmlns:a16="http://schemas.microsoft.com/office/drawing/2014/main" id="{6DCFEB65-A00A-354F-964D-A6B53EE89E4F}"/>
               </a:ext>
             </a:extLst>
           </p:cNvPr>
@@ -9355,41 +11292,26 @@
             <a:spLocks noGrp="1"/>
           </p:cNvSpPr>
           <p:nvPr>
-            <p:ph idx="1"/>
+            <p:ph type="sldNum" sz="quarter" idx="12"/>
           </p:nvPr>
         </p:nvSpPr>
         <p:spPr/>
         <p:txBody>
-          <a:bodyPr>
-            <a:normAutofit/>
-          </a:bodyPr>
+          <a:bodyPr/>
           <a:lstStyle/>
           <a:p>
-            <a:pPr marL="0" indent="0">
-              <a:buNone/>
-            </a:pPr>
-            <a:r>
-              <a:rPr kumimoji="1" lang="ja-JP" altLang="en-US" sz="2400"/>
-              <a:t>解の探索の序盤</a:t>
-            </a:r>
-            <a:r>
-              <a:rPr lang="en-US" altLang="ja-JP" sz="2400" dirty="0"/>
-              <a:t>: </a:t>
-            </a:r>
-            <a:endParaRPr kumimoji="1" lang="en-US" altLang="ja-JP" sz="2400" dirty="0"/>
-          </a:p>
-          <a:p>
-            <a:pPr marL="0" indent="0">
-              <a:buNone/>
-            </a:pPr>
-            <a:endParaRPr kumimoji="1" lang="ja-JP" altLang="en-US" sz="2400"/>
+            <a:fld id="{1413D9FB-836C-864C-8E5A-36E5384B9725}" type="slidenum">
+              <a:rPr kumimoji="1" lang="ja-JP" altLang="en-US" smtClean="0"/>
+              <a:t>15</a:t>
+            </a:fld>
+            <a:endParaRPr kumimoji="1" lang="ja-JP" altLang="en-US"/>
           </a:p>
         </p:txBody>
       </p:sp>
     </p:spTree>
     <p:extLst>
       <p:ext uri="{BB962C8B-B14F-4D97-AF65-F5344CB8AC3E}">
-        <p14:creationId xmlns:p14="http://schemas.microsoft.com/office/powerpoint/2010/main" val="1084531527"/>
+        <p14:creationId xmlns:p14="http://schemas.microsoft.com/office/powerpoint/2010/main" val="3465650197"/>
       </p:ext>
     </p:extLst>
   </p:cSld>
@@ -9421,7 +11343,7 @@
           <p:cNvPr id="2" name="タイトル 1">
             <a:extLst>
               <a:ext uri="{FF2B5EF4-FFF2-40B4-BE49-F238E27FC236}">
-                <a16:creationId xmlns:a16="http://schemas.microsoft.com/office/drawing/2014/main" id="{79C1E5F6-849F-3D41-9668-19C8692347B1}"/>
+                <a16:creationId xmlns:a16="http://schemas.microsoft.com/office/drawing/2014/main" id="{DEE1382F-7C3A-ED42-BF42-F67C6FDD723E}"/>
               </a:ext>
             </a:extLst>
           </p:cNvPr>
@@ -9432,154 +11354,132 @@
             <p:ph type="title"/>
           </p:nvPr>
         </p:nvSpPr>
+        <p:spPr/>
+        <p:txBody>
+          <a:bodyPr/>
+          <a:lstStyle/>
+          <a:p>
+            <a:r>
+              <a:rPr kumimoji="1" lang="ja-JP" altLang="en-US"/>
+              <a:t>汎用ソルバーと専用ソルバーの比較</a:t>
+            </a:r>
+          </a:p>
+        </p:txBody>
+      </p:sp>
+      <p:sp>
+        <p:nvSpPr>
+          <p:cNvPr id="3" name="コンテンツ プレースホルダー 2">
+            <a:extLst>
+              <a:ext uri="{FF2B5EF4-FFF2-40B4-BE49-F238E27FC236}">
+                <a16:creationId xmlns:a16="http://schemas.microsoft.com/office/drawing/2014/main" id="{66603910-061F-6749-9222-2B4D5E499E0D}"/>
+              </a:ext>
+            </a:extLst>
+          </p:cNvPr>
+          <p:cNvSpPr>
+            <a:spLocks noGrp="1"/>
+          </p:cNvSpPr>
+          <p:nvPr>
+            <p:ph idx="1"/>
+          </p:nvPr>
+        </p:nvSpPr>
         <p:spPr>
           <a:xfrm>
-            <a:off x="2592925" y="624110"/>
-            <a:ext cx="8911687" cy="733635"/>
+            <a:off x="1981200" y="2133600"/>
+            <a:ext cx="9523412" cy="4170218"/>
           </a:xfrm>
         </p:spPr>
         <p:txBody>
-          <a:bodyPr/>
-          <a:lstStyle/>
-          <a:p>
-            <a:endParaRPr kumimoji="1" lang="ja-JP" altLang="en-US"/>
-          </a:p>
-        </p:txBody>
-      </p:sp>
-      <p:pic>
-        <p:nvPicPr>
-          <p:cNvPr id="5" name="コンテンツ プレースホルダー 4">
-            <a:extLst>
-              <a:ext uri="{FF2B5EF4-FFF2-40B4-BE49-F238E27FC236}">
-                <a16:creationId xmlns:a16="http://schemas.microsoft.com/office/drawing/2014/main" id="{F4D273D9-8442-344A-80C8-8A049DE28D5D}"/>
-              </a:ext>
-            </a:extLst>
-          </p:cNvPr>
-          <p:cNvPicPr>
-            <a:picLocks noGrp="1" noChangeAspect="1"/>
-          </p:cNvPicPr>
-          <p:nvPr>
-            <p:ph idx="1"/>
-          </p:nvPr>
-        </p:nvPicPr>
-        <p:blipFill>
-          <a:blip r:embed="rId2"/>
-          <a:stretch>
-            <a:fillRect/>
-          </a:stretch>
-        </p:blipFill>
-        <p:spPr>
-          <a:xfrm>
-            <a:off x="1436275" y="2438400"/>
-            <a:ext cx="4645871" cy="3819814"/>
-          </a:xfrm>
-        </p:spPr>
-      </p:pic>
-      <p:pic>
-        <p:nvPicPr>
-          <p:cNvPr id="7" name="図 6">
-            <a:extLst>
-              <a:ext uri="{FF2B5EF4-FFF2-40B4-BE49-F238E27FC236}">
-                <a16:creationId xmlns:a16="http://schemas.microsoft.com/office/drawing/2014/main" id="{B1BCD1B4-59B3-1A42-89BB-E8FC2AE84BE3}"/>
-              </a:ext>
-            </a:extLst>
-          </p:cNvPr>
-          <p:cNvPicPr>
-            <a:picLocks noChangeAspect="1"/>
-          </p:cNvPicPr>
-          <p:nvPr/>
-        </p:nvPicPr>
-        <p:blipFill>
-          <a:blip r:embed="rId3"/>
-          <a:stretch>
-            <a:fillRect/>
-          </a:stretch>
-        </p:blipFill>
-        <p:spPr>
-          <a:xfrm>
-            <a:off x="6858742" y="2438400"/>
-            <a:ext cx="4645870" cy="3819814"/>
-          </a:xfrm>
-          <a:prstGeom prst="rect">
-            <a:avLst/>
-          </a:prstGeom>
-        </p:spPr>
-      </p:pic>
-      <p:sp>
-        <p:nvSpPr>
-          <p:cNvPr id="8" name="テキスト ボックス 7">
-            <a:extLst>
-              <a:ext uri="{FF2B5EF4-FFF2-40B4-BE49-F238E27FC236}">
-                <a16:creationId xmlns:a16="http://schemas.microsoft.com/office/drawing/2014/main" id="{0D01E0E1-0607-D84F-B139-157AD52E9275}"/>
-              </a:ext>
-            </a:extLst>
-          </p:cNvPr>
-          <p:cNvSpPr txBox="1"/>
-          <p:nvPr/>
-        </p:nvSpPr>
-        <p:spPr>
-          <a:xfrm>
-            <a:off x="3191173" y="1782679"/>
-            <a:ext cx="1136073" cy="461665"/>
-          </a:xfrm>
-          <a:prstGeom prst="rect">
-            <a:avLst/>
-          </a:prstGeom>
-          <a:noFill/>
-        </p:spPr>
-        <p:txBody>
-          <a:bodyPr wrap="square" rtlCol="0">
-            <a:spAutoFit/>
+          <a:bodyPr>
+            <a:normAutofit/>
           </a:bodyPr>
           <a:lstStyle/>
           <a:p>
             <a:r>
               <a:rPr kumimoji="1" lang="ja-JP" altLang="en-US" sz="2400"/>
-              <a:t>積み地</a:t>
-            </a:r>
-          </a:p>
-        </p:txBody>
-      </p:sp>
-      <p:sp>
-        <p:nvSpPr>
-          <p:cNvPr id="9" name="テキスト ボックス 8">
-            <a:extLst>
-              <a:ext uri="{FF2B5EF4-FFF2-40B4-BE49-F238E27FC236}">
-                <a16:creationId xmlns:a16="http://schemas.microsoft.com/office/drawing/2014/main" id="{FF94A664-BD72-9948-963D-6161DAB5D248}"/>
-              </a:ext>
-            </a:extLst>
-          </p:cNvPr>
-          <p:cNvSpPr txBox="1"/>
-          <p:nvPr/>
-        </p:nvSpPr>
-        <p:spPr>
-          <a:xfrm>
-            <a:off x="8648276" y="1717964"/>
-            <a:ext cx="1146887" cy="461665"/>
-          </a:xfrm>
-          <a:prstGeom prst="rect">
-            <a:avLst/>
-          </a:prstGeom>
-          <a:noFill/>
-        </p:spPr>
-        <p:txBody>
-          <a:bodyPr wrap="square" rtlCol="0">
-            <a:spAutoFit/>
-          </a:bodyPr>
-          <a:lstStyle/>
-          <a:p>
+              <a:t>汎用ソルバーと比較して</a:t>
+            </a:r>
+            <a:r>
+              <a:rPr kumimoji="1" lang="en-US" altLang="ja-JP" sz="2400" dirty="0"/>
+              <a:t>…</a:t>
+            </a:r>
+          </a:p>
+          <a:p>
+            <a:pPr lvl="1"/>
+            <a:r>
+              <a:rPr kumimoji="1" lang="en-US" altLang="ja-JP" sz="2400" dirty="0"/>
+              <a:t>1</a:t>
+            </a:r>
+            <a:r>
+              <a:rPr kumimoji="1" lang="ja-JP" altLang="en-US" sz="2400"/>
+              <a:t>時間の結果よりも良い解が得られた</a:t>
+            </a:r>
+            <a:endParaRPr kumimoji="1" lang="en-US" altLang="ja-JP" sz="2400" dirty="0"/>
+          </a:p>
+          <a:p>
+            <a:pPr lvl="1"/>
+            <a:r>
+              <a:rPr lang="en-US" altLang="ja-JP" sz="2400" dirty="0"/>
+              <a:t>24</a:t>
+            </a:r>
             <a:r>
               <a:rPr lang="ja-JP" altLang="en-US" sz="2400"/>
-              <a:t>揚げ地</a:t>
-            </a:r>
-            <a:endParaRPr kumimoji="1" lang="ja-JP" altLang="en-US" sz="2400"/>
+              <a:t>時間の結果よりは悪い解が多い</a:t>
+            </a:r>
+            <a:endParaRPr kumimoji="1" lang="en-US" altLang="ja-JP" sz="2400" dirty="0"/>
+          </a:p>
+          <a:p>
+            <a:r>
+              <a:rPr kumimoji="1" lang="ja-JP" altLang="en-US" sz="2400"/>
+              <a:t>計算時間は大幅に短縮できている</a:t>
+            </a:r>
+            <a:endParaRPr kumimoji="1" lang="en-US" altLang="ja-JP" sz="2400" dirty="0"/>
+          </a:p>
+          <a:p>
+            <a:endParaRPr lang="en-US" altLang="ja-JP" sz="2400" dirty="0"/>
+          </a:p>
+          <a:p>
+            <a:r>
+              <a:rPr lang="ja-JP" altLang="en-US" sz="2400"/>
+              <a:t>数十分</a:t>
+            </a:r>
+            <a:r>
+              <a:rPr lang="en-US" altLang="ja-JP" sz="2400" dirty="0"/>
+              <a:t>~1</a:t>
+            </a:r>
+            <a:r>
+              <a:rPr lang="ja-JP" altLang="en-US" sz="2400"/>
+              <a:t>時間以内で解を出す際は、専用ソルバーを用いることで</a:t>
+            </a:r>
+            <a:endParaRPr lang="en-US" altLang="ja-JP" sz="2400" dirty="0"/>
+          </a:p>
+          <a:p>
+            <a:pPr lvl="1"/>
+            <a:r>
+              <a:rPr kumimoji="1" lang="ja-JP" altLang="en-US" sz="2200"/>
+              <a:t>精度の良い解を出力</a:t>
+            </a:r>
+            <a:endParaRPr kumimoji="1" lang="en-US" altLang="ja-JP" sz="2200" dirty="0"/>
+          </a:p>
+          <a:p>
+            <a:pPr lvl="1"/>
+            <a:r>
+              <a:rPr kumimoji="1" lang="ja-JP" altLang="en-US" sz="2200"/>
+              <a:t>計算時間の短縮</a:t>
+            </a:r>
+            <a:endParaRPr kumimoji="1" lang="en-US" altLang="ja-JP" sz="2200" dirty="0"/>
+          </a:p>
+          <a:p>
+            <a:pPr marL="57150" indent="0">
+              <a:buNone/>
+            </a:pPr>
+            <a:endParaRPr kumimoji="1" lang="en-US" altLang="ja-JP" sz="2400" dirty="0"/>
           </a:p>
         </p:txBody>
       </p:sp>
     </p:spTree>
     <p:extLst>
       <p:ext uri="{BB962C8B-B14F-4D97-AF65-F5344CB8AC3E}">
-        <p14:creationId xmlns:p14="http://schemas.microsoft.com/office/powerpoint/2010/main" val="881856079"/>
+        <p14:creationId xmlns:p14="http://schemas.microsoft.com/office/powerpoint/2010/main" val="2707599381"/>
       </p:ext>
     </p:extLst>
   </p:cSld>
@@ -9611,7 +11511,7 @@
           <p:cNvPr id="2" name="タイトル 1">
             <a:extLst>
               <a:ext uri="{FF2B5EF4-FFF2-40B4-BE49-F238E27FC236}">
-                <a16:creationId xmlns:a16="http://schemas.microsoft.com/office/drawing/2014/main" id="{60073449-F50B-0F44-87D3-A90996CF8803}"/>
+                <a16:creationId xmlns:a16="http://schemas.microsoft.com/office/drawing/2014/main" id="{9638D98B-7C7F-7947-BD65-BE3F3E55FF92}"/>
               </a:ext>
             </a:extLst>
           </p:cNvPr>
@@ -9629,7 +11529,7 @@
           <a:p>
             <a:r>
               <a:rPr kumimoji="1" lang="ja-JP" altLang="en-US"/>
-              <a:t>モデルについて</a:t>
+              <a:t>今後の拡張</a:t>
             </a:r>
           </a:p>
         </p:txBody>
@@ -9639,7 +11539,7 @@
           <p:cNvPr id="3" name="コンテンツ プレースホルダー 2">
             <a:extLst>
               <a:ext uri="{FF2B5EF4-FFF2-40B4-BE49-F238E27FC236}">
-                <a16:creationId xmlns:a16="http://schemas.microsoft.com/office/drawing/2014/main" id="{8C14A0A6-ACD2-3C4B-B7AF-ADD8335CCCE0}"/>
+                <a16:creationId xmlns:a16="http://schemas.microsoft.com/office/drawing/2014/main" id="{BD2F857B-6B78-4248-AB10-153012C21475}"/>
               </a:ext>
             </a:extLst>
           </p:cNvPr>
@@ -9652,8 +11552,8 @@
         </p:nvSpPr>
         <p:spPr>
           <a:xfrm>
-            <a:off x="2147455" y="1731819"/>
-            <a:ext cx="9357157" cy="4317949"/>
+            <a:off x="2341417" y="1773383"/>
+            <a:ext cx="9310255" cy="4655126"/>
           </a:xfrm>
         </p:spPr>
         <p:txBody>
@@ -9662,369 +11562,103 @@
           </a:bodyPr>
           <a:lstStyle/>
           <a:p>
-            <a:pPr marL="0" indent="0">
-              <a:buNone/>
-            </a:pPr>
-            <a:r>
-              <a:rPr lang="ja-JP" altLang="en-US" sz="2800"/>
-              <a:t>計算する際に、必ず守るべき条件が制約</a:t>
-            </a:r>
-            <a:endParaRPr kumimoji="1" lang="en-US" altLang="ja-JP" sz="2800" dirty="0"/>
-          </a:p>
-          <a:p>
-            <a:r>
-              <a:rPr kumimoji="1" lang="ja-JP" altLang="en-US" sz="2800"/>
-              <a:t>制約は</a:t>
-            </a:r>
-            <a:r>
-              <a:rPr kumimoji="1" lang="en-US" altLang="ja-JP" sz="2800" dirty="0"/>
-              <a:t>4</a:t>
-            </a:r>
-            <a:r>
-              <a:rPr lang="ja-JP" altLang="en-US" sz="2800"/>
-              <a:t>つ</a:t>
-            </a:r>
-            <a:endParaRPr kumimoji="1" lang="en-US" altLang="ja-JP" sz="2800" dirty="0"/>
-          </a:p>
-          <a:p>
-            <a:pPr marL="914400" lvl="1" indent="-457200">
-              <a:buFont typeface="+mj-lt"/>
-              <a:buAutoNum type="arabicPeriod"/>
-            </a:pPr>
+            <a:r>
+              <a:rPr kumimoji="1" lang="ja-JP" altLang="en-US" sz="2400"/>
+              <a:t>注文数が多くなると、専用ソルバーでも計算時間が長くかかってしまう</a:t>
+            </a:r>
+            <a:endParaRPr lang="en-US" altLang="ja-JP" sz="2400" dirty="0"/>
+          </a:p>
+          <a:p>
+            <a:pPr lvl="1"/>
+            <a:r>
+              <a:rPr lang="ja-JP" altLang="en-US" sz="2000"/>
+              <a:t>実行可能解が出ない場合もある</a:t>
+            </a:r>
+            <a:endParaRPr lang="en-US" altLang="ja-JP" sz="2000" dirty="0"/>
+          </a:p>
+          <a:p>
+            <a:r>
+              <a:rPr kumimoji="1" lang="ja-JP" altLang="en-US" sz="2200"/>
+              <a:t>ブッキングをあらかじめ分割して部分問題を計算することで</a:t>
+            </a:r>
+            <a:r>
+              <a:rPr lang="ja-JP" altLang="en-US" sz="2400"/>
+              <a:t>、より短い時間で計算が可能に</a:t>
+            </a:r>
+            <a:endParaRPr lang="en-US" altLang="ja-JP" sz="2400" dirty="0"/>
+          </a:p>
+          <a:p>
+            <a:pPr lvl="1"/>
             <a:r>
               <a:rPr lang="ja-JP" altLang="en-US" sz="2200"/>
-              <a:t>貨物の走行路を確保する</a:t>
-            </a:r>
-            <a:endParaRPr lang="en-US" altLang="ja-JP" sz="2200" dirty="0"/>
-          </a:p>
-          <a:p>
-            <a:pPr marL="914400" lvl="1" indent="-457200">
-              <a:buFont typeface="+mj-lt"/>
-              <a:buAutoNum type="arabicPeriod"/>
-            </a:pPr>
-            <a:r>
-              <a:rPr lang="ja-JP" altLang="en-US" sz="2200"/>
-              <a:t>船内自動車の全体荷重が閾値を超えない </a:t>
-            </a:r>
-            <a:endParaRPr lang="en-US" altLang="ja-JP" sz="2200" dirty="0"/>
-          </a:p>
-          <a:p>
-            <a:pPr marL="914400" lvl="1" indent="-457200">
-              <a:buFont typeface="+mj-lt"/>
-              <a:buAutoNum type="arabicPeriod"/>
-            </a:pPr>
-            <a:r>
-              <a:rPr lang="ja-JP" altLang="en-US" sz="2200"/>
-              <a:t>大きな注文の分割ルールを守る </a:t>
-            </a:r>
-            <a:endParaRPr lang="en-US" altLang="ja-JP" sz="2200" dirty="0"/>
-          </a:p>
-          <a:p>
-            <a:pPr marL="914400" lvl="1" indent="-457200">
-              <a:buFont typeface="+mj-lt"/>
-              <a:buAutoNum type="arabicPeriod"/>
-            </a:pPr>
-            <a:r>
-              <a:rPr lang="ja-JP" altLang="en-US" sz="2400">
-                <a:latin typeface="+mn-ea"/>
-              </a:rPr>
-              <a:t>デッドスペースをなくす</a:t>
-            </a:r>
-            <a:endParaRPr lang="en-US" altLang="ja-JP" sz="2400" dirty="0">
-              <a:latin typeface="+mn-ea"/>
-            </a:endParaRPr>
+              <a:t>例</a:t>
+            </a:r>
+            <a:r>
+              <a:rPr lang="en-US" altLang="ja-JP" sz="2200" dirty="0"/>
+              <a:t>:</a:t>
+            </a:r>
+          </a:p>
+          <a:p>
+            <a:pPr lvl="2"/>
+            <a:r>
+              <a:rPr lang="ja-JP" altLang="en-US" sz="1800"/>
+              <a:t>注文番号</a:t>
+            </a:r>
+            <a:r>
+              <a:rPr lang="en-US" altLang="ja-JP" sz="1800" dirty="0"/>
+              <a:t>1-50</a:t>
+            </a:r>
+            <a:r>
+              <a:rPr lang="ja-JP" altLang="en-US" sz="1800"/>
+              <a:t>を</a:t>
+            </a:r>
+            <a:r>
+              <a:rPr lang="en-US" altLang="ja-JP" sz="1800" dirty="0"/>
+              <a:t>1,2,3,4</a:t>
+            </a:r>
+            <a:r>
+              <a:rPr lang="ja-JP" altLang="en-US" sz="1800"/>
+              <a:t>階</a:t>
+            </a:r>
+            <a:endParaRPr lang="en-US" altLang="ja-JP" sz="1800" dirty="0"/>
+          </a:p>
+          <a:p>
+            <a:pPr lvl="2"/>
+            <a:r>
+              <a:rPr lang="ja-JP" altLang="en-US" sz="1800"/>
+              <a:t>注文番号</a:t>
+            </a:r>
+            <a:r>
+              <a:rPr lang="en-US" altLang="ja-JP" sz="1800" dirty="0"/>
+              <a:t>51-100</a:t>
+            </a:r>
+            <a:r>
+              <a:rPr lang="ja-JP" altLang="en-US" sz="1800"/>
+              <a:t>を</a:t>
+            </a:r>
+            <a:r>
+              <a:rPr lang="en-US" altLang="ja-JP" sz="1800" dirty="0"/>
+              <a:t>5,6,7,8</a:t>
+            </a:r>
+            <a:r>
+              <a:rPr lang="ja-JP" altLang="en-US" sz="1800"/>
+              <a:t>階</a:t>
+            </a:r>
+            <a:endParaRPr lang="en-US" altLang="ja-JP" sz="1800" dirty="0"/>
+          </a:p>
+          <a:p>
+            <a:r>
+              <a:rPr lang="ja-JP" altLang="en-US" sz="2400"/>
+              <a:t>デジタルアニーラではこのような分割アプローチをとっていることが予想される</a:t>
+            </a:r>
+            <a:endParaRPr lang="en-US" altLang="ja-JP" sz="2400" dirty="0"/>
           </a:p>
         </p:txBody>
       </p:sp>
     </p:spTree>
     <p:extLst>
       <p:ext uri="{BB962C8B-B14F-4D97-AF65-F5344CB8AC3E}">
-        <p14:creationId xmlns:p14="http://schemas.microsoft.com/office/powerpoint/2010/main" val="921525862"/>
-      </p:ext>
-    </p:extLst>
-  </p:cSld>
-  <p:clrMapOvr>
-    <a:masterClrMapping/>
-  </p:clrMapOvr>
-</p:sld>
-</file>
-
-<file path=ppt/slides/slide18.xml><?xml version="1.0" encoding="utf-8"?>
-<p:sld xmlns:a="http://schemas.openxmlformats.org/drawingml/2006/main" xmlns:r="http://schemas.openxmlformats.org/officeDocument/2006/relationships" xmlns:p="http://schemas.openxmlformats.org/presentationml/2006/main">
-  <p:cSld>
-    <p:spTree>
-      <p:nvGrpSpPr>
-        <p:cNvPr id="1" name=""/>
-        <p:cNvGrpSpPr/>
-        <p:nvPr/>
-      </p:nvGrpSpPr>
-      <p:grpSpPr>
-        <a:xfrm>
-          <a:off x="0" y="0"/>
-          <a:ext cx="0" cy="0"/>
-          <a:chOff x="0" y="0"/>
-          <a:chExt cx="0" cy="0"/>
-        </a:xfrm>
-      </p:grpSpPr>
-      <p:sp>
-        <p:nvSpPr>
-          <p:cNvPr id="2" name="タイトル 1">
-            <a:extLst>
-              <a:ext uri="{FF2B5EF4-FFF2-40B4-BE49-F238E27FC236}">
-                <a16:creationId xmlns:a16="http://schemas.microsoft.com/office/drawing/2014/main" id="{5149A6B0-4F52-F945-B8EA-E01CAD3AFB26}"/>
-              </a:ext>
-            </a:extLst>
-          </p:cNvPr>
-          <p:cNvSpPr>
-            <a:spLocks noGrp="1"/>
-          </p:cNvSpPr>
-          <p:nvPr>
-            <p:ph type="title"/>
-          </p:nvPr>
-        </p:nvSpPr>
-        <p:spPr/>
-        <p:txBody>
-          <a:bodyPr/>
-          <a:lstStyle/>
-          <a:p>
-            <a:r>
-              <a:rPr kumimoji="1" lang="ja-JP" altLang="en-US"/>
-              <a:t>モデルについて</a:t>
-            </a:r>
-          </a:p>
-        </p:txBody>
-      </p:sp>
-      <p:sp>
-        <p:nvSpPr>
-          <p:cNvPr id="3" name="コンテンツ プレースホルダー 2">
-            <a:extLst>
-              <a:ext uri="{FF2B5EF4-FFF2-40B4-BE49-F238E27FC236}">
-                <a16:creationId xmlns:a16="http://schemas.microsoft.com/office/drawing/2014/main" id="{40F8FEE7-4642-2E4B-A454-1E84849639FE}"/>
-              </a:ext>
-            </a:extLst>
-          </p:cNvPr>
-          <p:cNvSpPr>
-            <a:spLocks noGrp="1"/>
-          </p:cNvSpPr>
-          <p:nvPr>
-            <p:ph idx="1"/>
-          </p:nvPr>
-        </p:nvSpPr>
-        <p:spPr>
-          <a:xfrm>
-            <a:off x="1676400" y="2133600"/>
-            <a:ext cx="9828212" cy="3777622"/>
-          </a:xfrm>
-        </p:spPr>
-        <p:txBody>
-          <a:bodyPr/>
-          <a:lstStyle/>
-          <a:p>
-            <a:pPr marL="0" indent="0">
-              <a:buNone/>
-            </a:pPr>
-            <a:r>
-              <a:rPr lang="ja-JP" altLang="en-US" sz="2800"/>
-              <a:t>計算を行う際に、値を良くすることを目指すものが目的関数</a:t>
-            </a:r>
-            <a:endParaRPr lang="en-US" altLang="ja-JP" sz="2800" dirty="0"/>
-          </a:p>
-          <a:p>
-            <a:r>
-              <a:rPr lang="ja-JP" altLang="en-US" sz="2800"/>
-              <a:t>目的関数は</a:t>
-            </a:r>
-            <a:r>
-              <a:rPr lang="en-US" altLang="ja-JP" sz="2800" dirty="0"/>
-              <a:t>4</a:t>
-            </a:r>
-            <a:r>
-              <a:rPr lang="ja-JP" altLang="en-US" sz="2800"/>
-              <a:t>つ</a:t>
-            </a:r>
-            <a:endParaRPr lang="en-US" altLang="ja-JP" sz="2800" dirty="0"/>
-          </a:p>
-          <a:p>
-            <a:pPr marL="914400" lvl="1" indent="-457200">
-              <a:buFont typeface="+mj-lt"/>
-              <a:buAutoNum type="arabicPeriod"/>
-            </a:pPr>
-            <a:r>
-              <a:rPr lang="ja-JP" altLang="en-US" sz="2000">
-                <a:latin typeface="+mn-ea"/>
-              </a:rPr>
-              <a:t>一つのホールド内に複数の積み地、揚げ地の注文が入るのを減らしたい </a:t>
-            </a:r>
-          </a:p>
-          <a:p>
-            <a:pPr marL="914400" lvl="1" indent="-457200">
-              <a:buFont typeface="+mj-lt"/>
-              <a:buAutoNum type="arabicPeriod"/>
-            </a:pPr>
-            <a:r>
-              <a:rPr lang="ja-JP" altLang="en-US" sz="2000">
-                <a:latin typeface="+mn-ea"/>
-              </a:rPr>
-              <a:t>船の内部で注文の積み地と揚げ地をなるべく揃えたい</a:t>
-            </a:r>
-            <a:endParaRPr lang="en-US" altLang="ja-JP" sz="2000" dirty="0">
-              <a:latin typeface="+mn-ea"/>
-            </a:endParaRPr>
-          </a:p>
-          <a:p>
-            <a:pPr marL="914400" lvl="1" indent="-457200">
-              <a:buFont typeface="+mj-lt"/>
-              <a:buAutoNum type="arabicPeriod"/>
-            </a:pPr>
-            <a:r>
-              <a:rPr lang="ja-JP" altLang="en-US" sz="2000">
-                <a:latin typeface="+mn-ea"/>
-              </a:rPr>
-              <a:t>貨物の取り回しスペースを確保したい</a:t>
-            </a:r>
-            <a:endParaRPr lang="en-US" altLang="ja-JP" sz="2000" dirty="0">
-              <a:latin typeface="+mn-ea"/>
-            </a:endParaRPr>
-          </a:p>
-          <a:p>
-            <a:pPr marL="914400" lvl="1" indent="-457200">
-              <a:buFont typeface="+mj-lt"/>
-              <a:buAutoNum type="arabicPeriod"/>
-            </a:pPr>
-            <a:r>
-              <a:rPr lang="ja-JP" altLang="en-US" sz="2000">
-                <a:latin typeface="+mn-ea"/>
-              </a:rPr>
-              <a:t>残容量を入口付近に寄せたい </a:t>
-            </a:r>
-            <a:endParaRPr lang="en-US" altLang="ja-JP" sz="2000" dirty="0"/>
-          </a:p>
-          <a:p>
-            <a:endParaRPr kumimoji="1" lang="ja-JP" altLang="en-US"/>
-          </a:p>
-        </p:txBody>
-      </p:sp>
-    </p:spTree>
-    <p:extLst>
-      <p:ext uri="{BB962C8B-B14F-4D97-AF65-F5344CB8AC3E}">
-        <p14:creationId xmlns:p14="http://schemas.microsoft.com/office/powerpoint/2010/main" val="592960778"/>
-      </p:ext>
-    </p:extLst>
-  </p:cSld>
-  <p:clrMapOvr>
-    <a:masterClrMapping/>
-  </p:clrMapOvr>
-</p:sld>
-</file>
-
-<file path=ppt/slides/slide19.xml><?xml version="1.0" encoding="utf-8"?>
-<p:sld xmlns:a="http://schemas.openxmlformats.org/drawingml/2006/main" xmlns:r="http://schemas.openxmlformats.org/officeDocument/2006/relationships" xmlns:p="http://schemas.openxmlformats.org/presentationml/2006/main">
-  <p:cSld>
-    <p:spTree>
-      <p:nvGrpSpPr>
-        <p:cNvPr id="1" name=""/>
-        <p:cNvGrpSpPr/>
-        <p:nvPr/>
-      </p:nvGrpSpPr>
-      <p:grpSpPr>
-        <a:xfrm>
-          <a:off x="0" y="0"/>
-          <a:ext cx="0" cy="0"/>
-          <a:chOff x="0" y="0"/>
-          <a:chExt cx="0" cy="0"/>
-        </a:xfrm>
-      </p:grpSpPr>
-      <p:sp>
-        <p:nvSpPr>
-          <p:cNvPr id="2" name="タイトル 1">
-            <a:extLst>
-              <a:ext uri="{FF2B5EF4-FFF2-40B4-BE49-F238E27FC236}">
-                <a16:creationId xmlns:a16="http://schemas.microsoft.com/office/drawing/2014/main" id="{AB3E2520-AAC2-5449-BC91-178D8B6DD09E}"/>
-              </a:ext>
-            </a:extLst>
-          </p:cNvPr>
-          <p:cNvSpPr>
-            <a:spLocks noGrp="1"/>
-          </p:cNvSpPr>
-          <p:nvPr>
-            <p:ph type="title"/>
-          </p:nvPr>
-        </p:nvSpPr>
-        <p:spPr/>
-        <p:txBody>
-          <a:bodyPr/>
-          <a:lstStyle/>
-          <a:p>
-            <a:r>
-              <a:rPr kumimoji="1" lang="ja-JP" altLang="en-US"/>
-              <a:t>前回までのモデルでの問題点</a:t>
-            </a:r>
-          </a:p>
-        </p:txBody>
-      </p:sp>
-      <p:sp>
-        <p:nvSpPr>
-          <p:cNvPr id="3" name="コンテンツ プレースホルダー 2">
-            <a:extLst>
-              <a:ext uri="{FF2B5EF4-FFF2-40B4-BE49-F238E27FC236}">
-                <a16:creationId xmlns:a16="http://schemas.microsoft.com/office/drawing/2014/main" id="{D3807F1B-2CEE-BA4D-A677-4637CCD3E5CF}"/>
-              </a:ext>
-            </a:extLst>
-          </p:cNvPr>
-          <p:cNvSpPr>
-            <a:spLocks noGrp="1"/>
-          </p:cNvSpPr>
-          <p:nvPr>
-            <p:ph idx="1"/>
-          </p:nvPr>
-        </p:nvSpPr>
-        <p:spPr/>
-        <p:txBody>
-          <a:bodyPr>
-            <a:normAutofit/>
-          </a:bodyPr>
-          <a:lstStyle/>
-          <a:p>
-            <a:r>
-              <a:rPr lang="ja-JP" altLang="en-US" sz="2400"/>
-              <a:t>積み地や揚げ地の数</a:t>
-            </a:r>
-            <a:r>
-              <a:rPr lang="en-US" altLang="ja-JP" sz="2400" dirty="0"/>
-              <a:t>, </a:t>
-            </a:r>
-            <a:r>
-              <a:rPr lang="ja-JP" altLang="en-US" sz="2400"/>
-              <a:t>注文数やホールド数が増加すると、計算時間が膨大に増加することを確認</a:t>
-            </a:r>
-            <a:endParaRPr lang="en-US" altLang="ja-JP" sz="2400" dirty="0"/>
-          </a:p>
-          <a:p>
-            <a:endParaRPr lang="en-US" altLang="ja-JP" sz="2400" dirty="0"/>
-          </a:p>
-          <a:p>
-            <a:r>
-              <a:rPr lang="ja-JP" altLang="en-US" sz="2400"/>
-              <a:t>より複雑な制約を考慮しつつ解を出力するのは、現実的な計算時間では終わりそうにない</a:t>
-            </a:r>
-            <a:endParaRPr lang="en-US" altLang="ja-JP" sz="2400" dirty="0"/>
-          </a:p>
-          <a:p>
-            <a:r>
-              <a:rPr lang="ja-JP" altLang="en-US" sz="2400"/>
-              <a:t>新たなアプローチをとる必要があった</a:t>
-            </a:r>
-            <a:endParaRPr lang="en-US" altLang="ja-JP" sz="2400" dirty="0"/>
-          </a:p>
-          <a:p>
-            <a:endParaRPr lang="en-US" altLang="ja-JP" sz="2400" dirty="0"/>
-          </a:p>
-        </p:txBody>
-      </p:sp>
-    </p:spTree>
-    <p:extLst>
-      <p:ext uri="{BB962C8B-B14F-4D97-AF65-F5344CB8AC3E}">
-        <p14:creationId xmlns:p14="http://schemas.microsoft.com/office/powerpoint/2010/main" val="1664906661"/>
+        <p14:creationId xmlns:p14="http://schemas.microsoft.com/office/powerpoint/2010/main" val="308383204"/>
       </p:ext>
     </p:extLst>
   </p:cSld>
@@ -10158,589 +11792,6 @@
     <p:extLst>
       <p:ext uri="{BB962C8B-B14F-4D97-AF65-F5344CB8AC3E}">
         <p14:creationId xmlns:p14="http://schemas.microsoft.com/office/powerpoint/2010/main" val="730145668"/>
-      </p:ext>
-    </p:extLst>
-  </p:cSld>
-  <p:clrMapOvr>
-    <a:masterClrMapping/>
-  </p:clrMapOvr>
-</p:sld>
-</file>
-
-<file path=ppt/slides/slide20.xml><?xml version="1.0" encoding="utf-8"?>
-<p:sld xmlns:a="http://schemas.openxmlformats.org/drawingml/2006/main" xmlns:r="http://schemas.openxmlformats.org/officeDocument/2006/relationships" xmlns:p="http://schemas.openxmlformats.org/presentationml/2006/main">
-  <p:cSld>
-    <p:spTree>
-      <p:nvGrpSpPr>
-        <p:cNvPr id="1" name=""/>
-        <p:cNvGrpSpPr/>
-        <p:nvPr/>
-      </p:nvGrpSpPr>
-      <p:grpSpPr>
-        <a:xfrm>
-          <a:off x="0" y="0"/>
-          <a:ext cx="0" cy="0"/>
-          <a:chOff x="0" y="0"/>
-          <a:chExt cx="0" cy="0"/>
-        </a:xfrm>
-      </p:grpSpPr>
-      <p:sp>
-        <p:nvSpPr>
-          <p:cNvPr id="2" name="タイトル 1">
-            <a:extLst>
-              <a:ext uri="{FF2B5EF4-FFF2-40B4-BE49-F238E27FC236}">
-                <a16:creationId xmlns:a16="http://schemas.microsoft.com/office/drawing/2014/main" id="{D494405D-C63C-0441-9752-73B631A3D991}"/>
-              </a:ext>
-            </a:extLst>
-          </p:cNvPr>
-          <p:cNvSpPr>
-            <a:spLocks noGrp="1"/>
-          </p:cNvSpPr>
-          <p:nvPr>
-            <p:ph type="title"/>
-          </p:nvPr>
-        </p:nvSpPr>
-        <p:spPr/>
-        <p:txBody>
-          <a:bodyPr/>
-          <a:lstStyle/>
-          <a:p>
-            <a:r>
-              <a:rPr lang="en-US" altLang="ja-JP" dirty="0"/>
-              <a:t>3</a:t>
-            </a:r>
-            <a:r>
-              <a:rPr lang="ja-JP" altLang="en-US"/>
-              <a:t>月以降の取り組み</a:t>
-            </a:r>
-            <a:endParaRPr kumimoji="1" lang="ja-JP" altLang="en-US"/>
-          </a:p>
-        </p:txBody>
-      </p:sp>
-      <p:sp>
-        <p:nvSpPr>
-          <p:cNvPr id="3" name="コンテンツ プレースホルダー 2">
-            <a:extLst>
-              <a:ext uri="{FF2B5EF4-FFF2-40B4-BE49-F238E27FC236}">
-                <a16:creationId xmlns:a16="http://schemas.microsoft.com/office/drawing/2014/main" id="{81E1D8B5-9BD0-8442-B97C-A6838E468C4F}"/>
-              </a:ext>
-            </a:extLst>
-          </p:cNvPr>
-          <p:cNvSpPr>
-            <a:spLocks noGrp="1"/>
-          </p:cNvSpPr>
-          <p:nvPr>
-            <p:ph idx="1"/>
-          </p:nvPr>
-        </p:nvSpPr>
-        <p:spPr/>
-        <p:txBody>
-          <a:bodyPr/>
-          <a:lstStyle/>
-          <a:p>
-            <a:pPr marL="0" indent="0">
-              <a:buNone/>
-            </a:pPr>
-            <a:r>
-              <a:rPr lang="en-US" altLang="ja-JP" sz="2600" dirty="0"/>
-              <a:t>1. </a:t>
-            </a:r>
-            <a:r>
-              <a:rPr lang="ja-JP" altLang="en-US" sz="2600"/>
-              <a:t>席割の評価方法のヒアリング</a:t>
-            </a:r>
-            <a:endParaRPr lang="en-US" altLang="ja-JP" sz="2600" dirty="0"/>
-          </a:p>
-          <a:p>
-            <a:pPr lvl="1"/>
-            <a:r>
-              <a:rPr lang="en-US" altLang="ja-JP" sz="2200" dirty="0"/>
-              <a:t>4</a:t>
-            </a:r>
-            <a:r>
-              <a:rPr lang="ja-JP" altLang="en-US" sz="2200"/>
-              <a:t>月、</a:t>
-            </a:r>
-            <a:r>
-              <a:rPr lang="en-US" altLang="ja-JP" sz="2200" dirty="0"/>
-              <a:t>5</a:t>
-            </a:r>
-            <a:r>
-              <a:rPr lang="ja-JP" altLang="en-US" sz="2200"/>
-              <a:t>月にプランナーさんにヒアリング</a:t>
-            </a:r>
-            <a:endParaRPr lang="en-US" altLang="ja-JP" sz="2200" dirty="0"/>
-          </a:p>
-          <a:p>
-            <a:pPr lvl="1"/>
-            <a:r>
-              <a:rPr lang="ja-JP" altLang="en-US" sz="2200"/>
-              <a:t>新たな目的関数などは加えない方針</a:t>
-            </a:r>
-            <a:endParaRPr lang="en-US" altLang="ja-JP" sz="2200" dirty="0"/>
-          </a:p>
-          <a:p>
-            <a:endParaRPr lang="en-US" altLang="ja-JP" sz="2600" dirty="0"/>
-          </a:p>
-          <a:p>
-            <a:pPr marL="0" indent="0">
-              <a:buNone/>
-            </a:pPr>
-            <a:r>
-              <a:rPr lang="en-US" altLang="ja-JP" sz="2600" dirty="0"/>
-              <a:t>2. </a:t>
-            </a:r>
-            <a:r>
-              <a:rPr lang="ja-JP" altLang="en-US" sz="2600"/>
-              <a:t>大規模な問題例にも対応できるモデルの作成</a:t>
-            </a:r>
-            <a:endParaRPr lang="en-US" altLang="ja-JP" sz="2600" dirty="0"/>
-          </a:p>
-          <a:p>
-            <a:pPr lvl="1"/>
-            <a:r>
-              <a:rPr lang="ja-JP" altLang="en-US" sz="2400"/>
-              <a:t>専用ソルバーの開発</a:t>
-            </a:r>
-            <a:r>
-              <a:rPr lang="en-US" altLang="ja-JP" sz="2400" dirty="0"/>
-              <a:t>	</a:t>
-            </a:r>
-          </a:p>
-          <a:p>
-            <a:pPr lvl="1"/>
-            <a:r>
-              <a:rPr lang="en-US" altLang="ja-JP" sz="2400" dirty="0"/>
-              <a:t>6</a:t>
-            </a:r>
-            <a:r>
-              <a:rPr lang="ja-JP" altLang="en-US" sz="2400"/>
-              <a:t>月から、プログラムを</a:t>
-            </a:r>
-            <a:r>
-              <a:rPr lang="en-US" altLang="ja-JP" sz="2400" dirty="0"/>
-              <a:t>1</a:t>
-            </a:r>
-            <a:r>
-              <a:rPr lang="ja-JP" altLang="en-US" sz="2400"/>
-              <a:t>から新たに作成</a:t>
-            </a:r>
-            <a:endParaRPr lang="en-US" altLang="ja-JP" sz="2400" dirty="0"/>
-          </a:p>
-        </p:txBody>
-      </p:sp>
-    </p:spTree>
-    <p:extLst>
-      <p:ext uri="{BB962C8B-B14F-4D97-AF65-F5344CB8AC3E}">
-        <p14:creationId xmlns:p14="http://schemas.microsoft.com/office/powerpoint/2010/main" val="2813374313"/>
-      </p:ext>
-    </p:extLst>
-  </p:cSld>
-  <p:clrMapOvr>
-    <a:masterClrMapping/>
-  </p:clrMapOvr>
-</p:sld>
-</file>
-
-<file path=ppt/slides/slide21.xml><?xml version="1.0" encoding="utf-8"?>
-<p:sld xmlns:a="http://schemas.openxmlformats.org/drawingml/2006/main" xmlns:r="http://schemas.openxmlformats.org/officeDocument/2006/relationships" xmlns:p="http://schemas.openxmlformats.org/presentationml/2006/main">
-  <p:cSld>
-    <p:spTree>
-      <p:nvGrpSpPr>
-        <p:cNvPr id="1" name=""/>
-        <p:cNvGrpSpPr/>
-        <p:nvPr/>
-      </p:nvGrpSpPr>
-      <p:grpSpPr>
-        <a:xfrm>
-          <a:off x="0" y="0"/>
-          <a:ext cx="0" cy="0"/>
-          <a:chOff x="0" y="0"/>
-          <a:chExt cx="0" cy="0"/>
-        </a:xfrm>
-      </p:grpSpPr>
-      <p:sp>
-        <p:nvSpPr>
-          <p:cNvPr id="2" name="タイトル 1">
-            <a:extLst>
-              <a:ext uri="{FF2B5EF4-FFF2-40B4-BE49-F238E27FC236}">
-                <a16:creationId xmlns:a16="http://schemas.microsoft.com/office/drawing/2014/main" id="{DEE1382F-7C3A-ED42-BF42-F67C6FDD723E}"/>
-              </a:ext>
-            </a:extLst>
-          </p:cNvPr>
-          <p:cNvSpPr>
-            <a:spLocks noGrp="1"/>
-          </p:cNvSpPr>
-          <p:nvPr>
-            <p:ph type="title"/>
-          </p:nvPr>
-        </p:nvSpPr>
-        <p:spPr/>
-        <p:txBody>
-          <a:bodyPr/>
-          <a:lstStyle/>
-          <a:p>
-            <a:r>
-              <a:rPr kumimoji="1" lang="ja-JP" altLang="en-US"/>
-              <a:t>専用ソルバーの開発</a:t>
-            </a:r>
-          </a:p>
-        </p:txBody>
-      </p:sp>
-      <p:sp>
-        <p:nvSpPr>
-          <p:cNvPr id="3" name="コンテンツ プレースホルダー 2">
-            <a:extLst>
-              <a:ext uri="{FF2B5EF4-FFF2-40B4-BE49-F238E27FC236}">
-                <a16:creationId xmlns:a16="http://schemas.microsoft.com/office/drawing/2014/main" id="{66603910-061F-6749-9222-2B4D5E499E0D}"/>
-              </a:ext>
-            </a:extLst>
-          </p:cNvPr>
-          <p:cNvSpPr>
-            <a:spLocks noGrp="1"/>
-          </p:cNvSpPr>
-          <p:nvPr>
-            <p:ph idx="1"/>
-          </p:nvPr>
-        </p:nvSpPr>
-        <p:spPr/>
-        <p:txBody>
-          <a:bodyPr>
-            <a:normAutofit/>
-          </a:bodyPr>
-          <a:lstStyle/>
-          <a:p>
-            <a:r>
-              <a:rPr lang="ja-JP" altLang="en-US" sz="2400"/>
-              <a:t>以前のモデルは、数式の最適解を制限時間いっぱい探して、最も良い解を出すことを目指すモデル</a:t>
-            </a:r>
-            <a:endParaRPr lang="en-US" altLang="ja-JP" sz="2200" dirty="0"/>
-          </a:p>
-          <a:p>
-            <a:endParaRPr lang="en-US" altLang="ja-JP" sz="2400" dirty="0"/>
-          </a:p>
-          <a:p>
-            <a:r>
-              <a:rPr kumimoji="1" lang="ja-JP" altLang="en-US" sz="2400"/>
-              <a:t>新たなモデルは、ヒューリスティックを元にしたもの</a:t>
-            </a:r>
-            <a:endParaRPr kumimoji="1" lang="en-US" altLang="ja-JP" sz="2400" dirty="0"/>
-          </a:p>
-          <a:p>
-            <a:r>
-              <a:rPr kumimoji="1" lang="ja-JP" altLang="en-US" sz="2400"/>
-              <a:t>厳密な解ではなくとも、短い計算時間で精度の良い解を出すことを目指すモデル</a:t>
-            </a:r>
-            <a:endParaRPr kumimoji="1" lang="en-US" altLang="ja-JP" sz="2400" dirty="0"/>
-          </a:p>
-        </p:txBody>
-      </p:sp>
-    </p:spTree>
-    <p:extLst>
-      <p:ext uri="{BB962C8B-B14F-4D97-AF65-F5344CB8AC3E}">
-        <p14:creationId xmlns:p14="http://schemas.microsoft.com/office/powerpoint/2010/main" val="246965859"/>
-      </p:ext>
-    </p:extLst>
-  </p:cSld>
-  <p:clrMapOvr>
-    <a:masterClrMapping/>
-  </p:clrMapOvr>
-</p:sld>
-</file>
-
-<file path=ppt/slides/slide22.xml><?xml version="1.0" encoding="utf-8"?>
-<p:sld xmlns:a="http://schemas.openxmlformats.org/drawingml/2006/main" xmlns:r="http://schemas.openxmlformats.org/officeDocument/2006/relationships" xmlns:p="http://schemas.openxmlformats.org/presentationml/2006/main">
-  <p:cSld>
-    <p:spTree>
-      <p:nvGrpSpPr>
-        <p:cNvPr id="1" name=""/>
-        <p:cNvGrpSpPr/>
-        <p:nvPr/>
-      </p:nvGrpSpPr>
-      <p:grpSpPr>
-        <a:xfrm>
-          <a:off x="0" y="0"/>
-          <a:ext cx="0" cy="0"/>
-          <a:chOff x="0" y="0"/>
-          <a:chExt cx="0" cy="0"/>
-        </a:xfrm>
-      </p:grpSpPr>
-      <p:sp>
-        <p:nvSpPr>
-          <p:cNvPr id="2" name="タイトル 1">
-            <a:extLst>
-              <a:ext uri="{FF2B5EF4-FFF2-40B4-BE49-F238E27FC236}">
-                <a16:creationId xmlns:a16="http://schemas.microsoft.com/office/drawing/2014/main" id="{D2381DF8-19D0-D646-948E-EC1682994E13}"/>
-              </a:ext>
-            </a:extLst>
-          </p:cNvPr>
-          <p:cNvSpPr>
-            <a:spLocks noGrp="1"/>
-          </p:cNvSpPr>
-          <p:nvPr>
-            <p:ph type="title"/>
-          </p:nvPr>
-        </p:nvSpPr>
-        <p:spPr/>
-        <p:txBody>
-          <a:bodyPr/>
-          <a:lstStyle/>
-          <a:p>
-            <a:r>
-              <a:rPr lang="ja-JP" altLang="en-US"/>
-              <a:t>今後のロードマップ</a:t>
-            </a:r>
-            <a:endParaRPr kumimoji="1" lang="ja-JP" altLang="en-US"/>
-          </a:p>
-        </p:txBody>
-      </p:sp>
-      <p:sp>
-        <p:nvSpPr>
-          <p:cNvPr id="3" name="コンテンツ プレースホルダー 2">
-            <a:extLst>
-              <a:ext uri="{FF2B5EF4-FFF2-40B4-BE49-F238E27FC236}">
-                <a16:creationId xmlns:a16="http://schemas.microsoft.com/office/drawing/2014/main" id="{EACA2184-B43F-AB4B-8709-BF0C51BBA185}"/>
-              </a:ext>
-            </a:extLst>
-          </p:cNvPr>
-          <p:cNvSpPr>
-            <a:spLocks noGrp="1"/>
-          </p:cNvSpPr>
-          <p:nvPr>
-            <p:ph idx="1"/>
-          </p:nvPr>
-        </p:nvSpPr>
-        <p:spPr>
-          <a:xfrm>
-            <a:off x="2258291" y="2133600"/>
-            <a:ext cx="9725891" cy="3777622"/>
-          </a:xfrm>
-        </p:spPr>
-        <p:txBody>
-          <a:bodyPr/>
-          <a:lstStyle/>
-          <a:p>
-            <a:r>
-              <a:rPr lang="en-US" altLang="ja-JP" sz="2400" dirty="0"/>
-              <a:t>11,</a:t>
-            </a:r>
-            <a:r>
-              <a:rPr kumimoji="1" lang="en-US" altLang="ja-JP" sz="2400" dirty="0"/>
-              <a:t>12</a:t>
-            </a:r>
-            <a:r>
-              <a:rPr lang="ja-JP" altLang="en-US" sz="2400"/>
-              <a:t>月</a:t>
-            </a:r>
-            <a:endParaRPr lang="en-US" altLang="ja-JP" sz="2400" dirty="0"/>
-          </a:p>
-          <a:p>
-            <a:pPr lvl="1"/>
-            <a:r>
-              <a:rPr lang="ja-JP" altLang="en-US" sz="2200"/>
-              <a:t>新たな数理モデルが対応できる注文のサイズ</a:t>
-            </a:r>
-            <a:r>
-              <a:rPr lang="en-US" altLang="ja-JP" sz="2200" dirty="0"/>
-              <a:t>(</a:t>
-            </a:r>
-            <a:r>
-              <a:rPr lang="ja-JP" altLang="en-US" sz="2200"/>
-              <a:t>注文数や港の数</a:t>
-            </a:r>
-            <a:r>
-              <a:rPr lang="en-US" altLang="ja-JP" sz="2200" dirty="0"/>
-              <a:t>)</a:t>
-            </a:r>
-            <a:r>
-              <a:rPr lang="ja-JP" altLang="en-US" sz="2200"/>
-              <a:t>を調査</a:t>
-            </a:r>
-            <a:endParaRPr lang="en-US" altLang="ja-JP" dirty="0"/>
-          </a:p>
-          <a:p>
-            <a:r>
-              <a:rPr lang="en-US" altLang="ja-JP" sz="2400" dirty="0"/>
-              <a:t>1,2</a:t>
-            </a:r>
-            <a:r>
-              <a:rPr lang="ja-JP" altLang="en-US" sz="2400"/>
-              <a:t>月</a:t>
-            </a:r>
-            <a:endParaRPr lang="en-US" altLang="ja-JP" sz="2400" dirty="0"/>
-          </a:p>
-          <a:p>
-            <a:pPr lvl="1"/>
-            <a:r>
-              <a:rPr lang="ja-JP" altLang="en-US" sz="2200"/>
-              <a:t>積み地と揚げ地をまとめて席割を作成するアプローチを去年度に行なっていた</a:t>
-            </a:r>
-            <a:endParaRPr lang="en-US" altLang="ja-JP" sz="2200" dirty="0"/>
-          </a:p>
-          <a:p>
-            <a:pPr lvl="1"/>
-            <a:r>
-              <a:rPr lang="ja-JP" altLang="en-US" sz="2200"/>
-              <a:t>そのアプローチで得た席割を、専用ソルバーに組み込む実装を行う</a:t>
-            </a:r>
-            <a:endParaRPr lang="en-US" altLang="ja-JP" sz="2200" dirty="0"/>
-          </a:p>
-          <a:p>
-            <a:r>
-              <a:rPr lang="en-US" altLang="ja-JP" sz="2400" dirty="0"/>
-              <a:t>3</a:t>
-            </a:r>
-            <a:r>
-              <a:rPr lang="ja-JP" altLang="en-US" sz="2400"/>
-              <a:t>月</a:t>
-            </a:r>
-            <a:endParaRPr lang="en-US" altLang="ja-JP" sz="2400" dirty="0"/>
-          </a:p>
-          <a:p>
-            <a:pPr lvl="1"/>
-            <a:r>
-              <a:rPr lang="ja-JP" altLang="en-US" sz="2000"/>
-              <a:t>汎用ソルバーと専用ソルバーでの解の精度や計算時間の比較を報告予定</a:t>
-            </a:r>
-            <a:endParaRPr lang="en-US" altLang="ja-JP" sz="2000" dirty="0"/>
-          </a:p>
-          <a:p>
-            <a:pPr lvl="1"/>
-            <a:endParaRPr lang="en-US" altLang="ja-JP" dirty="0"/>
-          </a:p>
-        </p:txBody>
-      </p:sp>
-    </p:spTree>
-    <p:extLst>
-      <p:ext uri="{BB962C8B-B14F-4D97-AF65-F5344CB8AC3E}">
-        <p14:creationId xmlns:p14="http://schemas.microsoft.com/office/powerpoint/2010/main" val="984134149"/>
-      </p:ext>
-    </p:extLst>
-  </p:cSld>
-  <p:clrMapOvr>
-    <a:masterClrMapping/>
-  </p:clrMapOvr>
-</p:sld>
-</file>
-
-<file path=ppt/slides/slide23.xml><?xml version="1.0" encoding="utf-8"?>
-<p:sld xmlns:a="http://schemas.openxmlformats.org/drawingml/2006/main" xmlns:r="http://schemas.openxmlformats.org/officeDocument/2006/relationships" xmlns:p="http://schemas.openxmlformats.org/presentationml/2006/main">
-  <p:cSld>
-    <p:spTree>
-      <p:nvGrpSpPr>
-        <p:cNvPr id="1" name=""/>
-        <p:cNvGrpSpPr/>
-        <p:nvPr/>
-      </p:nvGrpSpPr>
-      <p:grpSpPr>
-        <a:xfrm>
-          <a:off x="0" y="0"/>
-          <a:ext cx="0" cy="0"/>
-          <a:chOff x="0" y="0"/>
-          <a:chExt cx="0" cy="0"/>
-        </a:xfrm>
-      </p:grpSpPr>
-      <p:sp>
-        <p:nvSpPr>
-          <p:cNvPr id="2" name="タイトル 1">
-            <a:extLst>
-              <a:ext uri="{FF2B5EF4-FFF2-40B4-BE49-F238E27FC236}">
-                <a16:creationId xmlns:a16="http://schemas.microsoft.com/office/drawing/2014/main" id="{998638B1-9433-5F40-BCAE-38CF7122BC9E}"/>
-              </a:ext>
-            </a:extLst>
-          </p:cNvPr>
-          <p:cNvSpPr>
-            <a:spLocks noGrp="1"/>
-          </p:cNvSpPr>
-          <p:nvPr>
-            <p:ph type="title"/>
-          </p:nvPr>
-        </p:nvSpPr>
-        <p:spPr/>
-        <p:txBody>
-          <a:bodyPr/>
-          <a:lstStyle/>
-          <a:p>
-            <a:r>
-              <a:rPr kumimoji="1" lang="ja-JP" altLang="en-US"/>
-              <a:t>協力をお願いしたい点</a:t>
-            </a:r>
-          </a:p>
-        </p:txBody>
-      </p:sp>
-      <p:sp>
-        <p:nvSpPr>
-          <p:cNvPr id="3" name="コンテンツ プレースホルダー 2">
-            <a:extLst>
-              <a:ext uri="{FF2B5EF4-FFF2-40B4-BE49-F238E27FC236}">
-                <a16:creationId xmlns:a16="http://schemas.microsoft.com/office/drawing/2014/main" id="{A21887DA-502F-D146-8AD4-C8D53BF8EA52}"/>
-              </a:ext>
-            </a:extLst>
-          </p:cNvPr>
-          <p:cNvSpPr>
-            <a:spLocks noGrp="1"/>
-          </p:cNvSpPr>
-          <p:nvPr>
-            <p:ph idx="1"/>
-          </p:nvPr>
-        </p:nvSpPr>
-        <p:spPr/>
-        <p:txBody>
-          <a:bodyPr>
-            <a:normAutofit/>
-          </a:bodyPr>
-          <a:lstStyle/>
-          <a:p>
-            <a:r>
-              <a:rPr kumimoji="1" lang="ja-JP" altLang="en-US" sz="2400"/>
-              <a:t>簡単なブッキングにおける実際の席割結果を共有していただけると嬉しいです</a:t>
-            </a:r>
-            <a:endParaRPr kumimoji="1" lang="en-US" altLang="ja-JP" sz="2400" dirty="0"/>
-          </a:p>
-          <a:p>
-            <a:endParaRPr lang="en-US" altLang="ja-JP" sz="2400" dirty="0"/>
-          </a:p>
-          <a:p>
-            <a:r>
-              <a:rPr kumimoji="1" lang="ja-JP" altLang="en-US" sz="2400"/>
-              <a:t>理由としては</a:t>
-            </a:r>
-            <a:r>
-              <a:rPr kumimoji="1" lang="en-US" altLang="ja-JP" sz="2400" dirty="0"/>
-              <a:t>2</a:t>
-            </a:r>
-            <a:r>
-              <a:rPr kumimoji="1" lang="ja-JP" altLang="en-US" sz="2400"/>
-              <a:t>点</a:t>
-            </a:r>
-            <a:endParaRPr lang="en-US" altLang="ja-JP" sz="2200" dirty="0"/>
-          </a:p>
-          <a:p>
-            <a:pPr lvl="1"/>
-            <a:r>
-              <a:rPr kumimoji="1" lang="en-US" altLang="ja-JP" sz="2200" dirty="0"/>
-              <a:t>4</a:t>
-            </a:r>
-            <a:r>
-              <a:rPr kumimoji="1" lang="ja-JP" altLang="en-US" sz="2200"/>
-              <a:t>つある目的関数のそれぞれの値を比較できる</a:t>
-            </a:r>
-            <a:endParaRPr kumimoji="1" lang="en-US" altLang="ja-JP" sz="2200" dirty="0"/>
-          </a:p>
-          <a:p>
-            <a:pPr lvl="1"/>
-            <a:r>
-              <a:rPr lang="ja-JP" altLang="en-US" sz="2200"/>
-              <a:t>目的関数の重み付けがしやすくなる</a:t>
-            </a:r>
-            <a:endParaRPr kumimoji="1" lang="en-US" altLang="ja-JP" sz="2200" dirty="0"/>
-          </a:p>
-        </p:txBody>
-      </p:sp>
-    </p:spTree>
-    <p:extLst>
-      <p:ext uri="{BB962C8B-B14F-4D97-AF65-F5344CB8AC3E}">
-        <p14:creationId xmlns:p14="http://schemas.microsoft.com/office/powerpoint/2010/main" val="25606556"/>
       </p:ext>
     </p:extLst>
   </p:cSld>
@@ -12331,7 +13382,7 @@
           <p:cNvPr id="2" name="タイトル 1">
             <a:extLst>
               <a:ext uri="{FF2B5EF4-FFF2-40B4-BE49-F238E27FC236}">
-                <a16:creationId xmlns:a16="http://schemas.microsoft.com/office/drawing/2014/main" id="{8D8AB8B4-50D4-334C-9160-687573D1802E}"/>
+                <a16:creationId xmlns:a16="http://schemas.microsoft.com/office/drawing/2014/main" id="{60073449-F50B-0F44-87D3-A90996CF8803}"/>
               </a:ext>
             </a:extLst>
           </p:cNvPr>
@@ -12348,10 +13399,9 @@
           <a:lstStyle/>
           <a:p>
             <a:r>
-              <a:rPr lang="ja-JP" altLang="en-US"/>
-              <a:t>専用ソルバー</a:t>
-            </a:r>
-            <a:endParaRPr kumimoji="1" lang="ja-JP" altLang="en-US"/>
+              <a:rPr kumimoji="1" lang="ja-JP" altLang="en-US"/>
+              <a:t>モデルについて</a:t>
+            </a:r>
           </a:p>
         </p:txBody>
       </p:sp>
@@ -12360,7 +13410,7 @@
           <p:cNvPr id="3" name="コンテンツ プレースホルダー 2">
             <a:extLst>
               <a:ext uri="{FF2B5EF4-FFF2-40B4-BE49-F238E27FC236}">
-                <a16:creationId xmlns:a16="http://schemas.microsoft.com/office/drawing/2014/main" id="{38B50414-02FE-2149-9754-56B86886A621}"/>
+                <a16:creationId xmlns:a16="http://schemas.microsoft.com/office/drawing/2014/main" id="{8C14A0A6-ACD2-3C4B-B7AF-ADD8335CCCE0}"/>
               </a:ext>
             </a:extLst>
           </p:cNvPr>
@@ -12373,8 +13423,8 @@
         </p:nvSpPr>
         <p:spPr>
           <a:xfrm>
-            <a:off x="2589211" y="2133600"/>
-            <a:ext cx="9117879" cy="3777622"/>
+            <a:off x="2147455" y="1731819"/>
+            <a:ext cx="9357157" cy="4317949"/>
           </a:xfrm>
         </p:spPr>
         <p:txBody>
@@ -12383,322 +13433,84 @@
           </a:bodyPr>
           <a:lstStyle/>
           <a:p>
-            <a:r>
-              <a:rPr kumimoji="1" lang="ja-JP" altLang="en-US" sz="2400"/>
-              <a:t>局所探索法という手法を用いる</a:t>
-            </a:r>
-            <a:endParaRPr kumimoji="1" lang="en-US" altLang="ja-JP" sz="2400" dirty="0"/>
-          </a:p>
-          <a:p>
-            <a:r>
-              <a:rPr kumimoji="1" lang="ja-JP" altLang="en-US" sz="2400"/>
-              <a:t>目的関数の値が小さくなるように、さまざまな解を探していく</a:t>
-            </a:r>
-            <a:endParaRPr kumimoji="1" lang="en-US" altLang="ja-JP" sz="2400" dirty="0"/>
-          </a:p>
-          <a:p>
-            <a:endParaRPr kumimoji="1" lang="ja-JP" altLang="en-US" sz="2400"/>
-          </a:p>
-        </p:txBody>
-      </p:sp>
-      <p:pic>
-        <p:nvPicPr>
-          <p:cNvPr id="5" name="コンテンツ プレースホルダー 4">
-            <a:extLst>
-              <a:ext uri="{FF2B5EF4-FFF2-40B4-BE49-F238E27FC236}">
-                <a16:creationId xmlns:a16="http://schemas.microsoft.com/office/drawing/2014/main" id="{82757391-BCBE-9449-A1F3-0FF095BDD2D4}"/>
-              </a:ext>
-            </a:extLst>
-          </p:cNvPr>
-          <p:cNvPicPr>
-            <a:picLocks noChangeAspect="1"/>
-          </p:cNvPicPr>
-          <p:nvPr/>
-        </p:nvPicPr>
-        <p:blipFill>
-          <a:blip r:embed="rId2"/>
-          <a:stretch>
-            <a:fillRect/>
-          </a:stretch>
-        </p:blipFill>
-        <p:spPr>
-          <a:xfrm>
-            <a:off x="4127711" y="3269672"/>
-            <a:ext cx="4719911" cy="3101055"/>
-          </a:xfrm>
-          <a:prstGeom prst="rect">
-            <a:avLst/>
-          </a:prstGeom>
-        </p:spPr>
-      </p:pic>
-      <p:sp>
-        <p:nvSpPr>
-          <p:cNvPr id="6" name="円/楕円 5">
-            <a:extLst>
-              <a:ext uri="{FF2B5EF4-FFF2-40B4-BE49-F238E27FC236}">
-                <a16:creationId xmlns:a16="http://schemas.microsoft.com/office/drawing/2014/main" id="{5DE9A4FD-09AD-4742-BC19-85C7AD091E3A}"/>
-              </a:ext>
-            </a:extLst>
-          </p:cNvPr>
-          <p:cNvSpPr/>
-          <p:nvPr/>
-        </p:nvSpPr>
-        <p:spPr>
-          <a:xfrm>
-            <a:off x="4480015" y="4074385"/>
-            <a:ext cx="718712" cy="861709"/>
-          </a:xfrm>
-          <a:prstGeom prst="ellipse">
-            <a:avLst/>
-          </a:prstGeom>
-          <a:solidFill>
-            <a:schemeClr val="accent2">
-              <a:lumMod val="20000"/>
-              <a:lumOff val="80000"/>
-              <a:alpha val="46000"/>
-            </a:schemeClr>
-          </a:solidFill>
-          <a:ln>
-            <a:solidFill>
-              <a:schemeClr val="tx1"/>
-            </a:solidFill>
-          </a:ln>
-        </p:spPr>
-        <p:style>
-          <a:lnRef idx="2">
-            <a:schemeClr val="accent1">
-              <a:shade val="50000"/>
-            </a:schemeClr>
-          </a:lnRef>
-          <a:fillRef idx="1">
-            <a:schemeClr val="accent1"/>
-          </a:fillRef>
-          <a:effectRef idx="0">
-            <a:schemeClr val="accent1"/>
-          </a:effectRef>
-          <a:fontRef idx="minor">
-            <a:schemeClr val="lt1"/>
-          </a:fontRef>
-        </p:style>
-        <p:txBody>
-          <a:bodyPr rtlCol="0" anchor="ctr"/>
-          <a:lstStyle/>
-          <a:p>
-            <a:pPr algn="ctr"/>
-            <a:endParaRPr kumimoji="1" lang="ja-JP" altLang="en-US"/>
-          </a:p>
-        </p:txBody>
-      </p:sp>
-      <p:sp>
-        <p:nvSpPr>
-          <p:cNvPr id="7" name="テキスト ボックス 6">
-            <a:extLst>
-              <a:ext uri="{FF2B5EF4-FFF2-40B4-BE49-F238E27FC236}">
-                <a16:creationId xmlns:a16="http://schemas.microsoft.com/office/drawing/2014/main" id="{15E71E6A-6510-8147-89CB-B15D14798B97}"/>
-              </a:ext>
-            </a:extLst>
-          </p:cNvPr>
-          <p:cNvSpPr txBox="1"/>
-          <p:nvPr/>
-        </p:nvSpPr>
-        <p:spPr>
-          <a:xfrm>
-            <a:off x="4994563" y="4026119"/>
-            <a:ext cx="141819" cy="305614"/>
-          </a:xfrm>
-          <a:prstGeom prst="rect">
-            <a:avLst/>
-          </a:prstGeom>
-          <a:noFill/>
-        </p:spPr>
-        <p:txBody>
-          <a:bodyPr wrap="square" rtlCol="0">
-            <a:spAutoFit/>
-          </a:bodyPr>
-          <a:lstStyle/>
-          <a:p>
-            <a:endParaRPr kumimoji="1" lang="ja-JP" altLang="en-US"/>
-          </a:p>
-        </p:txBody>
-      </p:sp>
-      <p:sp>
-        <p:nvSpPr>
-          <p:cNvPr id="8" name="円/楕円 7">
-            <a:extLst>
-              <a:ext uri="{FF2B5EF4-FFF2-40B4-BE49-F238E27FC236}">
-                <a16:creationId xmlns:a16="http://schemas.microsoft.com/office/drawing/2014/main" id="{BF7503F7-8228-8641-95DC-514CBF78D069}"/>
-              </a:ext>
-            </a:extLst>
-          </p:cNvPr>
-          <p:cNvSpPr/>
-          <p:nvPr/>
-        </p:nvSpPr>
-        <p:spPr>
-          <a:xfrm>
-            <a:off x="5198727" y="5090372"/>
-            <a:ext cx="744536" cy="700402"/>
-          </a:xfrm>
-          <a:prstGeom prst="ellipse">
-            <a:avLst/>
-          </a:prstGeom>
-          <a:solidFill>
-            <a:schemeClr val="accent2">
-              <a:lumMod val="20000"/>
-              <a:lumOff val="80000"/>
-              <a:alpha val="46000"/>
-            </a:schemeClr>
-          </a:solidFill>
-          <a:ln>
-            <a:solidFill>
-              <a:schemeClr val="tx1"/>
-            </a:solidFill>
-          </a:ln>
-        </p:spPr>
-        <p:style>
-          <a:lnRef idx="2">
-            <a:schemeClr val="accent1">
-              <a:shade val="50000"/>
-            </a:schemeClr>
-          </a:lnRef>
-          <a:fillRef idx="1">
-            <a:schemeClr val="accent1"/>
-          </a:fillRef>
-          <a:effectRef idx="0">
-            <a:schemeClr val="accent1"/>
-          </a:effectRef>
-          <a:fontRef idx="minor">
-            <a:schemeClr val="lt1"/>
-          </a:fontRef>
-        </p:style>
-        <p:txBody>
-          <a:bodyPr rtlCol="0" anchor="ctr"/>
-          <a:lstStyle/>
-          <a:p>
-            <a:pPr algn="ctr"/>
-            <a:endParaRPr kumimoji="1" lang="ja-JP" altLang="en-US"/>
-          </a:p>
-        </p:txBody>
-      </p:sp>
-      <p:sp>
-        <p:nvSpPr>
-          <p:cNvPr id="9" name="円/楕円 8">
-            <a:extLst>
-              <a:ext uri="{FF2B5EF4-FFF2-40B4-BE49-F238E27FC236}">
-                <a16:creationId xmlns:a16="http://schemas.microsoft.com/office/drawing/2014/main" id="{A7101B31-D864-8F4E-B635-FBFF848B7D8A}"/>
-              </a:ext>
-            </a:extLst>
-          </p:cNvPr>
-          <p:cNvSpPr/>
-          <p:nvPr/>
-        </p:nvSpPr>
-        <p:spPr>
-          <a:xfrm>
-            <a:off x="7504474" y="4331733"/>
-            <a:ext cx="628144" cy="662083"/>
-          </a:xfrm>
-          <a:prstGeom prst="ellipse">
-            <a:avLst/>
-          </a:prstGeom>
-          <a:solidFill>
-            <a:schemeClr val="accent2">
-              <a:lumMod val="20000"/>
-              <a:lumOff val="80000"/>
-              <a:alpha val="46000"/>
-            </a:schemeClr>
-          </a:solidFill>
-          <a:ln>
-            <a:solidFill>
-              <a:schemeClr val="tx1"/>
-            </a:solidFill>
-          </a:ln>
-        </p:spPr>
-        <p:style>
-          <a:lnRef idx="2">
-            <a:schemeClr val="accent1">
-              <a:shade val="50000"/>
-            </a:schemeClr>
-          </a:lnRef>
-          <a:fillRef idx="1">
-            <a:schemeClr val="accent1"/>
-          </a:fillRef>
-          <a:effectRef idx="0">
-            <a:schemeClr val="accent1"/>
-          </a:effectRef>
-          <a:fontRef idx="minor">
-            <a:schemeClr val="lt1"/>
-          </a:fontRef>
-        </p:style>
-        <p:txBody>
-          <a:bodyPr rtlCol="0" anchor="ctr"/>
-          <a:lstStyle/>
-          <a:p>
-            <a:pPr algn="ctr"/>
-            <a:endParaRPr kumimoji="1" lang="ja-JP" altLang="en-US"/>
-          </a:p>
-        </p:txBody>
-      </p:sp>
-      <p:sp>
-        <p:nvSpPr>
-          <p:cNvPr id="10" name="円/楕円 9">
-            <a:extLst>
-              <a:ext uri="{FF2B5EF4-FFF2-40B4-BE49-F238E27FC236}">
-                <a16:creationId xmlns:a16="http://schemas.microsoft.com/office/drawing/2014/main" id="{1FDF9E30-8E31-E34A-9EE4-77FDB099BEE3}"/>
-              </a:ext>
-            </a:extLst>
-          </p:cNvPr>
-          <p:cNvSpPr/>
-          <p:nvPr/>
-        </p:nvSpPr>
-        <p:spPr>
-          <a:xfrm>
-            <a:off x="6041653" y="5135992"/>
-            <a:ext cx="892025" cy="884260"/>
-          </a:xfrm>
-          <a:prstGeom prst="ellipse">
-            <a:avLst/>
-          </a:prstGeom>
-          <a:solidFill>
-            <a:schemeClr val="accent5">
-              <a:lumMod val="20000"/>
-              <a:lumOff val="80000"/>
-              <a:alpha val="46000"/>
-            </a:schemeClr>
-          </a:solidFill>
-          <a:ln>
-            <a:solidFill>
-              <a:schemeClr val="tx1"/>
-            </a:solidFill>
-          </a:ln>
-        </p:spPr>
-        <p:style>
-          <a:lnRef idx="2">
-            <a:schemeClr val="accent1">
-              <a:shade val="50000"/>
-            </a:schemeClr>
-          </a:lnRef>
-          <a:fillRef idx="1">
-            <a:schemeClr val="accent1"/>
-          </a:fillRef>
-          <a:effectRef idx="0">
-            <a:schemeClr val="accent1"/>
-          </a:effectRef>
-          <a:fontRef idx="minor">
-            <a:schemeClr val="lt1"/>
-          </a:fontRef>
-        </p:style>
-        <p:txBody>
-          <a:bodyPr rtlCol="0" anchor="ctr"/>
-          <a:lstStyle/>
-          <a:p>
-            <a:pPr algn="ctr"/>
-            <a:endParaRPr kumimoji="1" lang="ja-JP" altLang="en-US"/>
+            <a:pPr marL="0" indent="0">
+              <a:buNone/>
+            </a:pPr>
+            <a:r>
+              <a:rPr lang="ja-JP" altLang="en-US" sz="2800"/>
+              <a:t>計算する際に、必ず守るべき条件が制約</a:t>
+            </a:r>
+            <a:endParaRPr kumimoji="1" lang="en-US" altLang="ja-JP" sz="2800" dirty="0"/>
+          </a:p>
+          <a:p>
+            <a:r>
+              <a:rPr kumimoji="1" lang="ja-JP" altLang="en-US" sz="2800"/>
+              <a:t>制約は</a:t>
+            </a:r>
+            <a:r>
+              <a:rPr kumimoji="1" lang="en-US" altLang="ja-JP" sz="2800" dirty="0"/>
+              <a:t>4</a:t>
+            </a:r>
+            <a:r>
+              <a:rPr lang="ja-JP" altLang="en-US" sz="2800"/>
+              <a:t>つ</a:t>
+            </a:r>
+            <a:endParaRPr kumimoji="1" lang="en-US" altLang="ja-JP" sz="2800" dirty="0"/>
+          </a:p>
+          <a:p>
+            <a:pPr marL="914400" lvl="1" indent="-457200">
+              <a:buFont typeface="+mj-lt"/>
+              <a:buAutoNum type="arabicPeriod"/>
+            </a:pPr>
+            <a:r>
+              <a:rPr lang="ja-JP" altLang="en-US" sz="2200"/>
+              <a:t>貨物の走行路を確保する</a:t>
+            </a:r>
+            <a:endParaRPr lang="en-US" altLang="ja-JP" sz="2200" dirty="0"/>
+          </a:p>
+          <a:p>
+            <a:pPr marL="914400" lvl="1" indent="-457200">
+              <a:buFont typeface="+mj-lt"/>
+              <a:buAutoNum type="arabicPeriod"/>
+            </a:pPr>
+            <a:r>
+              <a:rPr lang="ja-JP" altLang="en-US" sz="2200"/>
+              <a:t>船内自動車の全体荷重が閾値を超えない </a:t>
+            </a:r>
+            <a:endParaRPr lang="en-US" altLang="ja-JP" sz="2200" dirty="0"/>
+          </a:p>
+          <a:p>
+            <a:pPr marL="914400" lvl="1" indent="-457200">
+              <a:buFont typeface="+mj-lt"/>
+              <a:buAutoNum type="arabicPeriod"/>
+            </a:pPr>
+            <a:r>
+              <a:rPr lang="ja-JP" altLang="en-US" sz="2200"/>
+              <a:t>車両のサイズの考慮</a:t>
+            </a:r>
+            <a:endParaRPr lang="en-US" altLang="ja-JP" sz="2200" dirty="0"/>
+          </a:p>
+          <a:p>
+            <a:pPr marL="914400" lvl="1" indent="-457200">
+              <a:buFont typeface="+mj-lt"/>
+              <a:buAutoNum type="arabicPeriod"/>
+            </a:pPr>
+            <a:r>
+              <a:rPr lang="ja-JP" altLang="en-US" sz="2400">
+                <a:latin typeface="+mn-ea"/>
+              </a:rPr>
+              <a:t>デッドスペースをなくす</a:t>
+            </a:r>
+            <a:endParaRPr lang="en-US" altLang="ja-JP" sz="2400" dirty="0">
+              <a:latin typeface="+mn-ea"/>
+            </a:endParaRPr>
           </a:p>
         </p:txBody>
       </p:sp>
     </p:spTree>
     <p:extLst>
       <p:ext uri="{BB962C8B-B14F-4D97-AF65-F5344CB8AC3E}">
-        <p14:creationId xmlns:p14="http://schemas.microsoft.com/office/powerpoint/2010/main" val="318022533"/>
+        <p14:creationId xmlns:p14="http://schemas.microsoft.com/office/powerpoint/2010/main" val="4004951449"/>
       </p:ext>
     </p:extLst>
   </p:cSld>
@@ -12730,7 +13542,7 @@
           <p:cNvPr id="2" name="タイトル 1">
             <a:extLst>
               <a:ext uri="{FF2B5EF4-FFF2-40B4-BE49-F238E27FC236}">
-                <a16:creationId xmlns:a16="http://schemas.microsoft.com/office/drawing/2014/main" id="{60073449-F50B-0F44-87D3-A90996CF8803}"/>
+                <a16:creationId xmlns:a16="http://schemas.microsoft.com/office/drawing/2014/main" id="{D7B1B9ED-5BA1-C14F-9948-66ACA8DCB88E}"/>
               </a:ext>
             </a:extLst>
           </p:cNvPr>
@@ -12758,7 +13570,7 @@
           <p:cNvPr id="3" name="コンテンツ プレースホルダー 2">
             <a:extLst>
               <a:ext uri="{FF2B5EF4-FFF2-40B4-BE49-F238E27FC236}">
-                <a16:creationId xmlns:a16="http://schemas.microsoft.com/office/drawing/2014/main" id="{8C14A0A6-ACD2-3C4B-B7AF-ADD8335CCCE0}"/>
+                <a16:creationId xmlns:a16="http://schemas.microsoft.com/office/drawing/2014/main" id="{30431501-BA2F-F845-A567-99848F53BAA0}"/>
               </a:ext>
             </a:extLst>
           </p:cNvPr>
@@ -12771,94 +13583,171 @@
         </p:nvSpPr>
         <p:spPr>
           <a:xfrm>
-            <a:off x="2147455" y="1731819"/>
-            <a:ext cx="9357157" cy="4317949"/>
+            <a:off x="2589212" y="2133600"/>
+            <a:ext cx="8915400" cy="4031674"/>
           </a:xfrm>
         </p:spPr>
         <p:txBody>
           <a:bodyPr>
-            <a:normAutofit/>
+            <a:normAutofit lnSpcReduction="10000"/>
           </a:bodyPr>
           <a:lstStyle/>
+          <a:p>
+            <a:r>
+              <a:rPr lang="ja-JP" altLang="en-US" sz="2400"/>
+              <a:t>アルゴリズムでは、目的関数の値だけを考慮して解を探索</a:t>
+            </a:r>
+            <a:endParaRPr lang="en-US" altLang="ja-JP" sz="2400" dirty="0"/>
+          </a:p>
+          <a:p>
+            <a:endParaRPr lang="en-US" altLang="ja-JP" sz="2400" dirty="0"/>
+          </a:p>
+          <a:p>
+            <a:pPr marL="457200" indent="-457200">
+              <a:buFont typeface="+mj-lt"/>
+              <a:buAutoNum type="arabicPeriod"/>
+            </a:pPr>
+            <a:r>
+              <a:rPr lang="ja-JP" altLang="en-US" sz="2000">
+                <a:latin typeface="+mn-ea"/>
+              </a:rPr>
+              <a:t>一つのホールド内に複数の積み地、揚げ地の注文が入るのを減らしたい </a:t>
+            </a:r>
+            <a:endParaRPr lang="en-US" altLang="ja-JP" sz="2000" dirty="0">
+              <a:latin typeface="+mn-ea"/>
+            </a:endParaRPr>
+          </a:p>
+          <a:p>
+            <a:pPr marL="457200" indent="-457200">
+              <a:buFont typeface="+mj-lt"/>
+              <a:buAutoNum type="arabicPeriod"/>
+            </a:pPr>
+            <a:r>
+              <a:rPr lang="ja-JP" altLang="en-US" sz="2000">
+                <a:latin typeface="+mn-ea"/>
+              </a:rPr>
+              <a:t>船の内部で注文の積み地と揚げ地をなるべく揃えたい</a:t>
+            </a:r>
+            <a:endParaRPr lang="en-US" altLang="ja-JP" sz="2000" dirty="0">
+              <a:latin typeface="+mn-ea"/>
+            </a:endParaRPr>
+          </a:p>
+          <a:p>
+            <a:pPr marL="457200" indent="-457200">
+              <a:buFont typeface="+mj-lt"/>
+              <a:buAutoNum type="arabicPeriod"/>
+            </a:pPr>
+            <a:r>
+              <a:rPr lang="ja-JP" altLang="en-US" sz="2000">
+                <a:latin typeface="+mn-ea"/>
+              </a:rPr>
+              <a:t>貨物の取り回しスペースを確保したい</a:t>
+            </a:r>
+            <a:endParaRPr lang="en-US" altLang="ja-JP" sz="2000" dirty="0">
+              <a:latin typeface="+mn-ea"/>
+            </a:endParaRPr>
+          </a:p>
+          <a:p>
+            <a:pPr marL="457200" indent="-457200">
+              <a:buFont typeface="+mj-lt"/>
+              <a:buAutoNum type="arabicPeriod"/>
+            </a:pPr>
+            <a:r>
+              <a:rPr lang="ja-JP" altLang="en-US" sz="2000">
+                <a:latin typeface="+mn-ea"/>
+              </a:rPr>
+              <a:t>残容量を入口付近に寄せたい </a:t>
+            </a:r>
+            <a:endParaRPr lang="en-US" altLang="ja-JP" sz="2000" dirty="0">
+              <a:latin typeface="+mn-ea"/>
+            </a:endParaRPr>
+          </a:p>
+          <a:p>
+            <a:pPr marL="457200" indent="-457200">
+              <a:buFont typeface="+mj-lt"/>
+              <a:buAutoNum type="arabicPeriod"/>
+            </a:pPr>
+            <a:endParaRPr lang="en-US" altLang="ja-JP" sz="2000" dirty="0">
+              <a:latin typeface="+mn-ea"/>
+            </a:endParaRPr>
+          </a:p>
           <a:p>
             <a:pPr marL="0" indent="0">
               <a:buNone/>
             </a:pPr>
             <a:r>
-              <a:rPr lang="ja-JP" altLang="en-US" sz="2800"/>
-              <a:t>計算する際に、必ず守るべき条件が制約</a:t>
-            </a:r>
-            <a:endParaRPr kumimoji="1" lang="en-US" altLang="ja-JP" sz="2800" dirty="0"/>
-          </a:p>
-          <a:p>
-            <a:r>
-              <a:rPr kumimoji="1" lang="ja-JP" altLang="en-US" sz="2800"/>
-              <a:t>制約は</a:t>
-            </a:r>
-            <a:r>
-              <a:rPr kumimoji="1" lang="en-US" altLang="ja-JP" sz="2800" dirty="0"/>
-              <a:t>4</a:t>
-            </a:r>
-            <a:r>
-              <a:rPr lang="ja-JP" altLang="en-US" sz="2800"/>
-              <a:t>つ</a:t>
-            </a:r>
-            <a:endParaRPr kumimoji="1" lang="en-US" altLang="ja-JP" sz="2800" dirty="0"/>
-          </a:p>
-          <a:p>
-            <a:pPr marL="914400" lvl="1" indent="-457200">
-              <a:buFont typeface="+mj-lt"/>
-              <a:buAutoNum type="arabicPeriod"/>
-            </a:pPr>
-            <a:r>
-              <a:rPr lang="ja-JP" altLang="en-US" sz="2200"/>
-              <a:t>貨物の走行路を確保する</a:t>
-            </a:r>
-            <a:endParaRPr lang="en-US" altLang="ja-JP" sz="2200" dirty="0"/>
-          </a:p>
-          <a:p>
-            <a:pPr marL="914400" lvl="1" indent="-457200">
-              <a:buFont typeface="+mj-lt"/>
-              <a:buAutoNum type="arabicPeriod"/>
-            </a:pPr>
-            <a:r>
-              <a:rPr lang="ja-JP" altLang="en-US" sz="2200"/>
-              <a:t>船内自動車の全体荷重が閾値を超えない </a:t>
-            </a:r>
-            <a:endParaRPr lang="en-US" altLang="ja-JP" sz="2200" dirty="0"/>
-          </a:p>
-          <a:p>
-            <a:pPr marL="914400" lvl="1" indent="-457200">
-              <a:buFont typeface="+mj-lt"/>
-              <a:buAutoNum type="arabicPeriod"/>
-            </a:pPr>
-            <a:r>
-              <a:rPr lang="ja-JP" altLang="en-US" sz="2200"/>
-              <a:t>車両のサイズの考慮</a:t>
-            </a:r>
-            <a:endParaRPr lang="en-US" altLang="ja-JP" sz="2200" dirty="0"/>
-          </a:p>
-          <a:p>
-            <a:pPr marL="914400" lvl="1" indent="-457200">
-              <a:buFont typeface="+mj-lt"/>
-              <a:buAutoNum type="arabicPeriod"/>
-            </a:pPr>
-            <a:r>
               <a:rPr lang="ja-JP" altLang="en-US" sz="2400">
                 <a:latin typeface="+mn-ea"/>
               </a:rPr>
-              <a:t>デッドスペースをなくす</a:t>
+              <a:t>目的関数</a:t>
+            </a:r>
+            <a:r>
+              <a:rPr lang="en-US" altLang="ja-JP" sz="2400" dirty="0">
+                <a:latin typeface="+mn-ea"/>
+              </a:rPr>
+              <a:t>1,2,3</a:t>
+            </a:r>
+            <a:r>
+              <a:rPr lang="ja-JP" altLang="en-US" sz="2400">
+                <a:latin typeface="+mn-ea"/>
+              </a:rPr>
+              <a:t>を満たすと値は</a:t>
+            </a:r>
+            <a:r>
+              <a:rPr lang="en-US" altLang="ja-JP" sz="2400" dirty="0">
+                <a:latin typeface="+mn-ea"/>
+              </a:rPr>
+              <a:t>0</a:t>
+            </a:r>
+            <a:r>
+              <a:rPr lang="ja-JP" altLang="en-US" sz="2400">
+                <a:latin typeface="+mn-ea"/>
+              </a:rPr>
+              <a:t>に近づく</a:t>
             </a:r>
             <a:endParaRPr lang="en-US" altLang="ja-JP" sz="2400" dirty="0">
               <a:latin typeface="+mn-ea"/>
             </a:endParaRPr>
           </a:p>
+          <a:p>
+            <a:pPr marL="0" indent="0">
+              <a:buNone/>
+            </a:pPr>
+            <a:r>
+              <a:rPr lang="ja-JP" altLang="en-US" sz="2400">
+                <a:latin typeface="+mn-ea"/>
+              </a:rPr>
+              <a:t>目的関数</a:t>
+            </a:r>
+            <a:r>
+              <a:rPr lang="en-US" altLang="ja-JP" sz="2400" dirty="0">
+                <a:latin typeface="+mn-ea"/>
+              </a:rPr>
+              <a:t>4</a:t>
+            </a:r>
+            <a:r>
+              <a:rPr lang="ja-JP" altLang="en-US" sz="2400">
+                <a:latin typeface="+mn-ea"/>
+              </a:rPr>
+              <a:t>を満たすと値はマイナスに進む</a:t>
+            </a:r>
+            <a:endParaRPr lang="en-US" altLang="ja-JP" sz="2400" dirty="0"/>
+          </a:p>
+          <a:p>
+            <a:pPr marL="0" indent="0">
+              <a:buNone/>
+            </a:pPr>
+            <a:endParaRPr lang="en-US" altLang="ja-JP" sz="2400" dirty="0"/>
+          </a:p>
+          <a:p>
+            <a:endParaRPr lang="en-US" altLang="ja-JP" sz="2400" dirty="0"/>
+          </a:p>
         </p:txBody>
       </p:sp>
     </p:spTree>
     <p:extLst>
       <p:ext uri="{BB962C8B-B14F-4D97-AF65-F5344CB8AC3E}">
-        <p14:creationId xmlns:p14="http://schemas.microsoft.com/office/powerpoint/2010/main" val="4004951449"/>
+        <p14:creationId xmlns:p14="http://schemas.microsoft.com/office/powerpoint/2010/main" val="2762209749"/>
       </p:ext>
     </p:extLst>
   </p:cSld>
@@ -12890,7 +13779,7 @@
           <p:cNvPr id="2" name="タイトル 1">
             <a:extLst>
               <a:ext uri="{FF2B5EF4-FFF2-40B4-BE49-F238E27FC236}">
-                <a16:creationId xmlns:a16="http://schemas.microsoft.com/office/drawing/2014/main" id="{5149A6B0-4F52-F945-B8EA-E01CAD3AFB26}"/>
+                <a16:creationId xmlns:a16="http://schemas.microsoft.com/office/drawing/2014/main" id="{B26FEF0F-01A5-FE4E-AACA-0EBBF6FCE42E}"/>
               </a:ext>
             </a:extLst>
           </p:cNvPr>
@@ -12907,9 +13796,10 @@
           <a:lstStyle/>
           <a:p>
             <a:r>
-              <a:rPr kumimoji="1" lang="ja-JP" altLang="en-US"/>
-              <a:t>モデルについて</a:t>
-            </a:r>
+              <a:rPr lang="ja-JP" altLang="en-US"/>
+              <a:t>目的関数と席割図の対比</a:t>
+            </a:r>
+            <a:endParaRPr kumimoji="1" lang="ja-JP" altLang="en-US"/>
           </a:p>
         </p:txBody>
       </p:sp>
@@ -12918,7 +13808,7 @@
           <p:cNvPr id="3" name="コンテンツ プレースホルダー 2">
             <a:extLst>
               <a:ext uri="{FF2B5EF4-FFF2-40B4-BE49-F238E27FC236}">
-                <a16:creationId xmlns:a16="http://schemas.microsoft.com/office/drawing/2014/main" id="{40F8FEE7-4642-2E4B-A454-1E84849639FE}"/>
+                <a16:creationId xmlns:a16="http://schemas.microsoft.com/office/drawing/2014/main" id="{C3A4A5D5-741C-A042-BC94-C11D1154E760}"/>
               </a:ext>
             </a:extLst>
           </p:cNvPr>
@@ -12931,102 +13821,138 @@
         </p:nvSpPr>
         <p:spPr>
           <a:xfrm>
-            <a:off x="1676400" y="2133600"/>
-            <a:ext cx="9828212" cy="3777622"/>
+            <a:off x="2589212" y="2039330"/>
+            <a:ext cx="8915400" cy="3777622"/>
           </a:xfrm>
         </p:spPr>
         <p:txBody>
-          <a:bodyPr/>
+          <a:bodyPr>
+            <a:normAutofit/>
+          </a:bodyPr>
           <a:lstStyle/>
           <a:p>
             <a:pPr marL="0" indent="0">
               <a:buNone/>
             </a:pPr>
             <a:r>
-              <a:rPr lang="ja-JP" altLang="en-US" sz="2800"/>
-              <a:t>計算を行う際に、値を良くすることを目指すものが目的関数</a:t>
-            </a:r>
-            <a:endParaRPr lang="en-US" altLang="ja-JP" sz="2800" dirty="0"/>
-          </a:p>
-          <a:p>
-            <a:r>
-              <a:rPr lang="ja-JP" altLang="en-US" sz="2800"/>
-              <a:t>目的関数は</a:t>
-            </a:r>
-            <a:r>
-              <a:rPr lang="en-US" altLang="ja-JP" sz="2800" dirty="0"/>
-              <a:t>4</a:t>
-            </a:r>
-            <a:r>
-              <a:rPr lang="ja-JP" altLang="en-US" sz="2800"/>
-              <a:t>つ</a:t>
-            </a:r>
-            <a:endParaRPr lang="en-US" altLang="ja-JP" sz="2800" dirty="0"/>
-          </a:p>
-          <a:p>
-            <a:pPr marL="914400" lvl="1" indent="-457200">
-              <a:buFont typeface="+mj-lt"/>
-              <a:buAutoNum type="arabicPeriod"/>
+              <a:rPr kumimoji="1" lang="ja-JP" altLang="en-US" sz="2800"/>
+              <a:t>目的関数の値</a:t>
+            </a:r>
+            <a:r>
+              <a:rPr kumimoji="1" lang="en-US" altLang="ja-JP" sz="2800" dirty="0"/>
+              <a:t>: 3000</a:t>
+            </a:r>
+            <a:r>
+              <a:rPr kumimoji="1" lang="ja-JP" altLang="en-US" sz="2800"/>
+              <a:t>のとき</a:t>
+            </a:r>
+            <a:endParaRPr kumimoji="1" lang="en-US" altLang="ja-JP" sz="2800" dirty="0"/>
+          </a:p>
+          <a:p>
+            <a:r>
+              <a:rPr kumimoji="1" lang="ja-JP" altLang="en-US" sz="2400"/>
+              <a:t>探索における序盤</a:t>
+            </a:r>
+            <a:endParaRPr kumimoji="1" lang="en-US" altLang="ja-JP" sz="2400" dirty="0"/>
+          </a:p>
+          <a:p>
+            <a:pPr marL="0" indent="0">
+              <a:buNone/>
             </a:pPr>
             <a:r>
-              <a:rPr lang="ja-JP" altLang="en-US" sz="2000">
-                <a:latin typeface="+mn-ea"/>
-              </a:rPr>
-              <a:t>一つのホールド内に複数の積み地、揚げ地の注文が入るのを減らしたい </a:t>
-            </a:r>
-          </a:p>
-          <a:p>
-            <a:pPr marL="914400" lvl="1" indent="-457200">
-              <a:buFont typeface="+mj-lt"/>
-              <a:buAutoNum type="arabicPeriod"/>
+              <a:rPr lang="en-US" altLang="ja-JP" sz="2400" dirty="0"/>
+              <a:t>         </a:t>
+            </a:r>
+            <a:r>
+              <a:rPr lang="ja-JP" altLang="en-US" sz="2400"/>
+              <a:t>積み地</a:t>
+            </a:r>
+            <a:r>
+              <a:rPr lang="en-US" altLang="ja-JP" sz="2400" dirty="0"/>
+              <a:t>									</a:t>
+            </a:r>
+            <a:r>
+              <a:rPr lang="ja-JP" altLang="en-US" sz="2400"/>
+              <a:t>揚げ地</a:t>
+            </a:r>
+            <a:r>
+              <a:rPr lang="en-US" altLang="ja-JP" sz="2400" dirty="0"/>
+              <a:t>					</a:t>
+            </a:r>
+            <a:endParaRPr kumimoji="1" lang="en-US" altLang="ja-JP" sz="2400" dirty="0"/>
+          </a:p>
+          <a:p>
+            <a:pPr marL="0" indent="0">
+              <a:buNone/>
             </a:pPr>
-            <a:r>
-              <a:rPr lang="ja-JP" altLang="en-US" sz="2000">
-                <a:latin typeface="+mn-ea"/>
-              </a:rPr>
-              <a:t>船の内部で注文の積み地と揚げ地をなるべく揃えたい</a:t>
-            </a:r>
-            <a:endParaRPr lang="en-US" altLang="ja-JP" sz="2000" dirty="0">
-              <a:latin typeface="+mn-ea"/>
-            </a:endParaRPr>
-          </a:p>
-          <a:p>
-            <a:pPr marL="914400" lvl="1" indent="-457200">
-              <a:buFont typeface="+mj-lt"/>
-              <a:buAutoNum type="arabicPeriod"/>
-            </a:pPr>
-            <a:r>
-              <a:rPr lang="ja-JP" altLang="en-US" sz="2000">
-                <a:latin typeface="+mn-ea"/>
-              </a:rPr>
-              <a:t>貨物の取り回しスペースを確保したい</a:t>
-            </a:r>
-            <a:endParaRPr lang="en-US" altLang="ja-JP" sz="2000" dirty="0">
-              <a:latin typeface="+mn-ea"/>
-            </a:endParaRPr>
-          </a:p>
-          <a:p>
-            <a:pPr marL="914400" lvl="1" indent="-457200">
-              <a:buFont typeface="+mj-lt"/>
-              <a:buAutoNum type="arabicPeriod"/>
-            </a:pPr>
-            <a:r>
-              <a:rPr lang="ja-JP" altLang="en-US" sz="2000">
-                <a:latin typeface="+mn-ea"/>
-              </a:rPr>
-              <a:t>残容量を入口付近に寄せたい </a:t>
-            </a:r>
-            <a:endParaRPr lang="en-US" altLang="ja-JP" sz="2000" dirty="0"/>
-          </a:p>
-          <a:p>
-            <a:endParaRPr kumimoji="1" lang="ja-JP" altLang="en-US"/>
+            <a:endParaRPr kumimoji="1" lang="ja-JP" altLang="en-US" sz="2400"/>
           </a:p>
         </p:txBody>
       </p:sp>
+      <p:pic>
+        <p:nvPicPr>
+          <p:cNvPr id="5" name="図 4">
+            <a:extLst>
+              <a:ext uri="{FF2B5EF4-FFF2-40B4-BE49-F238E27FC236}">
+                <a16:creationId xmlns:a16="http://schemas.microsoft.com/office/drawing/2014/main" id="{528FD7DA-C74A-9B46-81E4-9FC5C27D0175}"/>
+              </a:ext>
+            </a:extLst>
+          </p:cNvPr>
+          <p:cNvPicPr>
+            <a:picLocks noChangeAspect="1"/>
+          </p:cNvPicPr>
+          <p:nvPr/>
+        </p:nvPicPr>
+        <p:blipFill>
+          <a:blip r:embed="rId2"/>
+          <a:stretch>
+            <a:fillRect/>
+          </a:stretch>
+        </p:blipFill>
+        <p:spPr>
+          <a:xfrm>
+            <a:off x="1357746" y="2338833"/>
+            <a:ext cx="6386945" cy="9038334"/>
+          </a:xfrm>
+          <a:prstGeom prst="rect">
+            <a:avLst/>
+          </a:prstGeom>
+        </p:spPr>
+      </p:pic>
+      <p:pic>
+        <p:nvPicPr>
+          <p:cNvPr id="7" name="図 6">
+            <a:extLst>
+              <a:ext uri="{FF2B5EF4-FFF2-40B4-BE49-F238E27FC236}">
+                <a16:creationId xmlns:a16="http://schemas.microsoft.com/office/drawing/2014/main" id="{6C37ECBA-E2A9-EE45-A8DB-E5190FC82BA8}"/>
+              </a:ext>
+            </a:extLst>
+          </p:cNvPr>
+          <p:cNvPicPr>
+            <a:picLocks noChangeAspect="1"/>
+          </p:cNvPicPr>
+          <p:nvPr/>
+        </p:nvPicPr>
+        <p:blipFill>
+          <a:blip r:embed="rId3"/>
+          <a:stretch>
+            <a:fillRect/>
+          </a:stretch>
+        </p:blipFill>
+        <p:spPr>
+          <a:xfrm>
+            <a:off x="6303817" y="2473163"/>
+            <a:ext cx="6065017" cy="8582764"/>
+          </a:xfrm>
+          <a:prstGeom prst="rect">
+            <a:avLst/>
+          </a:prstGeom>
+        </p:spPr>
+      </p:pic>
     </p:spTree>
     <p:extLst>
       <p:ext uri="{BB962C8B-B14F-4D97-AF65-F5344CB8AC3E}">
-        <p14:creationId xmlns:p14="http://schemas.microsoft.com/office/powerpoint/2010/main" val="3638779334"/>
+        <p14:creationId xmlns:p14="http://schemas.microsoft.com/office/powerpoint/2010/main" val="1467192094"/>
       </p:ext>
     </p:extLst>
   </p:cSld>

--- a/3月　最終報告/最終報告.pptx
+++ b/3月　最終報告/最終報告.pptx
@@ -8261,18 +8261,19 @@
             <p:ph type="ctrTitle"/>
           </p:nvPr>
         </p:nvSpPr>
-        <p:spPr/>
+        <p:spPr>
+          <a:xfrm>
+            <a:off x="2589213" y="1918854"/>
+            <a:ext cx="8915399" cy="2262781"/>
+          </a:xfrm>
+        </p:spPr>
         <p:txBody>
           <a:bodyPr/>
           <a:lstStyle/>
           <a:p>
             <a:r>
-              <a:rPr kumimoji="1" lang="en-US" altLang="ja-JP" dirty="0"/>
-              <a:t>11</a:t>
-            </a:r>
-            <a:r>
               <a:rPr lang="ja-JP" altLang="en-US"/>
-              <a:t>月 中間報告</a:t>
+              <a:t>席割自動化最終報告</a:t>
             </a:r>
             <a:endParaRPr kumimoji="1" lang="ja-JP" altLang="en-US"/>
           </a:p>
@@ -8303,7 +8304,15 @@
           <a:p>
             <a:r>
               <a:rPr kumimoji="1" lang="ja-JP" altLang="en-US" sz="2400"/>
-              <a:t>竹田陽  柳浦研究室</a:t>
+              <a:t>名古屋大学　柳浦研究室修士</a:t>
+            </a:r>
+            <a:r>
+              <a:rPr kumimoji="1" lang="en-US" altLang="ja-JP" sz="2400" dirty="0"/>
+              <a:t>2</a:t>
+            </a:r>
+            <a:r>
+              <a:rPr kumimoji="1" lang="ja-JP" altLang="en-US" sz="2400"/>
+              <a:t>年　竹田陽</a:t>
             </a:r>
           </a:p>
         </p:txBody>
@@ -9456,8 +9465,8 @@
           </a:p>
         </p:txBody>
       </p:sp>
-      <mc:AlternateContent xmlns:mc="http://schemas.openxmlformats.org/markup-compatibility/2006">
-        <mc:Choice xmlns:a14="http://schemas.microsoft.com/office/drawing/2010/main" Requires="a14">
+      <mc:AlternateContent xmlns:mc="http://schemas.openxmlformats.org/markup-compatibility/2006" xmlns:a14="http://schemas.microsoft.com/office/drawing/2010/main">
+        <mc:Choice Requires="a14">
           <p:graphicFrame>
             <p:nvGraphicFramePr>
               <p:cNvPr id="4" name="コンテンツ プレースホルダー 3">
@@ -10430,7 +10439,7 @@
             </a:graphic>
           </p:graphicFrame>
         </mc:Choice>
-        <mc:Fallback>
+        <mc:Fallback xmlns="">
           <p:graphicFrame>
             <p:nvGraphicFramePr>
               <p:cNvPr id="4" name="コンテンツ プレースホルダー 3">
@@ -11655,6 +11664,58 @@
           </a:p>
         </p:txBody>
       </p:sp>
+      <p:sp>
+        <p:nvSpPr>
+          <p:cNvPr id="4" name="テキスト ボックス 3">
+            <a:extLst>
+              <a:ext uri="{FF2B5EF4-FFF2-40B4-BE49-F238E27FC236}">
+                <a16:creationId xmlns:a16="http://schemas.microsoft.com/office/drawing/2014/main" id="{28DAF37F-22BD-8C4A-A0B3-F3E929A5D2A9}"/>
+              </a:ext>
+            </a:extLst>
+          </p:cNvPr>
+          <p:cNvSpPr txBox="1"/>
+          <p:nvPr/>
+        </p:nvSpPr>
+        <p:spPr>
+          <a:xfrm>
+            <a:off x="2701636" y="6276109"/>
+            <a:ext cx="8534400" cy="369332"/>
+          </a:xfrm>
+          <a:prstGeom prst="rect">
+            <a:avLst/>
+          </a:prstGeom>
+          <a:noFill/>
+        </p:spPr>
+        <p:txBody>
+          <a:bodyPr wrap="square" rtlCol="0">
+            <a:spAutoFit/>
+          </a:bodyPr>
+          <a:lstStyle/>
+          <a:p>
+            <a:r>
+              <a:rPr lang="en" altLang="ja-JP" dirty="0"/>
+              <a:t>https://</a:t>
+            </a:r>
+            <a:r>
+              <a:rPr lang="en" altLang="ja-JP" dirty="0" err="1"/>
+              <a:t>pr.fujitsu.com</a:t>
+            </a:r>
+            <a:r>
+              <a:rPr lang="en" altLang="ja-JP" dirty="0"/>
+              <a:t>/</a:t>
+            </a:r>
+            <a:r>
+              <a:rPr lang="en" altLang="ja-JP" dirty="0" err="1"/>
+              <a:t>jp</a:t>
+            </a:r>
+            <a:r>
+              <a:rPr lang="en" altLang="ja-JP" dirty="0"/>
+              <a:t>/news/2020/11/9.html</a:t>
+            </a:r>
+            <a:endParaRPr kumimoji="1" lang="ja-JP" altLang="en-US"/>
+          </a:p>
+        </p:txBody>
+      </p:sp>
     </p:spTree>
     <p:extLst>
       <p:ext uri="{BB962C8B-B14F-4D97-AF65-F5344CB8AC3E}">
